--- a/10 - Parametric EQ/Parametric filter design.pptx
+++ b/10 - Parametric EQ/Parametric filter design.pptx
@@ -10,7 +10,7 @@
     <p:sldMasterId id="2147483744" r:id="rId6"/>
   </p:sldMasterIdLst>
   <p:notesMasterIdLst>
-    <p:notesMasterId r:id="rId41"/>
+    <p:notesMasterId r:id="rId44"/>
   </p:notesMasterIdLst>
   <p:sldIdLst>
     <p:sldId id="319" r:id="rId7"/>
@@ -40,13 +40,16 @@
     <p:sldId id="325" r:id="rId31"/>
     <p:sldId id="324" r:id="rId32"/>
     <p:sldId id="326" r:id="rId33"/>
-    <p:sldId id="336" r:id="rId34"/>
-    <p:sldId id="327" r:id="rId35"/>
-    <p:sldId id="292" r:id="rId36"/>
-    <p:sldId id="333" r:id="rId37"/>
-    <p:sldId id="328" r:id="rId38"/>
-    <p:sldId id="334" r:id="rId39"/>
-    <p:sldId id="335" r:id="rId40"/>
+    <p:sldId id="327" r:id="rId34"/>
+    <p:sldId id="292" r:id="rId35"/>
+    <p:sldId id="333" r:id="rId36"/>
+    <p:sldId id="328" r:id="rId37"/>
+    <p:sldId id="334" r:id="rId38"/>
+    <p:sldId id="338" r:id="rId39"/>
+    <p:sldId id="339" r:id="rId40"/>
+    <p:sldId id="313" r:id="rId41"/>
+    <p:sldId id="340" r:id="rId42"/>
+    <p:sldId id="335" r:id="rId43"/>
   </p:sldIdLst>
   <p:sldSz cx="9144000" cy="6858000" type="screen4x3"/>
   <p:notesSz cx="7099300" cy="10234613"/>
@@ -1346,86 +1349,6 @@
       </p:grpSpPr>
       <p:sp>
         <p:nvSpPr>
-          <p:cNvPr id="25602" name="Rectangle 1"/>
-          <p:cNvSpPr>
-            <a:spLocks noGrp="1" noRot="1" noChangeAspect="1" noChangeArrowheads="1" noTextEdit="1"/>
-          </p:cNvSpPr>
-          <p:nvPr>
-            <p:ph type="sldImg"/>
-          </p:nvPr>
-        </p:nvSpPr>
-        <p:spPr>
-          <a:solidFill>
-            <a:srgbClr val="FFFFFF"/>
-          </a:solidFill>
-          <a:ln/>
-        </p:spPr>
-      </p:sp>
-      <p:sp>
-        <p:nvSpPr>
-          <p:cNvPr id="25603" name="Rectangle 2"/>
-          <p:cNvSpPr>
-            <a:spLocks noGrp="1" noChangeArrowheads="1"/>
-          </p:cNvSpPr>
-          <p:nvPr>
-            <p:ph type="body" idx="1"/>
-          </p:nvPr>
-        </p:nvSpPr>
-        <p:spPr>
-          <a:noFill/>
-          <a:ln/>
-        </p:spPr>
-        <p:txBody>
-          <a:bodyPr/>
-          <a:lstStyle/>
-          <a:p>
-            <a:pPr marL="70503" eaLnBrk="1" hangingPunct="1">
-              <a:spcBef>
-                <a:spcPts val="637"/>
-              </a:spcBef>
-            </a:pPr>
-            <a:endParaRPr lang="en-US" sz="1700" dirty="0">
-              <a:solidFill>
-                <a:srgbClr val="000000"/>
-              </a:solidFill>
-              <a:cs typeface="Arial" charset="0"/>
-              <a:sym typeface="Arial" charset="0"/>
-            </a:endParaRPr>
-          </a:p>
-        </p:txBody>
-      </p:sp>
-    </p:spTree>
-    <p:extLst>
-      <p:ext uri="{BB962C8B-B14F-4D97-AF65-F5344CB8AC3E}">
-        <p14:creationId xmlns:p14="http://schemas.microsoft.com/office/powerpoint/2010/main" val="268452841"/>
-      </p:ext>
-    </p:extLst>
-  </p:cSld>
-  <p:clrMapOvr>
-    <a:masterClrMapping/>
-  </p:clrMapOvr>
-</p:notes>
-</file>
-
-<file path=ppt/notesSlides/notesSlide14.xml><?xml version="1.0" encoding="utf-8"?>
-<p:notes xmlns:a="http://schemas.openxmlformats.org/drawingml/2006/main" xmlns:r="http://schemas.openxmlformats.org/officeDocument/2006/relationships" xmlns:p="http://schemas.openxmlformats.org/presentationml/2006/main">
-  <p:cSld>
-    <p:spTree>
-      <p:nvGrpSpPr>
-        <p:cNvPr id="1" name=""/>
-        <p:cNvGrpSpPr/>
-        <p:nvPr/>
-      </p:nvGrpSpPr>
-      <p:grpSpPr>
-        <a:xfrm>
-          <a:off x="0" y="0"/>
-          <a:ext cx="0" cy="0"/>
-          <a:chOff x="0" y="0"/>
-          <a:chExt cx="0" cy="0"/>
-        </a:xfrm>
-      </p:grpSpPr>
-      <p:sp>
-        <p:nvSpPr>
           <p:cNvPr id="26626" name="Rectangle 1"/>
           <p:cNvSpPr>
             <a:spLocks noGrp="1" noRot="1" noChangeAspect="1" noChangeArrowheads="1" noTextEdit="1"/>
@@ -1515,6 +1438,683 @@
         </p:txBody>
       </p:sp>
     </p:spTree>
+  </p:cSld>
+  <p:clrMapOvr>
+    <a:masterClrMapping/>
+  </p:clrMapOvr>
+</p:notes>
+</file>
+
+<file path=ppt/notesSlides/notesSlide14.xml><?xml version="1.0" encoding="utf-8"?>
+<p:notes xmlns:a="http://schemas.openxmlformats.org/drawingml/2006/main" xmlns:r="http://schemas.openxmlformats.org/officeDocument/2006/relationships" xmlns:p="http://schemas.openxmlformats.org/presentationml/2006/main">
+  <p:cSld>
+    <p:spTree>
+      <p:nvGrpSpPr>
+        <p:cNvPr id="1" name=""/>
+        <p:cNvGrpSpPr/>
+        <p:nvPr/>
+      </p:nvGrpSpPr>
+      <p:grpSpPr>
+        <a:xfrm>
+          <a:off x="0" y="0"/>
+          <a:ext cx="0" cy="0"/>
+          <a:chOff x="0" y="0"/>
+          <a:chExt cx="0" cy="0"/>
+        </a:xfrm>
+      </p:grpSpPr>
+      <p:sp>
+        <p:nvSpPr>
+          <p:cNvPr id="2" name="Slide Image Placeholder 1"/>
+          <p:cNvSpPr>
+            <a:spLocks noGrp="1" noRot="1" noChangeAspect="1"/>
+          </p:cNvSpPr>
+          <p:nvPr>
+            <p:ph type="sldImg"/>
+          </p:nvPr>
+        </p:nvSpPr>
+        <p:spPr/>
+      </p:sp>
+      <p:sp>
+        <p:nvSpPr>
+          <p:cNvPr id="3" name="Notes Placeholder 2"/>
+          <p:cNvSpPr>
+            <a:spLocks noGrp="1"/>
+          </p:cNvSpPr>
+          <p:nvPr>
+            <p:ph type="body" idx="1"/>
+          </p:nvPr>
+        </p:nvSpPr>
+        <p:spPr/>
+        <p:txBody>
+          <a:bodyPr/>
+          <a:lstStyle/>
+          <a:p>
+            <a:r>
+              <a:rPr lang="en-GB" b="0" i="0" dirty="0">
+                <a:solidFill>
+                  <a:srgbClr val="090909"/>
+                </a:solidFill>
+                <a:effectLst/>
+                <a:latin typeface="Arial" panose="020B0604020202020204" pitchFamily="34" charset="0"/>
+              </a:rPr>
+              <a:t>MidiKeyboardComponent needs a </a:t>
+            </a:r>
+            <a:r>
+              <a:rPr lang="en-GB" b="0" i="0" dirty="0" err="1">
+                <a:solidFill>
+                  <a:srgbClr val="090909"/>
+                </a:solidFill>
+                <a:effectLst/>
+                <a:latin typeface="Arial" panose="020B0604020202020204" pitchFamily="34" charset="0"/>
+              </a:rPr>
+              <a:t>MidiKeyboardState</a:t>
+            </a:r>
+            <a:r>
+              <a:rPr lang="en-GB" b="0" i="0" dirty="0">
+                <a:solidFill>
+                  <a:srgbClr val="090909"/>
+                </a:solidFill>
+                <a:effectLst/>
+                <a:latin typeface="Arial" panose="020B0604020202020204" pitchFamily="34" charset="0"/>
+              </a:rPr>
+              <a:t> and the orientation as arguments.</a:t>
+            </a:r>
+            <a:endParaRPr lang="en-GB" dirty="0"/>
+          </a:p>
+        </p:txBody>
+      </p:sp>
+      <p:sp>
+        <p:nvSpPr>
+          <p:cNvPr id="4" name="Slide Number Placeholder 3"/>
+          <p:cNvSpPr>
+            <a:spLocks noGrp="1"/>
+          </p:cNvSpPr>
+          <p:nvPr>
+            <p:ph type="sldNum" sz="quarter" idx="5"/>
+          </p:nvPr>
+        </p:nvSpPr>
+        <p:spPr/>
+        <p:txBody>
+          <a:bodyPr/>
+          <a:lstStyle/>
+          <a:p>
+            <a:pPr marL="0" marR="0" lvl="0" indent="0" algn="r" defTabSz="914400" rtl="0" eaLnBrk="1" fontAlgn="auto" latinLnBrk="0" hangingPunct="1">
+              <a:lnSpc>
+                <a:spcPct val="100000"/>
+              </a:lnSpc>
+              <a:spcBef>
+                <a:spcPts val="0"/>
+              </a:spcBef>
+              <a:spcAft>
+                <a:spcPts val="0"/>
+              </a:spcAft>
+              <a:buClrTx/>
+              <a:buSzTx/>
+              <a:buFontTx/>
+              <a:buNone/>
+              <a:tabLst/>
+              <a:defRPr/>
+            </a:pPr>
+            <a:fld id="{0FEDB78B-1C29-47A0-98D1-C458191ECDD0}" type="slidenum">
+              <a:rPr kumimoji="0" lang="en-GB" sz="1200" b="0" i="0" u="none" strike="noStrike" kern="1200" cap="none" spc="0" normalizeH="0" baseline="0" noProof="0" smtClean="0">
+                <a:ln>
+                  <a:noFill/>
+                </a:ln>
+                <a:solidFill>
+                  <a:prstClr val="black"/>
+                </a:solidFill>
+                <a:effectLst/>
+                <a:uLnTx/>
+                <a:uFillTx/>
+                <a:latin typeface="Calibri" panose="020F0502020204030204"/>
+                <a:ea typeface="+mn-ea"/>
+                <a:cs typeface="+mn-cs"/>
+              </a:rPr>
+              <a:pPr marL="0" marR="0" lvl="0" indent="0" algn="r" defTabSz="914400" rtl="0" eaLnBrk="1" fontAlgn="auto" latinLnBrk="0" hangingPunct="1">
+                <a:lnSpc>
+                  <a:spcPct val="100000"/>
+                </a:lnSpc>
+                <a:spcBef>
+                  <a:spcPts val="0"/>
+                </a:spcBef>
+                <a:spcAft>
+                  <a:spcPts val="0"/>
+                </a:spcAft>
+                <a:buClrTx/>
+                <a:buSzTx/>
+                <a:buFontTx/>
+                <a:buNone/>
+                <a:tabLst/>
+                <a:defRPr/>
+              </a:pPr>
+              <a:t>33</a:t>
+            </a:fld>
+            <a:endParaRPr kumimoji="0" lang="en-GB" sz="1200" b="0" i="0" u="none" strike="noStrike" kern="1200" cap="none" spc="0" normalizeH="0" baseline="0" noProof="0">
+              <a:ln>
+                <a:noFill/>
+              </a:ln>
+              <a:solidFill>
+                <a:prstClr val="black"/>
+              </a:solidFill>
+              <a:effectLst/>
+              <a:uLnTx/>
+              <a:uFillTx/>
+              <a:latin typeface="Calibri" panose="020F0502020204030204"/>
+              <a:ea typeface="+mn-ea"/>
+              <a:cs typeface="+mn-cs"/>
+            </a:endParaRPr>
+          </a:p>
+        </p:txBody>
+      </p:sp>
+    </p:spTree>
+    <p:extLst>
+      <p:ext uri="{BB962C8B-B14F-4D97-AF65-F5344CB8AC3E}">
+        <p14:creationId xmlns:p14="http://schemas.microsoft.com/office/powerpoint/2010/main" val="363978050"/>
+      </p:ext>
+    </p:extLst>
+  </p:cSld>
+  <p:clrMapOvr>
+    <a:masterClrMapping/>
+  </p:clrMapOvr>
+</p:notes>
+</file>
+
+<file path=ppt/notesSlides/notesSlide15.xml><?xml version="1.0" encoding="utf-8"?>
+<p:notes xmlns:a="http://schemas.openxmlformats.org/drawingml/2006/main" xmlns:r="http://schemas.openxmlformats.org/officeDocument/2006/relationships" xmlns:p="http://schemas.openxmlformats.org/presentationml/2006/main">
+  <p:cSld>
+    <p:spTree>
+      <p:nvGrpSpPr>
+        <p:cNvPr id="1" name=""/>
+        <p:cNvGrpSpPr/>
+        <p:nvPr/>
+      </p:nvGrpSpPr>
+      <p:grpSpPr>
+        <a:xfrm>
+          <a:off x="0" y="0"/>
+          <a:ext cx="0" cy="0"/>
+          <a:chOff x="0" y="0"/>
+          <a:chExt cx="0" cy="0"/>
+        </a:xfrm>
+      </p:grpSpPr>
+      <p:sp>
+        <p:nvSpPr>
+          <p:cNvPr id="2" name="Slide Image Placeholder 1"/>
+          <p:cNvSpPr>
+            <a:spLocks noGrp="1" noRot="1" noChangeAspect="1"/>
+          </p:cNvSpPr>
+          <p:nvPr>
+            <p:ph type="sldImg"/>
+          </p:nvPr>
+        </p:nvSpPr>
+        <p:spPr/>
+      </p:sp>
+      <p:sp>
+        <p:nvSpPr>
+          <p:cNvPr id="3" name="Notes Placeholder 2"/>
+          <p:cNvSpPr>
+            <a:spLocks noGrp="1"/>
+          </p:cNvSpPr>
+          <p:nvPr>
+            <p:ph type="body" idx="1"/>
+          </p:nvPr>
+        </p:nvSpPr>
+        <p:spPr/>
+        <p:txBody>
+          <a:bodyPr/>
+          <a:lstStyle/>
+          <a:p>
+            <a:pPr>
+              <a:lnSpc>
+                <a:spcPct val="100000"/>
+              </a:lnSpc>
+              <a:spcBef>
+                <a:spcPts val="300"/>
+              </a:spcBef>
+              <a:spcAft>
+                <a:spcPts val="200"/>
+              </a:spcAft>
+              <a:buSzPct val="80000"/>
+              <a:tabLst>
+                <a:tab pos="457200" algn="l"/>
+              </a:tabLst>
+            </a:pPr>
+            <a:r>
+              <a:rPr lang="en-GB" sz="1200" dirty="0">
+                <a:effectLst/>
+                <a:ea typeface="Times New Roman" panose="02020603050405020304" pitchFamily="18" charset="0"/>
+              </a:rPr>
+              <a:t>must pass </a:t>
+            </a:r>
+            <a:r>
+              <a:rPr lang="en-GB" sz="1200" dirty="0" err="1">
+                <a:effectLst/>
+                <a:ea typeface="Times New Roman" panose="02020603050405020304" pitchFamily="18" charset="0"/>
+              </a:rPr>
+              <a:t>MidiKeyboardState</a:t>
+            </a:r>
+            <a:r>
+              <a:rPr lang="en-GB" sz="1200" dirty="0">
+                <a:effectLst/>
+                <a:ea typeface="Times New Roman" panose="02020603050405020304" pitchFamily="18" charset="0"/>
+              </a:rPr>
+              <a:t> object to initialise MidiKeyboardComponent object</a:t>
+            </a:r>
+          </a:p>
+        </p:txBody>
+      </p:sp>
+      <p:sp>
+        <p:nvSpPr>
+          <p:cNvPr id="4" name="Slide Number Placeholder 3"/>
+          <p:cNvSpPr>
+            <a:spLocks noGrp="1"/>
+          </p:cNvSpPr>
+          <p:nvPr>
+            <p:ph type="sldNum" sz="quarter" idx="5"/>
+          </p:nvPr>
+        </p:nvSpPr>
+        <p:spPr/>
+        <p:txBody>
+          <a:bodyPr/>
+          <a:lstStyle/>
+          <a:p>
+            <a:pPr marL="0" marR="0" lvl="0" indent="0" algn="r" defTabSz="914400" rtl="0" eaLnBrk="1" fontAlgn="auto" latinLnBrk="0" hangingPunct="1">
+              <a:lnSpc>
+                <a:spcPct val="100000"/>
+              </a:lnSpc>
+              <a:spcBef>
+                <a:spcPts val="0"/>
+              </a:spcBef>
+              <a:spcAft>
+                <a:spcPts val="0"/>
+              </a:spcAft>
+              <a:buClrTx/>
+              <a:buSzTx/>
+              <a:buFontTx/>
+              <a:buNone/>
+              <a:tabLst/>
+              <a:defRPr/>
+            </a:pPr>
+            <a:fld id="{0FEDB78B-1C29-47A0-98D1-C458191ECDD0}" type="slidenum">
+              <a:rPr kumimoji="0" lang="en-GB" sz="1200" b="0" i="0" u="none" strike="noStrike" kern="1200" cap="none" spc="0" normalizeH="0" baseline="0" noProof="0" smtClean="0">
+                <a:ln>
+                  <a:noFill/>
+                </a:ln>
+                <a:solidFill>
+                  <a:prstClr val="black"/>
+                </a:solidFill>
+                <a:effectLst/>
+                <a:uLnTx/>
+                <a:uFillTx/>
+                <a:latin typeface="Calibri" panose="020F0502020204030204"/>
+                <a:ea typeface="+mn-ea"/>
+                <a:cs typeface="+mn-cs"/>
+              </a:rPr>
+              <a:pPr marL="0" marR="0" lvl="0" indent="0" algn="r" defTabSz="914400" rtl="0" eaLnBrk="1" fontAlgn="auto" latinLnBrk="0" hangingPunct="1">
+                <a:lnSpc>
+                  <a:spcPct val="100000"/>
+                </a:lnSpc>
+                <a:spcBef>
+                  <a:spcPts val="0"/>
+                </a:spcBef>
+                <a:spcAft>
+                  <a:spcPts val="0"/>
+                </a:spcAft>
+                <a:buClrTx/>
+                <a:buSzTx/>
+                <a:buFontTx/>
+                <a:buNone/>
+                <a:tabLst/>
+                <a:defRPr/>
+              </a:pPr>
+              <a:t>34</a:t>
+            </a:fld>
+            <a:endParaRPr kumimoji="0" lang="en-GB" sz="1200" b="0" i="0" u="none" strike="noStrike" kern="1200" cap="none" spc="0" normalizeH="0" baseline="0" noProof="0">
+              <a:ln>
+                <a:noFill/>
+              </a:ln>
+              <a:solidFill>
+                <a:prstClr val="black"/>
+              </a:solidFill>
+              <a:effectLst/>
+              <a:uLnTx/>
+              <a:uFillTx/>
+              <a:latin typeface="Calibri" panose="020F0502020204030204"/>
+              <a:ea typeface="+mn-ea"/>
+              <a:cs typeface="+mn-cs"/>
+            </a:endParaRPr>
+          </a:p>
+        </p:txBody>
+      </p:sp>
+    </p:spTree>
+    <p:extLst>
+      <p:ext uri="{BB962C8B-B14F-4D97-AF65-F5344CB8AC3E}">
+        <p14:creationId xmlns:p14="http://schemas.microsoft.com/office/powerpoint/2010/main" val="1072237141"/>
+      </p:ext>
+    </p:extLst>
+  </p:cSld>
+  <p:clrMapOvr>
+    <a:masterClrMapping/>
+  </p:clrMapOvr>
+</p:notes>
+</file>
+
+<file path=ppt/notesSlides/notesSlide16.xml><?xml version="1.0" encoding="utf-8"?>
+<p:notes xmlns:a="http://schemas.openxmlformats.org/drawingml/2006/main" xmlns:r="http://schemas.openxmlformats.org/officeDocument/2006/relationships" xmlns:p="http://schemas.openxmlformats.org/presentationml/2006/main">
+  <p:cSld>
+    <p:spTree>
+      <p:nvGrpSpPr>
+        <p:cNvPr id="1" name=""/>
+        <p:cNvGrpSpPr/>
+        <p:nvPr/>
+      </p:nvGrpSpPr>
+      <p:grpSpPr>
+        <a:xfrm>
+          <a:off x="0" y="0"/>
+          <a:ext cx="0" cy="0"/>
+          <a:chOff x="0" y="0"/>
+          <a:chExt cx="0" cy="0"/>
+        </a:xfrm>
+      </p:grpSpPr>
+      <p:sp>
+        <p:nvSpPr>
+          <p:cNvPr id="2" name="Slide Image Placeholder 1"/>
+          <p:cNvSpPr>
+            <a:spLocks noGrp="1" noRot="1" noChangeAspect="1"/>
+          </p:cNvSpPr>
+          <p:nvPr>
+            <p:ph type="sldImg"/>
+          </p:nvPr>
+        </p:nvSpPr>
+        <p:spPr/>
+      </p:sp>
+      <p:sp>
+        <p:nvSpPr>
+          <p:cNvPr id="3" name="Notes Placeholder 2"/>
+          <p:cNvSpPr>
+            <a:spLocks noGrp="1"/>
+          </p:cNvSpPr>
+          <p:nvPr>
+            <p:ph type="body" idx="1"/>
+          </p:nvPr>
+        </p:nvSpPr>
+        <p:spPr/>
+        <p:txBody>
+          <a:bodyPr/>
+          <a:lstStyle/>
+          <a:p>
+            <a:pPr>
+              <a:lnSpc>
+                <a:spcPct val="100000"/>
+              </a:lnSpc>
+              <a:spcBef>
+                <a:spcPts val="300"/>
+              </a:spcBef>
+              <a:spcAft>
+                <a:spcPts val="200"/>
+              </a:spcAft>
+              <a:buSzPct val="80000"/>
+              <a:tabLst>
+                <a:tab pos="457200" algn="l"/>
+              </a:tabLst>
+            </a:pPr>
+            <a:endParaRPr lang="en-GB" sz="1200" dirty="0">
+              <a:effectLst/>
+              <a:ea typeface="Times New Roman" panose="02020603050405020304" pitchFamily="18" charset="0"/>
+            </a:endParaRPr>
+          </a:p>
+        </p:txBody>
+      </p:sp>
+      <p:sp>
+        <p:nvSpPr>
+          <p:cNvPr id="4" name="Slide Number Placeholder 3"/>
+          <p:cNvSpPr>
+            <a:spLocks noGrp="1"/>
+          </p:cNvSpPr>
+          <p:nvPr>
+            <p:ph type="sldNum" sz="quarter" idx="5"/>
+          </p:nvPr>
+        </p:nvSpPr>
+        <p:spPr/>
+        <p:txBody>
+          <a:bodyPr/>
+          <a:lstStyle/>
+          <a:p>
+            <a:pPr marL="0" marR="0" lvl="0" indent="0" algn="r" defTabSz="914400" rtl="0" eaLnBrk="1" fontAlgn="auto" latinLnBrk="0" hangingPunct="1">
+              <a:lnSpc>
+                <a:spcPct val="100000"/>
+              </a:lnSpc>
+              <a:spcBef>
+                <a:spcPts val="0"/>
+              </a:spcBef>
+              <a:spcAft>
+                <a:spcPts val="0"/>
+              </a:spcAft>
+              <a:buClrTx/>
+              <a:buSzTx/>
+              <a:buFontTx/>
+              <a:buNone/>
+              <a:tabLst/>
+              <a:defRPr/>
+            </a:pPr>
+            <a:fld id="{0FEDB78B-1C29-47A0-98D1-C458191ECDD0}" type="slidenum">
+              <a:rPr kumimoji="0" lang="en-GB" sz="1200" b="0" i="0" u="none" strike="noStrike" kern="1200" cap="none" spc="0" normalizeH="0" baseline="0" noProof="0" smtClean="0">
+                <a:ln>
+                  <a:noFill/>
+                </a:ln>
+                <a:solidFill>
+                  <a:prstClr val="black"/>
+                </a:solidFill>
+                <a:effectLst/>
+                <a:uLnTx/>
+                <a:uFillTx/>
+                <a:latin typeface="Calibri" panose="020F0502020204030204"/>
+                <a:ea typeface="+mn-ea"/>
+                <a:cs typeface="+mn-cs"/>
+              </a:rPr>
+              <a:pPr marL="0" marR="0" lvl="0" indent="0" algn="r" defTabSz="914400" rtl="0" eaLnBrk="1" fontAlgn="auto" latinLnBrk="0" hangingPunct="1">
+                <a:lnSpc>
+                  <a:spcPct val="100000"/>
+                </a:lnSpc>
+                <a:spcBef>
+                  <a:spcPts val="0"/>
+                </a:spcBef>
+                <a:spcAft>
+                  <a:spcPts val="0"/>
+                </a:spcAft>
+                <a:buClrTx/>
+                <a:buSzTx/>
+                <a:buFontTx/>
+                <a:buNone/>
+                <a:tabLst/>
+                <a:defRPr/>
+              </a:pPr>
+              <a:t>35</a:t>
+            </a:fld>
+            <a:endParaRPr kumimoji="0" lang="en-GB" sz="1200" b="0" i="0" u="none" strike="noStrike" kern="1200" cap="none" spc="0" normalizeH="0" baseline="0" noProof="0">
+              <a:ln>
+                <a:noFill/>
+              </a:ln>
+              <a:solidFill>
+                <a:prstClr val="black"/>
+              </a:solidFill>
+              <a:effectLst/>
+              <a:uLnTx/>
+              <a:uFillTx/>
+              <a:latin typeface="Calibri" panose="020F0502020204030204"/>
+              <a:ea typeface="+mn-ea"/>
+              <a:cs typeface="+mn-cs"/>
+            </a:endParaRPr>
+          </a:p>
+        </p:txBody>
+      </p:sp>
+    </p:spTree>
+    <p:extLst>
+      <p:ext uri="{BB962C8B-B14F-4D97-AF65-F5344CB8AC3E}">
+        <p14:creationId xmlns:p14="http://schemas.microsoft.com/office/powerpoint/2010/main" val="2940458107"/>
+      </p:ext>
+    </p:extLst>
+  </p:cSld>
+  <p:clrMapOvr>
+    <a:masterClrMapping/>
+  </p:clrMapOvr>
+</p:notes>
+</file>
+
+<file path=ppt/notesSlides/notesSlide17.xml><?xml version="1.0" encoding="utf-8"?>
+<p:notes xmlns:a="http://schemas.openxmlformats.org/drawingml/2006/main" xmlns:r="http://schemas.openxmlformats.org/officeDocument/2006/relationships" xmlns:p="http://schemas.openxmlformats.org/presentationml/2006/main">
+  <p:cSld>
+    <p:spTree>
+      <p:nvGrpSpPr>
+        <p:cNvPr id="1" name=""/>
+        <p:cNvGrpSpPr/>
+        <p:nvPr/>
+      </p:nvGrpSpPr>
+      <p:grpSpPr>
+        <a:xfrm>
+          <a:off x="0" y="0"/>
+          <a:ext cx="0" cy="0"/>
+          <a:chOff x="0" y="0"/>
+          <a:chExt cx="0" cy="0"/>
+        </a:xfrm>
+      </p:grpSpPr>
+      <p:sp>
+        <p:nvSpPr>
+          <p:cNvPr id="2" name="Slide Image Placeholder 1"/>
+          <p:cNvSpPr>
+            <a:spLocks noGrp="1" noRot="1" noChangeAspect="1"/>
+          </p:cNvSpPr>
+          <p:nvPr>
+            <p:ph type="sldImg"/>
+          </p:nvPr>
+        </p:nvSpPr>
+        <p:spPr/>
+      </p:sp>
+      <p:sp>
+        <p:nvSpPr>
+          <p:cNvPr id="3" name="Notes Placeholder 2"/>
+          <p:cNvSpPr>
+            <a:spLocks noGrp="1"/>
+          </p:cNvSpPr>
+          <p:nvPr>
+            <p:ph type="body" idx="1"/>
+          </p:nvPr>
+        </p:nvSpPr>
+        <p:spPr/>
+        <p:txBody>
+          <a:bodyPr/>
+          <a:lstStyle/>
+          <a:p>
+            <a:pPr>
+              <a:lnSpc>
+                <a:spcPct val="100000"/>
+              </a:lnSpc>
+              <a:spcBef>
+                <a:spcPts val="300"/>
+              </a:spcBef>
+              <a:spcAft>
+                <a:spcPts val="200"/>
+              </a:spcAft>
+              <a:buSzPct val="80000"/>
+              <a:tabLst>
+                <a:tab pos="457200" algn="l"/>
+              </a:tabLst>
+            </a:pPr>
+            <a:endParaRPr lang="en-GB" sz="1200" dirty="0">
+              <a:effectLst/>
+              <a:ea typeface="Times New Roman" panose="02020603050405020304" pitchFamily="18" charset="0"/>
+            </a:endParaRPr>
+          </a:p>
+        </p:txBody>
+      </p:sp>
+      <p:sp>
+        <p:nvSpPr>
+          <p:cNvPr id="4" name="Slide Number Placeholder 3"/>
+          <p:cNvSpPr>
+            <a:spLocks noGrp="1"/>
+          </p:cNvSpPr>
+          <p:nvPr>
+            <p:ph type="sldNum" sz="quarter" idx="5"/>
+          </p:nvPr>
+        </p:nvSpPr>
+        <p:spPr/>
+        <p:txBody>
+          <a:bodyPr/>
+          <a:lstStyle/>
+          <a:p>
+            <a:pPr marL="0" marR="0" lvl="0" indent="0" algn="r" defTabSz="914400" rtl="0" eaLnBrk="1" fontAlgn="auto" latinLnBrk="0" hangingPunct="1">
+              <a:lnSpc>
+                <a:spcPct val="100000"/>
+              </a:lnSpc>
+              <a:spcBef>
+                <a:spcPts val="0"/>
+              </a:spcBef>
+              <a:spcAft>
+                <a:spcPts val="0"/>
+              </a:spcAft>
+              <a:buClrTx/>
+              <a:buSzTx/>
+              <a:buFontTx/>
+              <a:buNone/>
+              <a:tabLst/>
+              <a:defRPr/>
+            </a:pPr>
+            <a:fld id="{0FEDB78B-1C29-47A0-98D1-C458191ECDD0}" type="slidenum">
+              <a:rPr kumimoji="0" lang="en-GB" sz="1200" b="0" i="0" u="none" strike="noStrike" kern="1200" cap="none" spc="0" normalizeH="0" baseline="0" noProof="0" smtClean="0">
+                <a:ln>
+                  <a:noFill/>
+                </a:ln>
+                <a:solidFill>
+                  <a:prstClr val="black"/>
+                </a:solidFill>
+                <a:effectLst/>
+                <a:uLnTx/>
+                <a:uFillTx/>
+                <a:latin typeface="Calibri" panose="020F0502020204030204"/>
+                <a:ea typeface="+mn-ea"/>
+                <a:cs typeface="+mn-cs"/>
+              </a:rPr>
+              <a:pPr marL="0" marR="0" lvl="0" indent="0" algn="r" defTabSz="914400" rtl="0" eaLnBrk="1" fontAlgn="auto" latinLnBrk="0" hangingPunct="1">
+                <a:lnSpc>
+                  <a:spcPct val="100000"/>
+                </a:lnSpc>
+                <a:spcBef>
+                  <a:spcPts val="0"/>
+                </a:spcBef>
+                <a:spcAft>
+                  <a:spcPts val="0"/>
+                </a:spcAft>
+                <a:buClrTx/>
+                <a:buSzTx/>
+                <a:buFontTx/>
+                <a:buNone/>
+                <a:tabLst/>
+                <a:defRPr/>
+              </a:pPr>
+              <a:t>36</a:t>
+            </a:fld>
+            <a:endParaRPr kumimoji="0" lang="en-GB" sz="1200" b="0" i="0" u="none" strike="noStrike" kern="1200" cap="none" spc="0" normalizeH="0" baseline="0" noProof="0">
+              <a:ln>
+                <a:noFill/>
+              </a:ln>
+              <a:solidFill>
+                <a:prstClr val="black"/>
+              </a:solidFill>
+              <a:effectLst/>
+              <a:uLnTx/>
+              <a:uFillTx/>
+              <a:latin typeface="Calibri" panose="020F0502020204030204"/>
+              <a:ea typeface="+mn-ea"/>
+              <a:cs typeface="+mn-cs"/>
+            </a:endParaRPr>
+          </a:p>
+        </p:txBody>
+      </p:sp>
+    </p:spTree>
+    <p:extLst>
+      <p:ext uri="{BB962C8B-B14F-4D97-AF65-F5344CB8AC3E}">
+        <p14:creationId xmlns:p14="http://schemas.microsoft.com/office/powerpoint/2010/main" val="2512085824"/>
+      </p:ext>
+    </p:extLst>
   </p:cSld>
   <p:clrMapOvr>
     <a:masterClrMapping/>
@@ -17994,7 +18594,7 @@
           <a:graphicData uri="http://schemas.openxmlformats.org/presentationml/2006/ole">
             <mc:AlternateContent xmlns:mc="http://schemas.openxmlformats.org/markup-compatibility/2006">
               <mc:Choice xmlns:v="urn:schemas-microsoft-com:vml" Requires="v">
-                <p:oleObj spid="_x0000_s1026" name="Equation" r:id="rId2" imgW="1828800" imgH="1574640" progId="Equation.DSMT4">
+                <p:oleObj name="Equation" r:id="rId2" imgW="1828800" imgH="1574640" progId="Equation.DSMT4">
                   <p:embed/>
                 </p:oleObj>
               </mc:Choice>
@@ -18266,7 +18866,7 @@
           <a:graphicData uri="http://schemas.openxmlformats.org/presentationml/2006/ole">
             <mc:AlternateContent xmlns:mc="http://schemas.openxmlformats.org/markup-compatibility/2006">
               <mc:Choice xmlns:v="urn:schemas-microsoft-com:vml" Requires="v">
-                <p:oleObj spid="_x0000_s2050" name="Equation" r:id="rId2" imgW="1333500" imgH="457200" progId="Equation.DSMT4">
+                <p:oleObj name="Equation" r:id="rId2" imgW="1333500" imgH="457200" progId="Equation.DSMT4">
                   <p:embed/>
                 </p:oleObj>
               </mc:Choice>
@@ -18370,7 +18970,7 @@
           <a:graphicData uri="http://schemas.openxmlformats.org/presentationml/2006/ole">
             <mc:AlternateContent xmlns:mc="http://schemas.openxmlformats.org/markup-compatibility/2006">
               <mc:Choice xmlns:v="urn:schemas-microsoft-com:vml" Requires="v">
-                <p:oleObj spid="_x0000_s2051" name="Equation" r:id="rId4" imgW="1397000" imgH="457200" progId="Equation.DSMT4">
+                <p:oleObj name="Equation" r:id="rId4" imgW="1397000" imgH="457200" progId="Equation.DSMT4">
                   <p:embed/>
                 </p:oleObj>
               </mc:Choice>
@@ -18474,7 +19074,7 @@
           <a:graphicData uri="http://schemas.openxmlformats.org/presentationml/2006/ole">
             <mc:AlternateContent xmlns:mc="http://schemas.openxmlformats.org/markup-compatibility/2006">
               <mc:Choice xmlns:v="urn:schemas-microsoft-com:vml" Requires="v">
-                <p:oleObj spid="_x0000_s2052" name="Equation" r:id="rId6" imgW="889000" imgH="457200" progId="Equation.DSMT4">
+                <p:oleObj name="Equation" r:id="rId6" imgW="889000" imgH="457200" progId="Equation.DSMT4">
                   <p:embed/>
                 </p:oleObj>
               </mc:Choice>
@@ -18586,7 +19186,7 @@
           <a:graphicData uri="http://schemas.openxmlformats.org/presentationml/2006/ole">
             <mc:AlternateContent xmlns:mc="http://schemas.openxmlformats.org/markup-compatibility/2006">
               <mc:Choice xmlns:v="urn:schemas-microsoft-com:vml" Requires="v">
-                <p:oleObj spid="_x0000_s2053" name="Equation" r:id="rId8" imgW="4660560" imgH="507960" progId="Equation.DSMT4">
+                <p:oleObj name="Equation" r:id="rId8" imgW="4660560" imgH="507960" progId="Equation.DSMT4">
                   <p:embed/>
                 </p:oleObj>
               </mc:Choice>
@@ -18690,7 +19290,7 @@
           <a:graphicData uri="http://schemas.openxmlformats.org/presentationml/2006/ole">
             <mc:AlternateContent xmlns:mc="http://schemas.openxmlformats.org/markup-compatibility/2006">
               <mc:Choice xmlns:v="urn:schemas-microsoft-com:vml" Requires="v">
-                <p:oleObj spid="_x0000_s2054" name="Equation" r:id="rId10" imgW="774360" imgH="431640" progId="Equation.DSMT4">
+                <p:oleObj name="Equation" r:id="rId10" imgW="774360" imgH="431640" progId="Equation.DSMT4">
                   <p:embed/>
                 </p:oleObj>
               </mc:Choice>
@@ -18938,7 +19538,7 @@
           <a:graphicData uri="http://schemas.openxmlformats.org/presentationml/2006/ole">
             <mc:AlternateContent xmlns:mc="http://schemas.openxmlformats.org/markup-compatibility/2006">
               <mc:Choice xmlns:v="urn:schemas-microsoft-com:vml" Requires="v">
-                <p:oleObj spid="_x0000_s3074" name="Equation" r:id="rId2" imgW="1193800" imgH="508000" progId="Equation.DSMT4">
+                <p:oleObj name="Equation" r:id="rId2" imgW="1193800" imgH="508000" progId="Equation.DSMT4">
                   <p:embed/>
                 </p:oleObj>
               </mc:Choice>
@@ -19076,7 +19676,7 @@
           <a:graphicData uri="http://schemas.openxmlformats.org/presentationml/2006/ole">
             <mc:AlternateContent xmlns:mc="http://schemas.openxmlformats.org/markup-compatibility/2006">
               <mc:Choice xmlns:v="urn:schemas-microsoft-com:vml" Requires="v">
-                <p:oleObj spid="_x0000_s3075" name="Equation" r:id="rId4" imgW="3225800" imgH="457200" progId="Equation.DSMT4">
+                <p:oleObj name="Equation" r:id="rId4" imgW="3225800" imgH="457200" progId="Equation.DSMT4">
                   <p:embed/>
                 </p:oleObj>
               </mc:Choice>
@@ -19214,7 +19814,7 @@
           <a:graphicData uri="http://schemas.openxmlformats.org/presentationml/2006/ole">
             <mc:AlternateContent xmlns:mc="http://schemas.openxmlformats.org/markup-compatibility/2006">
               <mc:Choice xmlns:v="urn:schemas-microsoft-com:vml" Requires="v">
-                <p:oleObj spid="_x0000_s3076" name="Equation" r:id="rId6" imgW="1397000" imgH="228600" progId="Equation.DSMT4">
+                <p:oleObj name="Equation" r:id="rId6" imgW="1397000" imgH="228600" progId="Equation.DSMT4">
                   <p:embed/>
                 </p:oleObj>
               </mc:Choice>
@@ -19326,7 +19926,7 @@
           <a:graphicData uri="http://schemas.openxmlformats.org/presentationml/2006/ole">
             <mc:AlternateContent xmlns:mc="http://schemas.openxmlformats.org/markup-compatibility/2006">
               <mc:Choice xmlns:v="urn:schemas-microsoft-com:vml" Requires="v">
-                <p:oleObj spid="_x0000_s3077" name="Equation" r:id="rId8" imgW="1816100" imgH="457200" progId="Equation.DSMT4">
+                <p:oleObj name="Equation" r:id="rId8" imgW="1816100" imgH="457200" progId="Equation.DSMT4">
                   <p:embed/>
                 </p:oleObj>
               </mc:Choice>
@@ -19464,7 +20064,7 @@
           <a:graphicData uri="http://schemas.openxmlformats.org/presentationml/2006/ole">
             <mc:AlternateContent xmlns:mc="http://schemas.openxmlformats.org/markup-compatibility/2006">
               <mc:Choice xmlns:v="urn:schemas-microsoft-com:vml" Requires="v">
-                <p:oleObj spid="_x0000_s3078" name="Equation" r:id="rId10" imgW="1155600" imgH="393480" progId="Equation.DSMT4">
+                <p:oleObj name="Equation" r:id="rId10" imgW="1155600" imgH="393480" progId="Equation.DSMT4">
                   <p:embed/>
                 </p:oleObj>
               </mc:Choice>
@@ -19760,7 +20360,7 @@
           <a:graphicData uri="http://schemas.openxmlformats.org/presentationml/2006/ole">
             <mc:AlternateContent xmlns:mc="http://schemas.openxmlformats.org/markup-compatibility/2006">
               <mc:Choice xmlns:v="urn:schemas-microsoft-com:vml" Requires="v">
-                <p:oleObj spid="_x0000_s4098" name="Equation" r:id="rId2" imgW="3403440" imgH="457200" progId="Equation.DSMT4">
+                <p:oleObj name="Equation" r:id="rId2" imgW="3403440" imgH="457200" progId="Equation.DSMT4">
                   <p:embed/>
                 </p:oleObj>
               </mc:Choice>
@@ -19864,7 +20464,7 @@
           <a:graphicData uri="http://schemas.openxmlformats.org/presentationml/2006/ole">
             <mc:AlternateContent xmlns:mc="http://schemas.openxmlformats.org/markup-compatibility/2006">
               <mc:Choice xmlns:v="urn:schemas-microsoft-com:vml" Requires="v">
-                <p:oleObj spid="_x0000_s4099" name="Equation" r:id="rId4" imgW="2654280" imgH="228600" progId="Equation.DSMT4">
+                <p:oleObj name="Equation" r:id="rId4" imgW="2654280" imgH="228600" progId="Equation.DSMT4">
                   <p:embed/>
                 </p:oleObj>
               </mc:Choice>
@@ -20036,7 +20636,7 @@
           <a:graphicData uri="http://schemas.openxmlformats.org/presentationml/2006/ole">
             <mc:AlternateContent xmlns:mc="http://schemas.openxmlformats.org/markup-compatibility/2006">
               <mc:Choice xmlns:v="urn:schemas-microsoft-com:vml" Requires="v">
-                <p:oleObj spid="_x0000_s4100" name="Equation" r:id="rId6" imgW="3746160" imgH="241200" progId="Equation.DSMT4">
+                <p:oleObj name="Equation" r:id="rId6" imgW="3746160" imgH="241200" progId="Equation.DSMT4">
                   <p:embed/>
                 </p:oleObj>
               </mc:Choice>
@@ -20140,7 +20740,7 @@
           <a:graphicData uri="http://schemas.openxmlformats.org/presentationml/2006/ole">
             <mc:AlternateContent xmlns:mc="http://schemas.openxmlformats.org/markup-compatibility/2006">
               <mc:Choice xmlns:v="urn:schemas-microsoft-com:vml" Requires="v">
-                <p:oleObj spid="_x0000_s4101" name="Equation" r:id="rId8" imgW="3035160" imgH="482400" progId="Equation.DSMT4">
+                <p:oleObj name="Equation" r:id="rId8" imgW="3035160" imgH="482400" progId="Equation.DSMT4">
                   <p:embed/>
                 </p:oleObj>
               </mc:Choice>
@@ -20525,7 +21125,7 @@
           <a:graphicData uri="http://schemas.openxmlformats.org/presentationml/2006/ole">
             <mc:AlternateContent xmlns:mc="http://schemas.openxmlformats.org/markup-compatibility/2006">
               <mc:Choice xmlns:v="urn:schemas-microsoft-com:vml" Requires="v">
-                <p:oleObj spid="_x0000_s5122" name="Equation" r:id="rId2" imgW="1930400" imgH="241300" progId="Equation.DSMT4">
+                <p:oleObj name="Equation" r:id="rId2" imgW="1930400" imgH="241300" progId="Equation.DSMT4">
                   <p:embed/>
                 </p:oleObj>
               </mc:Choice>
@@ -20629,7 +21229,7 @@
           <a:graphicData uri="http://schemas.openxmlformats.org/presentationml/2006/ole">
             <mc:AlternateContent xmlns:mc="http://schemas.openxmlformats.org/markup-compatibility/2006">
               <mc:Choice xmlns:v="urn:schemas-microsoft-com:vml" Requires="v">
-                <p:oleObj spid="_x0000_s5123" name="Equation" r:id="rId4" imgW="2590560" imgH="241200" progId="Equation.DSMT4">
+                <p:oleObj name="Equation" r:id="rId4" imgW="2590560" imgH="241200" progId="Equation.DSMT4">
                   <p:embed/>
                 </p:oleObj>
               </mc:Choice>
@@ -20733,7 +21333,7 @@
           <a:graphicData uri="http://schemas.openxmlformats.org/presentationml/2006/ole">
             <mc:AlternateContent xmlns:mc="http://schemas.openxmlformats.org/markup-compatibility/2006">
               <mc:Choice xmlns:v="urn:schemas-microsoft-com:vml" Requires="v">
-                <p:oleObj spid="_x0000_s5124" name="Equation" r:id="rId6" imgW="1815840" imgH="431640" progId="Equation.DSMT4">
+                <p:oleObj name="Equation" r:id="rId6" imgW="1815840" imgH="431640" progId="Equation.DSMT4">
                   <p:embed/>
                 </p:oleObj>
               </mc:Choice>
@@ -20998,7 +21598,7 @@
           <a:graphicData uri="http://schemas.openxmlformats.org/presentationml/2006/ole">
             <mc:AlternateContent xmlns:mc="http://schemas.openxmlformats.org/markup-compatibility/2006">
               <mc:Choice xmlns:v="urn:schemas-microsoft-com:vml" Requires="v">
-                <p:oleObj spid="_x0000_s6146" name="Equation" r:id="rId2" imgW="2260440" imgH="431640" progId="Equation.DSMT4">
+                <p:oleObj name="Equation" r:id="rId2" imgW="2260440" imgH="431640" progId="Equation.DSMT4">
                   <p:embed/>
                 </p:oleObj>
               </mc:Choice>
@@ -21136,7 +21736,7 @@
           <a:graphicData uri="http://schemas.openxmlformats.org/presentationml/2006/ole">
             <mc:AlternateContent xmlns:mc="http://schemas.openxmlformats.org/markup-compatibility/2006">
               <mc:Choice xmlns:v="urn:schemas-microsoft-com:vml" Requires="v">
-                <p:oleObj spid="_x0000_s6147" name="Equation" r:id="rId4" imgW="1206360" imgH="431640" progId="Equation.DSMT4">
+                <p:oleObj name="Equation" r:id="rId4" imgW="1206360" imgH="431640" progId="Equation.DSMT4">
                   <p:embed/>
                 </p:oleObj>
               </mc:Choice>
@@ -21240,7 +21840,7 @@
           <a:graphicData uri="http://schemas.openxmlformats.org/presentationml/2006/ole">
             <mc:AlternateContent xmlns:mc="http://schemas.openxmlformats.org/markup-compatibility/2006">
               <mc:Choice xmlns:v="urn:schemas-microsoft-com:vml" Requires="v">
-                <p:oleObj spid="_x0000_s6148" name="Equation" r:id="rId6" imgW="2781000" imgH="761760" progId="Equation.DSMT4">
+                <p:oleObj name="Equation" r:id="rId6" imgW="2781000" imgH="761760" progId="Equation.DSMT4">
                   <p:embed/>
                 </p:oleObj>
               </mc:Choice>
@@ -21344,7 +21944,7 @@
           <a:graphicData uri="http://schemas.openxmlformats.org/presentationml/2006/ole">
             <mc:AlternateContent xmlns:mc="http://schemas.openxmlformats.org/markup-compatibility/2006">
               <mc:Choice xmlns:v="urn:schemas-microsoft-com:vml" Requires="v">
-                <p:oleObj spid="_x0000_s6149" name="Equation" r:id="rId8" imgW="1231560" imgH="419040" progId="Equation.DSMT4">
+                <p:oleObj name="Equation" r:id="rId8" imgW="1231560" imgH="419040" progId="Equation.DSMT4">
                   <p:embed/>
                 </p:oleObj>
               </mc:Choice>
@@ -21821,7 +22421,7 @@
           <a:graphicData uri="http://schemas.openxmlformats.org/presentationml/2006/ole">
             <mc:AlternateContent xmlns:mc="http://schemas.openxmlformats.org/markup-compatibility/2006">
               <mc:Choice xmlns:v="urn:schemas-microsoft-com:vml" Requires="v">
-                <p:oleObj spid="_x0000_s7170" name="Equation" r:id="rId2" imgW="2489040" imgH="1752480" progId="Equation.DSMT4">
+                <p:oleObj name="Equation" r:id="rId2" imgW="2489040" imgH="1752480" progId="Equation.DSMT4">
                   <p:embed/>
                 </p:oleObj>
               </mc:Choice>
@@ -21925,7 +22525,7 @@
           <a:graphicData uri="http://schemas.openxmlformats.org/presentationml/2006/ole">
             <mc:AlternateContent xmlns:mc="http://schemas.openxmlformats.org/markup-compatibility/2006">
               <mc:Choice xmlns:v="urn:schemas-microsoft-com:vml" Requires="v">
-                <p:oleObj spid="_x0000_s7171" name="Equation" r:id="rId4" imgW="3733560" imgH="812520" progId="Equation.DSMT4">
+                <p:oleObj name="Equation" r:id="rId4" imgW="3733560" imgH="812520" progId="Equation.DSMT4">
                   <p:embed/>
                 </p:oleObj>
               </mc:Choice>
@@ -22018,7 +22618,7 @@
           <a:graphicData uri="http://schemas.openxmlformats.org/presentationml/2006/ole">
             <mc:AlternateContent xmlns:mc="http://schemas.openxmlformats.org/markup-compatibility/2006">
               <mc:Choice xmlns:v="urn:schemas-microsoft-com:vml" Requires="v">
-                <p:oleObj spid="_x0000_s7172" name="Equation" r:id="rId6" imgW="3314520" imgH="457200" progId="Equation.DSMT4">
+                <p:oleObj name="Equation" r:id="rId6" imgW="3314520" imgH="457200" progId="Equation.DSMT4">
                   <p:embed/>
                 </p:oleObj>
               </mc:Choice>
@@ -22132,8 +22732,8 @@
           <a:p>
             <a:pPr eaLnBrk="1" hangingPunct="1"/>
             <a:r>
-              <a:rPr lang="en-US"/>
-              <a:t>Some basic designs</a:t>
+              <a:rPr lang="en-US" dirty="0"/>
+              <a:t>Effect of higher order</a:t>
             </a:r>
           </a:p>
         </p:txBody>
@@ -22148,326 +22748,108 @@
             <p:ph type="body" idx="1"/>
           </p:nvPr>
         </p:nvSpPr>
-        <p:spPr/>
+        <p:spPr>
+          <a:xfrm>
+            <a:off x="80369" y="794742"/>
+            <a:ext cx="6003800" cy="5658594"/>
+          </a:xfrm>
+        </p:spPr>
         <p:txBody>
           <a:bodyPr anchor="t"/>
           <a:lstStyle/>
           <a:p>
-            <a:pPr marL="446064" eaLnBrk="1" hangingPunct="1"/>
-            <a:r>
-              <a:rPr lang="en-US" dirty="0"/>
-              <a:t>Consider two parametric EQ designs:</a:t>
-            </a:r>
-          </a:p>
-          <a:p>
-            <a:pPr marL="802905" lvl="1" eaLnBrk="1" hangingPunct="1"/>
+            <a:pPr marL="446040" eaLnBrk="1" hangingPunct="1"/>
             <a:r>
               <a:rPr lang="en-US" sz="2400" dirty="0"/>
               <a:t>2nd and 4th order in MATLAB Signal Processing Toolbox</a:t>
             </a:r>
           </a:p>
           <a:p>
-            <a:pPr marL="802905" lvl="1" eaLnBrk="1" hangingPunct="1"/>
-            <a:endParaRPr lang="en-US" dirty="0"/>
-          </a:p>
-          <a:p>
-            <a:pPr marL="802905" lvl="1" eaLnBrk="1" hangingPunct="1"/>
-            <a:endParaRPr lang="en-US" dirty="0"/>
-          </a:p>
-          <a:p>
-            <a:pPr marL="802905" lvl="1" eaLnBrk="1" hangingPunct="1"/>
-            <a:endParaRPr lang="en-US" dirty="0"/>
-          </a:p>
-          <a:p>
-            <a:pPr marL="802905" lvl="1" eaLnBrk="1" hangingPunct="1"/>
-            <a:endParaRPr lang="en-US" dirty="0"/>
-          </a:p>
-          <a:p>
-            <a:pPr marL="802905" lvl="1" eaLnBrk="1" hangingPunct="1"/>
-            <a:r>
-              <a:rPr lang="en-US" dirty="0"/>
+            <a:pPr marL="446040" eaLnBrk="1" hangingPunct="1"/>
+            <a:r>
+              <a:rPr lang="en-US" sz="2400" dirty="0"/>
               <a:t>Design 1</a:t>
             </a:r>
           </a:p>
           <a:p>
-            <a:pPr marL="1070537" lvl="2" eaLnBrk="1" hangingPunct="1"/>
-            <a:r>
-              <a:rPr lang="en-US" dirty="0"/>
+            <a:pPr marL="802890" lvl="1" eaLnBrk="1" hangingPunct="1"/>
+            <a:r>
+              <a:rPr lang="en-US" sz="2000" dirty="0"/>
               <a:t>2nd order design with 6dB boost at 0.5π </a:t>
             </a:r>
             <a:r>
-              <a:rPr lang="en-US" dirty="0" err="1"/>
+              <a:rPr lang="en-US" sz="2000" dirty="0" err="1"/>
               <a:t>rad</a:t>
             </a:r>
             <a:r>
-              <a:rPr lang="en-US" dirty="0"/>
+              <a:rPr lang="en-US" sz="2000" dirty="0"/>
               <a:t>/sample</a:t>
             </a:r>
           </a:p>
           <a:p>
-            <a:pPr marL="802905" lvl="1" eaLnBrk="1" hangingPunct="1"/>
-            <a:r>
-              <a:rPr lang="en-US" dirty="0"/>
+            <a:pPr marL="446040" eaLnBrk="1" hangingPunct="1"/>
+            <a:r>
+              <a:rPr lang="en-US" sz="2400" dirty="0"/>
               <a:t>Design 2</a:t>
             </a:r>
           </a:p>
           <a:p>
-            <a:pPr marL="1070537" lvl="2" eaLnBrk="1" hangingPunct="1"/>
-            <a:r>
-              <a:rPr lang="en-US" dirty="0"/>
+            <a:pPr marL="802890" lvl="1" eaLnBrk="1" hangingPunct="1"/>
+            <a:r>
+              <a:rPr lang="en-US" sz="2000" dirty="0"/>
               <a:t>4th order design with 6dB boost at 0.5π </a:t>
             </a:r>
             <a:r>
-              <a:rPr lang="en-US" dirty="0" err="1"/>
+              <a:rPr lang="en-US" sz="2000" dirty="0" err="1"/>
               <a:t>rad</a:t>
             </a:r>
             <a:r>
-              <a:rPr lang="en-US" dirty="0"/>
+              <a:rPr lang="en-US" sz="2000" dirty="0"/>
               <a:t>/sample</a:t>
             </a:r>
           </a:p>
           <a:p>
-            <a:pPr marL="1070537" lvl="2" eaLnBrk="1" hangingPunct="1"/>
-            <a:r>
-              <a:rPr lang="en-US" dirty="0"/>
+            <a:pPr marL="802890" lvl="1" eaLnBrk="1" hangingPunct="1"/>
+            <a:r>
+              <a:rPr lang="en-US" sz="2000" dirty="0"/>
               <a:t>F</a:t>
             </a:r>
             <a:r>
-              <a:rPr lang="en-US" baseline="-6000" dirty="0"/>
+              <a:rPr lang="en-US" sz="2000" baseline="-6000" dirty="0"/>
               <a:t>0</a:t>
             </a:r>
             <a:r>
-              <a:rPr lang="en-US" dirty="0"/>
+              <a:rPr lang="en-US" sz="2000" dirty="0"/>
               <a:t>: 0.5,  BW: 0.2,  Reference gain: 0dB</a:t>
             </a:r>
           </a:p>
           <a:p>
-            <a:pPr marL="1070537" lvl="2" eaLnBrk="1" hangingPunct="1"/>
-            <a:r>
-              <a:rPr lang="en-US" dirty="0"/>
+            <a:pPr marL="802890" lvl="1" eaLnBrk="1" hangingPunct="1"/>
+            <a:r>
+              <a:rPr lang="en-US" sz="2000" dirty="0"/>
               <a:t>Centre frequency gain: 6dB</a:t>
             </a:r>
           </a:p>
           <a:p>
-            <a:pPr marL="1070537" lvl="2" eaLnBrk="1" hangingPunct="1"/>
-            <a:r>
-              <a:rPr lang="en-US" dirty="0"/>
+            <a:pPr marL="802890" lvl="1" eaLnBrk="1" hangingPunct="1"/>
+            <a:r>
+              <a:rPr lang="en-US" sz="2000" dirty="0"/>
               <a:t>Gain where BW measured: 6 + 10log10(0.5) ~= 3dB</a:t>
             </a:r>
           </a:p>
-        </p:txBody>
-      </p:sp>
-      <p:sp>
-        <p:nvSpPr>
-          <p:cNvPr id="8196" name="Rectangle 3"/>
-          <p:cNvSpPr>
-            <a:spLocks/>
-          </p:cNvSpPr>
-          <p:nvPr/>
-        </p:nvSpPr>
-        <p:spPr bwMode="auto">
-          <a:xfrm>
-            <a:off x="607220" y="1830587"/>
-            <a:ext cx="8420695" cy="1464469"/>
-          </a:xfrm>
-          <a:prstGeom prst="rect">
-            <a:avLst/>
-          </a:prstGeom>
-          <a:noFill/>
-          <a:ln w="12700">
-            <a:noFill/>
-            <a:miter lim="800000"/>
-            <a:headEnd/>
-            <a:tailEnd/>
-          </a:ln>
-        </p:spPr>
-        <p:txBody>
-          <a:bodyPr lIns="0" tIns="0" rIns="40602" bIns="0" anchor="ctr"/>
-          <a:lstStyle/>
-          <a:p>
-            <a:pPr marL="40146"/>
-            <a:r>
-              <a:rPr lang="en-US" sz="1500" dirty="0">
-                <a:solidFill>
-                  <a:srgbClr val="000000"/>
-                </a:solidFill>
-                <a:latin typeface="Courier" charset="0"/>
-                <a:ea typeface="Courier" charset="0"/>
-                <a:cs typeface="Courier" charset="0"/>
-                <a:sym typeface="Courier" charset="0"/>
-              </a:rPr>
-              <a:t>f = </a:t>
-            </a:r>
-            <a:r>
-              <a:rPr lang="en-US" sz="1500" dirty="0" err="1">
-                <a:solidFill>
-                  <a:srgbClr val="000000"/>
-                </a:solidFill>
-                <a:latin typeface="Courier" charset="0"/>
-                <a:ea typeface="Courier" charset="0"/>
-                <a:cs typeface="Courier" charset="0"/>
-                <a:sym typeface="Courier" charset="0"/>
-              </a:rPr>
-              <a:t>fdesign.parameq</a:t>
-            </a:r>
-            <a:r>
-              <a:rPr lang="en-US" sz="1500" dirty="0">
-                <a:solidFill>
-                  <a:srgbClr val="000000"/>
-                </a:solidFill>
-                <a:latin typeface="Courier" charset="0"/>
-                <a:ea typeface="Courier" charset="0"/>
-                <a:cs typeface="Courier" charset="0"/>
-                <a:sym typeface="Courier" charset="0"/>
-              </a:rPr>
-              <a:t>('N,F0,BW,Gref,G0,GBW',2,.5,.2,0,6,6+10*log10(.5)); </a:t>
-            </a:r>
-          </a:p>
-          <a:p>
-            <a:pPr marL="40146"/>
-            <a:r>
-              <a:rPr lang="en-US" sz="1500" dirty="0">
-                <a:solidFill>
-                  <a:srgbClr val="000000"/>
-                </a:solidFill>
-                <a:latin typeface="Courier" charset="0"/>
-                <a:ea typeface="Courier" charset="0"/>
-                <a:cs typeface="Courier" charset="0"/>
-                <a:sym typeface="Courier" charset="0"/>
-              </a:rPr>
-              <a:t>h2order = design(f); </a:t>
-            </a:r>
-          </a:p>
-          <a:p>
-            <a:pPr marL="40146"/>
-            <a:r>
-              <a:rPr lang="en-US" sz="1500" dirty="0" err="1">
-                <a:solidFill>
-                  <a:srgbClr val="000000"/>
-                </a:solidFill>
-                <a:latin typeface="Courier" charset="0"/>
-                <a:ea typeface="Courier" charset="0"/>
-                <a:cs typeface="Courier" charset="0"/>
-                <a:sym typeface="Courier" charset="0"/>
-              </a:rPr>
-              <a:t>f.FilterOrder</a:t>
-            </a:r>
-            <a:r>
-              <a:rPr lang="en-US" sz="1500" dirty="0">
-                <a:solidFill>
-                  <a:srgbClr val="000000"/>
-                </a:solidFill>
-                <a:latin typeface="Courier" charset="0"/>
-                <a:ea typeface="Courier" charset="0"/>
-                <a:cs typeface="Courier" charset="0"/>
-                <a:sym typeface="Courier" charset="0"/>
-              </a:rPr>
-              <a:t> = 4; </a:t>
-            </a:r>
-          </a:p>
-          <a:p>
-            <a:pPr marL="40146"/>
-            <a:r>
-              <a:rPr lang="en-US" sz="1500" dirty="0">
-                <a:solidFill>
-                  <a:srgbClr val="000000"/>
-                </a:solidFill>
-                <a:latin typeface="Courier" charset="0"/>
-                <a:ea typeface="Courier" charset="0"/>
-                <a:cs typeface="Courier" charset="0"/>
-                <a:sym typeface="Courier" charset="0"/>
-              </a:rPr>
-              <a:t>h4order = design(f); </a:t>
-            </a:r>
-          </a:p>
-          <a:p>
-            <a:pPr marL="40146"/>
-            <a:r>
-              <a:rPr lang="en-US" sz="1500" dirty="0" err="1">
-                <a:solidFill>
-                  <a:srgbClr val="000000"/>
-                </a:solidFill>
-                <a:latin typeface="Courier" charset="0"/>
-                <a:ea typeface="Courier" charset="0"/>
-                <a:cs typeface="Courier" charset="0"/>
-                <a:sym typeface="Courier" charset="0"/>
-              </a:rPr>
-              <a:t>hfvt</a:t>
-            </a:r>
-            <a:r>
-              <a:rPr lang="en-US" sz="1500" dirty="0">
-                <a:solidFill>
-                  <a:srgbClr val="000000"/>
-                </a:solidFill>
-                <a:latin typeface="Courier" charset="0"/>
-                <a:ea typeface="Courier" charset="0"/>
-                <a:cs typeface="Courier" charset="0"/>
-                <a:sym typeface="Courier" charset="0"/>
-              </a:rPr>
-              <a:t> = </a:t>
-            </a:r>
-            <a:r>
-              <a:rPr lang="en-US" sz="1500" dirty="0" err="1">
-                <a:solidFill>
-                  <a:srgbClr val="000000"/>
-                </a:solidFill>
-                <a:latin typeface="Courier" charset="0"/>
-                <a:ea typeface="Courier" charset="0"/>
-                <a:cs typeface="Courier" charset="0"/>
-                <a:sym typeface="Courier" charset="0"/>
-              </a:rPr>
-              <a:t>fvtool</a:t>
-            </a:r>
-            <a:r>
-              <a:rPr lang="en-US" sz="1500" dirty="0">
-                <a:solidFill>
-                  <a:srgbClr val="000000"/>
-                </a:solidFill>
-                <a:latin typeface="Courier" charset="0"/>
-                <a:ea typeface="Courier" charset="0"/>
-                <a:cs typeface="Courier" charset="0"/>
-                <a:sym typeface="Courier" charset="0"/>
-              </a:rPr>
-              <a:t>(h2order, h4order ,'</a:t>
-            </a:r>
-            <a:r>
-              <a:rPr lang="en-US" sz="1500" dirty="0" err="1">
-                <a:solidFill>
-                  <a:srgbClr val="000000"/>
-                </a:solidFill>
-                <a:latin typeface="Courier" charset="0"/>
-                <a:ea typeface="Courier" charset="0"/>
-                <a:cs typeface="Courier" charset="0"/>
-                <a:sym typeface="Courier" charset="0"/>
-              </a:rPr>
-              <a:t>Color','white</a:t>
-            </a:r>
-            <a:r>
-              <a:rPr lang="en-US" sz="1500" dirty="0">
-                <a:solidFill>
-                  <a:srgbClr val="000000"/>
-                </a:solidFill>
-                <a:latin typeface="Courier" charset="0"/>
-                <a:ea typeface="Courier" charset="0"/>
-                <a:cs typeface="Courier" charset="0"/>
-                <a:sym typeface="Courier" charset="0"/>
-              </a:rPr>
-              <a:t>'); </a:t>
-            </a:r>
-          </a:p>
-          <a:p>
-            <a:pPr marL="40146"/>
-            <a:r>
-              <a:rPr lang="en-US" sz="1500" dirty="0">
-                <a:solidFill>
-                  <a:srgbClr val="000000"/>
-                </a:solidFill>
-                <a:latin typeface="Courier" charset="0"/>
-                <a:ea typeface="Courier" charset="0"/>
-                <a:cs typeface="Courier" charset="0"/>
-                <a:sym typeface="Courier" charset="0"/>
-              </a:rPr>
-              <a:t>legend(hfvt,'2nd-Order Design','4th-Order Design');</a:t>
+          <a:p>
+            <a:pPr marL="446025" eaLnBrk="1" hangingPunct="1"/>
+            <a:r>
+              <a:rPr lang="en-US" sz="2400" dirty="0"/>
+              <a:t>Sharper transition for 4</a:t>
+            </a:r>
+            <a:r>
+              <a:rPr lang="en-US" sz="2400" baseline="30000" dirty="0"/>
+              <a:t>th</a:t>
+            </a:r>
+            <a:r>
+              <a:rPr lang="en-US" sz="2400" dirty="0"/>
+              <a:t> order</a:t>
             </a:r>
           </a:p>
         </p:txBody>
@@ -22667,74 +23049,6 @@
           </a:p>
         </p:txBody>
       </p:sp>
-      <p:sp>
-        <p:nvSpPr>
-          <p:cNvPr id="10244" name="Rectangle 3"/>
-          <p:cNvSpPr>
-            <a:spLocks/>
-          </p:cNvSpPr>
-          <p:nvPr/>
-        </p:nvSpPr>
-        <p:spPr bwMode="auto">
-          <a:xfrm>
-            <a:off x="268405" y="1678796"/>
-            <a:ext cx="8050269" cy="589359"/>
-          </a:xfrm>
-          <a:prstGeom prst="rect">
-            <a:avLst/>
-          </a:prstGeom>
-          <a:noFill/>
-          <a:ln w="12700">
-            <a:noFill/>
-            <a:miter lim="800000"/>
-            <a:headEnd/>
-            <a:tailEnd/>
-          </a:ln>
-        </p:spPr>
-        <p:txBody>
-          <a:bodyPr lIns="0" tIns="0" rIns="40608" bIns="0"/>
-          <a:lstStyle/>
-          <a:p>
-            <a:pPr marL="40152"/>
-            <a:r>
-              <a:rPr lang="en-US" sz="1700" dirty="0">
-                <a:solidFill>
-                  <a:srgbClr val="000000"/>
-                </a:solidFill>
-                <a:latin typeface="Courier" charset="0"/>
-                <a:ea typeface="Courier" charset="0"/>
-                <a:cs typeface="Courier" charset="0"/>
-                <a:sym typeface="Courier" charset="0"/>
-              </a:rPr>
-              <a:t>f=</a:t>
-            </a:r>
-            <a:r>
-              <a:rPr lang="en-US" sz="1700" dirty="0" err="1">
-                <a:solidFill>
-                  <a:srgbClr val="000000"/>
-                </a:solidFill>
-                <a:latin typeface="Courier" charset="0"/>
-                <a:ea typeface="Courier" charset="0"/>
-                <a:cs typeface="Courier" charset="0"/>
-                <a:sym typeface="Courier" charset="0"/>
-              </a:rPr>
-              <a:t>fdesign.parameq</a:t>
-            </a:r>
-            <a:r>
-              <a:rPr lang="en-US" sz="1700" dirty="0">
-                <a:solidFill>
-                  <a:srgbClr val="000000"/>
-                </a:solidFill>
-                <a:latin typeface="Courier" charset="0"/>
-                <a:ea typeface="Courier" charset="0"/>
-                <a:cs typeface="Courier" charset="0"/>
-                <a:sym typeface="Courier" charset="0"/>
-              </a:rPr>
-              <a:t>(‘N,F0,BW,Gref,G0,GBW,Gp,Gst’,6,.3,.1,0,-3,-2,-2.5,-0.5); </a:t>
-            </a:r>
-          </a:p>
-        </p:txBody>
-      </p:sp>
       <p:pic>
         <p:nvPicPr>
           <p:cNvPr id="10245" name="Picture 4"/>
@@ -22966,74 +23280,6 @@
             <a:r>
               <a:rPr lang="en-US" dirty="0"/>
               <a:t>The same thing without ripple...</a:t>
-            </a:r>
-          </a:p>
-        </p:txBody>
-      </p:sp>
-      <p:sp>
-        <p:nvSpPr>
-          <p:cNvPr id="11268" name="Rectangle 3"/>
-          <p:cNvSpPr>
-            <a:spLocks/>
-          </p:cNvSpPr>
-          <p:nvPr/>
-        </p:nvSpPr>
-        <p:spPr bwMode="auto">
-          <a:xfrm>
-            <a:off x="526866" y="1348398"/>
-            <a:ext cx="6215063" cy="589359"/>
-          </a:xfrm>
-          <a:prstGeom prst="rect">
-            <a:avLst/>
-          </a:prstGeom>
-          <a:noFill/>
-          <a:ln w="12700">
-            <a:noFill/>
-            <a:miter lim="800000"/>
-            <a:headEnd/>
-            <a:tailEnd/>
-          </a:ln>
-        </p:spPr>
-        <p:txBody>
-          <a:bodyPr lIns="0" tIns="0" rIns="40608" bIns="0"/>
-          <a:lstStyle/>
-          <a:p>
-            <a:pPr marL="40152"/>
-            <a:r>
-              <a:rPr lang="en-US" sz="1700" dirty="0">
-                <a:solidFill>
-                  <a:srgbClr val="000000"/>
-                </a:solidFill>
-                <a:latin typeface="Courier" charset="0"/>
-                <a:ea typeface="Courier" charset="0"/>
-                <a:cs typeface="Courier" charset="0"/>
-                <a:sym typeface="Courier" charset="0"/>
-              </a:rPr>
-              <a:t>f=</a:t>
-            </a:r>
-            <a:r>
-              <a:rPr lang="en-US" sz="1700" dirty="0" err="1">
-                <a:solidFill>
-                  <a:srgbClr val="000000"/>
-                </a:solidFill>
-                <a:latin typeface="Courier" charset="0"/>
-                <a:ea typeface="Courier" charset="0"/>
-                <a:cs typeface="Courier" charset="0"/>
-                <a:sym typeface="Courier" charset="0"/>
-              </a:rPr>
-              <a:t>fdesign.parameq</a:t>
-            </a:r>
-            <a:r>
-              <a:rPr lang="en-US" sz="1700" dirty="0">
-                <a:solidFill>
-                  <a:srgbClr val="000000"/>
-                </a:solidFill>
-                <a:latin typeface="Courier" charset="0"/>
-                <a:ea typeface="Courier" charset="0"/>
-                <a:cs typeface="Courier" charset="0"/>
-                <a:sym typeface="Courier" charset="0"/>
-              </a:rPr>
-              <a:t>('N,F0,BW,Gref,G0,GBW',6,0.3,0.1,0,-3,-2);</a:t>
             </a:r>
           </a:p>
         </p:txBody>
@@ -23186,45 +23432,49 @@
             <a:pPr marL="803274" lvl="1" eaLnBrk="1" hangingPunct="1"/>
             <a:r>
               <a:rPr lang="en-US" dirty="0"/>
-              <a:t>This time, set specifications and figure out minimum order that will meet them</a:t>
-            </a:r>
+              <a:t>Could also set specifications and figure out minimum order that will meet them</a:t>
+            </a:r>
+          </a:p>
+          <a:p>
+            <a:pPr marL="1071029" lvl="2" eaLnBrk="1" hangingPunct="1"/>
+            <a:endParaRPr lang="en-US" baseline="-6000" dirty="0"/>
           </a:p>
           <a:p>
             <a:pPr marL="803274" lvl="1" eaLnBrk="1" hangingPunct="1"/>
             <a:r>
+              <a:rPr lang="en-US" dirty="0">
+                <a:solidFill>
+                  <a:srgbClr val="0000FF"/>
+                </a:solidFill>
+              </a:rPr>
+              <a:t>Butterworth</a:t>
+            </a:r>
+            <a:r>
               <a:rPr lang="en-US" dirty="0"/>
-              <a:t>In addition to bandwidth BW and gain G</a:t>
-            </a:r>
-            <a:r>
-              <a:rPr lang="en-US" baseline="-6000" dirty="0"/>
-              <a:t>BW</a:t>
+              <a:t> filters give maximally flat response</a:t>
+            </a:r>
+          </a:p>
+          <a:p>
+            <a:pPr marL="803274" lvl="1" eaLnBrk="1" hangingPunct="1"/>
+            <a:r>
+              <a:rPr lang="en-US" dirty="0" err="1">
+                <a:solidFill>
+                  <a:srgbClr val="0000FF"/>
+                </a:solidFill>
+              </a:rPr>
+              <a:t>Chebyshev</a:t>
+            </a:r>
+            <a:r>
+              <a:rPr lang="en-US" dirty="0">
+                <a:solidFill>
+                  <a:srgbClr val="0000FF"/>
+                </a:solidFill>
+              </a:rPr>
+              <a:t> Type I</a:t>
             </a:r>
             <a:r>
               <a:rPr lang="en-US" dirty="0"/>
-              <a:t>:</a:t>
-            </a:r>
-          </a:p>
-          <a:p>
-            <a:pPr marL="1071029" lvl="2" eaLnBrk="1" hangingPunct="1"/>
-            <a:r>
-              <a:rPr lang="en-US" dirty="0" err="1"/>
-              <a:t>Passband</a:t>
-            </a:r>
-            <a:r>
-              <a:rPr lang="en-US" dirty="0"/>
-              <a:t> width </a:t>
-            </a:r>
-            <a:r>
-              <a:rPr lang="en-US" dirty="0" err="1"/>
-              <a:t>BW</a:t>
-            </a:r>
-            <a:r>
-              <a:rPr lang="en-US" baseline="-6000" dirty="0" err="1"/>
-              <a:t>p</a:t>
-            </a:r>
-            <a:r>
-              <a:rPr lang="en-US" dirty="0"/>
-              <a:t> and minimum </a:t>
+              <a:t> allows </a:t>
             </a:r>
             <a:r>
               <a:rPr lang="en-US" dirty="0" err="1"/>
@@ -23232,66 +23482,30 @@
             </a:r>
             <a:r>
               <a:rPr lang="en-US" dirty="0"/>
-              <a:t> gain </a:t>
-            </a:r>
-            <a:r>
-              <a:rPr lang="en-US" dirty="0" err="1"/>
-              <a:t>G</a:t>
-            </a:r>
-            <a:r>
-              <a:rPr lang="en-US" baseline="-6000" dirty="0" err="1"/>
-              <a:t>p</a:t>
-            </a:r>
-            <a:endParaRPr lang="en-US" baseline="-6000" dirty="0"/>
+              <a:t> ripples</a:t>
+            </a:r>
           </a:p>
           <a:p>
             <a:pPr marL="1071029" lvl="2" eaLnBrk="1" hangingPunct="1"/>
-            <a:endParaRPr lang="en-US" baseline="-6000" dirty="0"/>
-          </a:p>
-          <a:p>
-            <a:pPr marL="1071029" lvl="2" eaLnBrk="1" hangingPunct="1"/>
-            <a:endParaRPr lang="en-US" baseline="-6000" dirty="0"/>
-          </a:p>
-          <a:p>
-            <a:pPr marL="1071029" lvl="2" eaLnBrk="1" hangingPunct="1"/>
-            <a:endParaRPr lang="en-US" baseline="-6000" dirty="0"/>
-          </a:p>
-          <a:p>
-            <a:pPr marL="1071029" lvl="2" eaLnBrk="1" hangingPunct="1"/>
-            <a:endParaRPr lang="en-US" baseline="-6000" dirty="0"/>
-          </a:p>
-          <a:p>
-            <a:pPr marL="803274" lvl="1" eaLnBrk="1" hangingPunct="1"/>
+            <a:r>
+              <a:rPr lang="en-US" dirty="0"/>
+              <a:t>Other types: </a:t>
+            </a:r>
+            <a:r>
+              <a:rPr lang="en-US" dirty="0" err="1">
+                <a:solidFill>
+                  <a:srgbClr val="0000FF"/>
+                </a:solidFill>
+              </a:rPr>
+              <a:t>Chebyshev</a:t>
+            </a:r>
             <a:r>
               <a:rPr lang="en-US" dirty="0">
                 <a:solidFill>
                   <a:srgbClr val="0000FF"/>
                 </a:solidFill>
               </a:rPr>
-              <a:t>Butterworth</a:t>
-            </a:r>
-            <a:r>
-              <a:rPr lang="en-US" dirty="0"/>
-              <a:t> filters give maximally flat response</a:t>
-            </a:r>
-          </a:p>
-          <a:p>
-            <a:pPr marL="803274" lvl="1" eaLnBrk="1" hangingPunct="1"/>
-            <a:r>
-              <a:rPr lang="en-US" dirty="0" err="1">
-                <a:solidFill>
-                  <a:srgbClr val="0000FF"/>
-                </a:solidFill>
-              </a:rPr>
-              <a:t>Chebyshev</a:t>
-            </a:r>
-            <a:r>
-              <a:rPr lang="en-US" dirty="0">
-                <a:solidFill>
-                  <a:srgbClr val="0000FF"/>
-                </a:solidFill>
-              </a:rPr>
-              <a:t> Type I</a:t>
+              <a:t> Type II</a:t>
             </a:r>
             <a:r>
               <a:rPr lang="en-US" dirty="0"/>
@@ -23299,151 +23513,39 @@
             </a:r>
             <a:r>
               <a:rPr lang="en-US" dirty="0" err="1"/>
+              <a:t>stopband</a:t>
+            </a:r>
+            <a:r>
+              <a:rPr lang="en-US" dirty="0"/>
+              <a:t> ripples, </a:t>
+            </a:r>
+            <a:r>
+              <a:rPr lang="en-US" dirty="0">
+                <a:solidFill>
+                  <a:srgbClr val="0000FF"/>
+                </a:solidFill>
+              </a:rPr>
+              <a:t>Elliptical</a:t>
+            </a:r>
+            <a:r>
+              <a:rPr lang="en-US" dirty="0"/>
+              <a:t> allows both </a:t>
+            </a:r>
+            <a:r>
+              <a:rPr lang="en-US" dirty="0" err="1"/>
               <a:t>passband</a:t>
+            </a:r>
+            <a:r>
+              <a:rPr lang="en-US" dirty="0"/>
+              <a:t> and </a:t>
+            </a:r>
+            <a:r>
+              <a:rPr lang="en-US" dirty="0" err="1"/>
+              <a:t>stopband</a:t>
             </a:r>
             <a:r>
               <a:rPr lang="en-US" dirty="0"/>
               <a:t> ripples</a:t>
-            </a:r>
-          </a:p>
-          <a:p>
-            <a:pPr marL="1071029" lvl="2" eaLnBrk="1" hangingPunct="1"/>
-            <a:r>
-              <a:rPr lang="en-US" dirty="0"/>
-              <a:t>Other types: </a:t>
-            </a:r>
-            <a:r>
-              <a:rPr lang="en-US" dirty="0" err="1">
-                <a:solidFill>
-                  <a:srgbClr val="0000FF"/>
-                </a:solidFill>
-              </a:rPr>
-              <a:t>Chebyshev</a:t>
-            </a:r>
-            <a:r>
-              <a:rPr lang="en-US" dirty="0">
-                <a:solidFill>
-                  <a:srgbClr val="0000FF"/>
-                </a:solidFill>
-              </a:rPr>
-              <a:t> Type II</a:t>
-            </a:r>
-            <a:r>
-              <a:rPr lang="en-US" dirty="0"/>
-              <a:t> allows </a:t>
-            </a:r>
-            <a:r>
-              <a:rPr lang="en-US" dirty="0" err="1"/>
-              <a:t>stopband</a:t>
-            </a:r>
-            <a:r>
-              <a:rPr lang="en-US" dirty="0"/>
-              <a:t> ripples, </a:t>
-            </a:r>
-            <a:r>
-              <a:rPr lang="en-US" dirty="0">
-                <a:solidFill>
-                  <a:srgbClr val="0000FF"/>
-                </a:solidFill>
-              </a:rPr>
-              <a:t>Elliptical</a:t>
-            </a:r>
-            <a:r>
-              <a:rPr lang="en-US" dirty="0"/>
-              <a:t> allows both </a:t>
-            </a:r>
-            <a:r>
-              <a:rPr lang="en-US" dirty="0" err="1"/>
-              <a:t>passband</a:t>
-            </a:r>
-            <a:r>
-              <a:rPr lang="en-US" dirty="0"/>
-              <a:t> and </a:t>
-            </a:r>
-            <a:r>
-              <a:rPr lang="en-US" dirty="0" err="1"/>
-              <a:t>stopband</a:t>
-            </a:r>
-            <a:r>
-              <a:rPr lang="en-US" dirty="0"/>
-              <a:t> ripples</a:t>
-            </a:r>
-          </a:p>
-        </p:txBody>
-      </p:sp>
-      <p:sp>
-        <p:nvSpPr>
-          <p:cNvPr id="12292" name="Rectangle 3"/>
-          <p:cNvSpPr>
-            <a:spLocks/>
-          </p:cNvSpPr>
-          <p:nvPr/>
-        </p:nvSpPr>
-        <p:spPr bwMode="auto">
-          <a:xfrm>
-            <a:off x="420289" y="3053953"/>
-            <a:ext cx="8252792" cy="1107281"/>
-          </a:xfrm>
-          <a:prstGeom prst="rect">
-            <a:avLst/>
-          </a:prstGeom>
-          <a:noFill/>
-          <a:ln w="12700">
-            <a:noFill/>
-            <a:miter lim="800000"/>
-            <a:headEnd/>
-            <a:tailEnd/>
-          </a:ln>
-        </p:spPr>
-        <p:txBody>
-          <a:bodyPr lIns="0" tIns="0" rIns="40620" bIns="0"/>
-          <a:lstStyle/>
-          <a:p>
-            <a:pPr marL="40164"/>
-            <a:r>
-              <a:rPr lang="en-US" sz="1700" dirty="0">
-                <a:latin typeface="Courier" charset="0"/>
-                <a:ea typeface="Courier" charset="0"/>
-                <a:cs typeface="Courier" charset="0"/>
-                <a:sym typeface="Courier" charset="0"/>
-              </a:rPr>
-              <a:t>f = </a:t>
-            </a:r>
-            <a:r>
-              <a:rPr lang="en-US" sz="1700" dirty="0" err="1">
-                <a:latin typeface="Courier" charset="0"/>
-                <a:ea typeface="Courier" charset="0"/>
-                <a:cs typeface="Courier" charset="0"/>
-                <a:sym typeface="Courier" charset="0"/>
-              </a:rPr>
-              <a:t>fdesign.parameq</a:t>
-            </a:r>
-            <a:r>
-              <a:rPr lang="en-US" sz="1700" dirty="0">
-                <a:latin typeface="Courier" charset="0"/>
-                <a:ea typeface="Courier" charset="0"/>
-                <a:cs typeface="Courier" charset="0"/>
-                <a:sym typeface="Courier" charset="0"/>
-              </a:rPr>
-              <a:t>('F0,BW,BWp,Gref,G0,GBW,Gp‘,                    .5,.2,.18,0,6,6+10*log10(.5),5.8); h = design(</a:t>
-            </a:r>
-            <a:r>
-              <a:rPr lang="en-US" sz="1700" dirty="0" err="1">
-                <a:latin typeface="Courier" charset="0"/>
-                <a:ea typeface="Courier" charset="0"/>
-                <a:cs typeface="Courier" charset="0"/>
-                <a:sym typeface="Courier" charset="0"/>
-              </a:rPr>
-              <a:t>f,'butter</a:t>
-            </a:r>
-            <a:r>
-              <a:rPr lang="en-US" sz="1700" dirty="0">
-                <a:latin typeface="Courier" charset="0"/>
-                <a:ea typeface="Courier" charset="0"/>
-                <a:cs typeface="Courier" charset="0"/>
-                <a:sym typeface="Courier" charset="0"/>
-              </a:rPr>
-              <a:t>');h1 = design(f,'cheby1'); </a:t>
             </a:r>
           </a:p>
         </p:txBody>
@@ -23686,6 +23788,33 @@
           <a:p>
             <a:pPr marL="446356" eaLnBrk="1" hangingPunct="1"/>
             <a:r>
+              <a:rPr lang="en-US" sz="2800" dirty="0">
+                <a:solidFill>
+                  <a:srgbClr val="0000FF"/>
+                </a:solidFill>
+              </a:rPr>
+              <a:t>Warping</a:t>
+            </a:r>
+            <a:r>
+              <a:rPr lang="en-US" sz="2800" dirty="0"/>
+              <a:t> makes it hard to control exact </a:t>
+            </a:r>
+            <a:r>
+              <a:rPr lang="en-US" sz="2800" dirty="0">
+                <a:solidFill>
+                  <a:srgbClr val="0000FF"/>
+                </a:solidFill>
+              </a:rPr>
+              <a:t>frequency edges</a:t>
+            </a:r>
+            <a:r>
+              <a:rPr lang="en-US" sz="2800" dirty="0"/>
+              <a:t> where bandwidth occurs</a:t>
+            </a:r>
+          </a:p>
+          <a:p>
+            <a:pPr marL="446356" eaLnBrk="1" hangingPunct="1"/>
+            <a:r>
               <a:rPr lang="en-US" sz="2800" dirty="0"/>
               <a:t>In </a:t>
             </a:r>
@@ -23706,156 +23835,170 @@
             <a:pPr marL="803438" lvl="1" eaLnBrk="1" hangingPunct="1"/>
             <a:r>
               <a:rPr lang="en-US" sz="2400" dirty="0"/>
-              <a:t>Filter bandwidth only perfectly symmetrical about centre frequency when </a:t>
+              <a:t>Filter bandwidth only perfectly symmetrical about </a:t>
+            </a:r>
+            <a:r>
+              <a:rPr lang="en-US" sz="2400" dirty="0" err="1"/>
+              <a:t>centre</a:t>
+            </a:r>
+            <a:r>
+              <a:rPr lang="en-US" sz="2400" dirty="0"/>
+              <a:t> frequency when </a:t>
+            </a:r>
+            <a:r>
+              <a:rPr lang="en-US" sz="2400" dirty="0" err="1">
+                <a:latin typeface="Symbol" panose="05050102010706020507" pitchFamily="18" charset="2"/>
+                <a:cs typeface="Times New Roman" pitchFamily="18" charset="0"/>
+              </a:rPr>
+              <a:t>w</a:t>
+            </a:r>
+            <a:r>
+              <a:rPr lang="en-US" sz="2400" baseline="-25000" dirty="0" err="1">
+                <a:latin typeface="Times New Roman" pitchFamily="18" charset="0"/>
+                <a:cs typeface="Times New Roman" pitchFamily="18" charset="0"/>
+              </a:rPr>
+              <a:t>c</a:t>
+            </a:r>
+            <a:r>
+              <a:rPr lang="en-US" sz="2400" dirty="0"/>
+              <a:t>=</a:t>
             </a:r>
             <a:r>
               <a:rPr lang="en-US" sz="2400" dirty="0">
                 <a:latin typeface="Times New Roman" pitchFamily="18" charset="0"/>
                 <a:cs typeface="Times New Roman" pitchFamily="18" charset="0"/>
               </a:rPr>
-              <a:t>F</a:t>
-            </a:r>
-            <a:r>
-              <a:rPr lang="en-US" sz="2400" baseline="-6000" dirty="0">
+              <a:t>0.5</a:t>
+            </a:r>
+            <a:r>
+              <a:rPr lang="en-US" sz="2400" dirty="0"/>
+              <a:t>π (half Nyquist rate)</a:t>
+            </a:r>
+          </a:p>
+          <a:p>
+            <a:pPr marL="803438" lvl="1" eaLnBrk="1" hangingPunct="1"/>
+            <a:r>
+              <a:rPr lang="en-US" sz="2400" dirty="0"/>
+              <a:t>When </a:t>
+            </a:r>
+            <a:r>
+              <a:rPr lang="en-US" sz="2400" dirty="0" err="1">
+                <a:latin typeface="Symbol" panose="05050102010706020507" pitchFamily="18" charset="2"/>
+                <a:cs typeface="Times New Roman" pitchFamily="18" charset="0"/>
+              </a:rPr>
+              <a:t>w</a:t>
+            </a:r>
+            <a:r>
+              <a:rPr lang="en-US" sz="2400" baseline="-25000" dirty="0" err="1">
                 <a:latin typeface="Times New Roman" pitchFamily="18" charset="0"/>
                 <a:cs typeface="Times New Roman" pitchFamily="18" charset="0"/>
               </a:rPr>
-              <a:t>0</a:t>
+              <a:t>c</a:t>
             </a:r>
             <a:r>
               <a:rPr lang="en-US" sz="2400" dirty="0"/>
-              <a:t>=</a:t>
+              <a:t> closer to </a:t>
             </a:r>
             <a:r>
               <a:rPr lang="en-US" sz="2400" dirty="0">
                 <a:latin typeface="Times New Roman" pitchFamily="18" charset="0"/>
                 <a:cs typeface="Times New Roman" pitchFamily="18" charset="0"/>
               </a:rPr>
-              <a:t>0.5</a:t>
+              <a:t>0</a:t>
             </a:r>
             <a:r>
               <a:rPr lang="en-US" sz="2400" dirty="0"/>
-              <a:t>π (half </a:t>
-            </a:r>
-            <a:r>
-              <a:rPr lang="en-US" sz="2400" dirty="0" err="1"/>
-              <a:t>Nyquist</a:t>
+              <a:t> or π, </a:t>
+            </a:r>
+            <a:r>
+              <a:rPr lang="en-US" sz="2400" dirty="0">
+                <a:solidFill>
+                  <a:srgbClr val="0000FF"/>
+                </a:solidFill>
+              </a:rPr>
+              <a:t>warping</a:t>
             </a:r>
             <a:r>
               <a:rPr lang="en-US" sz="2400" dirty="0"/>
-              <a:t> rate)</a:t>
-            </a:r>
+              <a:t> makes larger portion of bandwidth occur to one side of </a:t>
+            </a:r>
+            <a:r>
+              <a:rPr lang="en-US" sz="2400" dirty="0" err="1">
+                <a:latin typeface="Symbol" panose="05050102010706020507" pitchFamily="18" charset="2"/>
+                <a:cs typeface="Times New Roman" pitchFamily="18" charset="0"/>
+              </a:rPr>
+              <a:t>w</a:t>
+            </a:r>
+            <a:r>
+              <a:rPr lang="en-US" sz="2400" baseline="-25000" dirty="0" err="1">
+                <a:latin typeface="Times New Roman" pitchFamily="18" charset="0"/>
+                <a:cs typeface="Times New Roman" pitchFamily="18" charset="0"/>
+              </a:rPr>
+              <a:t>c</a:t>
+            </a:r>
+            <a:endParaRPr lang="en-US" sz="2400" dirty="0"/>
           </a:p>
           <a:p>
             <a:pPr marL="803438" lvl="1" eaLnBrk="1" hangingPunct="1"/>
             <a:r>
               <a:rPr lang="en-US" sz="2400" dirty="0"/>
               <a:t>When </a:t>
+            </a:r>
+            <a:r>
+              <a:rPr lang="en-US" sz="2400" dirty="0" err="1">
+                <a:latin typeface="Symbol" panose="05050102010706020507" pitchFamily="18" charset="2"/>
+                <a:cs typeface="Times New Roman" pitchFamily="18" charset="0"/>
+              </a:rPr>
+              <a:t>w</a:t>
+            </a:r>
+            <a:r>
+              <a:rPr lang="en-US" sz="2400" baseline="-25000" dirty="0" err="1">
+                <a:latin typeface="Times New Roman" pitchFamily="18" charset="0"/>
+                <a:cs typeface="Times New Roman" pitchFamily="18" charset="0"/>
+              </a:rPr>
+              <a:t>c</a:t>
             </a:r>
             <a:r>
               <a:rPr lang="en-US" sz="2400" dirty="0">
                 <a:latin typeface="Times New Roman" pitchFamily="18" charset="0"/>
                 <a:cs typeface="Times New Roman" pitchFamily="18" charset="0"/>
               </a:rPr>
-              <a:t>F</a:t>
-            </a:r>
-            <a:r>
-              <a:rPr lang="en-US" sz="2400" baseline="-6000" dirty="0">
+              <a:t> = 0</a:t>
+            </a:r>
+            <a:r>
+              <a:rPr lang="en-US" sz="2400" dirty="0"/>
+              <a:t>, entire bandwidth occurs to </a:t>
+            </a:r>
+            <a:r>
+              <a:rPr lang="en-US" sz="2400" dirty="0">
+                <a:solidFill>
+                  <a:srgbClr val="0000FF"/>
+                </a:solidFill>
+              </a:rPr>
+              <a:t>right</a:t>
+            </a:r>
+            <a:r>
+              <a:rPr lang="en-US" sz="2400" dirty="0"/>
+              <a:t> of </a:t>
+            </a:r>
+            <a:r>
+              <a:rPr lang="en-US" sz="2400" dirty="0" err="1">
+                <a:latin typeface="Symbol" panose="05050102010706020507" pitchFamily="18" charset="2"/>
+                <a:cs typeface="Times New Roman" pitchFamily="18" charset="0"/>
+              </a:rPr>
+              <a:t>w</a:t>
+            </a:r>
+            <a:r>
+              <a:rPr lang="en-US" sz="2400" baseline="-25000" dirty="0" err="1">
                 <a:latin typeface="Times New Roman" pitchFamily="18" charset="0"/>
                 <a:cs typeface="Times New Roman" pitchFamily="18" charset="0"/>
               </a:rPr>
-              <a:t>0</a:t>
-            </a:r>
-            <a:r>
-              <a:rPr lang="en-US" sz="2400" dirty="0"/>
-              <a:t> closer to </a:t>
-            </a:r>
-            <a:r>
-              <a:rPr lang="en-US" sz="2400" dirty="0">
-                <a:latin typeface="Times New Roman" pitchFamily="18" charset="0"/>
-                <a:cs typeface="Times New Roman" pitchFamily="18" charset="0"/>
-              </a:rPr>
-              <a:t>0</a:t>
-            </a:r>
-            <a:r>
-              <a:rPr lang="en-US" sz="2400" dirty="0"/>
-              <a:t> or π, </a:t>
-            </a:r>
-            <a:r>
-              <a:rPr lang="en-US" sz="2400" dirty="0">
-                <a:solidFill>
-                  <a:srgbClr val="0000FF"/>
-                </a:solidFill>
-              </a:rPr>
-              <a:t>warping</a:t>
-            </a:r>
-            <a:r>
-              <a:rPr lang="en-US" sz="2400" dirty="0"/>
-              <a:t> makes larger portion of bandwidth occur to one side of F</a:t>
-            </a:r>
-            <a:r>
-              <a:rPr lang="en-US" sz="2400" baseline="-6000" dirty="0"/>
-              <a:t>0</a:t>
-            </a:r>
-            <a:endParaRPr lang="en-US" sz="2400" dirty="0"/>
-          </a:p>
-          <a:p>
-            <a:pPr marL="803438" lvl="1" eaLnBrk="1" hangingPunct="1"/>
-            <a:r>
-              <a:rPr lang="en-US" sz="2400" dirty="0"/>
-              <a:t>When </a:t>
-            </a:r>
-            <a:r>
-              <a:rPr lang="en-US" sz="2400" dirty="0">
-                <a:latin typeface="Times New Roman" pitchFamily="18" charset="0"/>
-                <a:cs typeface="Times New Roman" pitchFamily="18" charset="0"/>
-              </a:rPr>
-              <a:t>F</a:t>
-            </a:r>
-            <a:r>
-              <a:rPr lang="en-US" sz="2400" baseline="-6000" dirty="0">
-                <a:latin typeface="Times New Roman" pitchFamily="18" charset="0"/>
-                <a:cs typeface="Times New Roman" pitchFamily="18" charset="0"/>
-              </a:rPr>
-              <a:t>0</a:t>
-            </a:r>
-            <a:r>
-              <a:rPr lang="en-US" sz="2400" dirty="0">
-                <a:latin typeface="Times New Roman" pitchFamily="18" charset="0"/>
-                <a:cs typeface="Times New Roman" pitchFamily="18" charset="0"/>
-              </a:rPr>
-              <a:t> = 0</a:t>
-            </a:r>
-            <a:r>
-              <a:rPr lang="en-US" sz="2400" dirty="0"/>
-              <a:t>, entire bandwidth occurs to </a:t>
-            </a:r>
-            <a:r>
-              <a:rPr lang="en-US" sz="2400" dirty="0">
-                <a:solidFill>
-                  <a:srgbClr val="0000FF"/>
-                </a:solidFill>
-              </a:rPr>
-              <a:t>right</a:t>
-            </a:r>
-            <a:r>
-              <a:rPr lang="en-US" sz="2400" dirty="0"/>
-              <a:t> of </a:t>
-            </a:r>
-            <a:r>
-              <a:rPr lang="en-US" sz="2400" dirty="0">
-                <a:latin typeface="Times New Roman" pitchFamily="18" charset="0"/>
-                <a:cs typeface="Times New Roman" pitchFamily="18" charset="0"/>
-              </a:rPr>
-              <a:t>F</a:t>
-            </a:r>
-            <a:r>
-              <a:rPr lang="en-US" sz="2400" baseline="-6000" dirty="0">
-                <a:latin typeface="Times New Roman" pitchFamily="18" charset="0"/>
-                <a:cs typeface="Times New Roman" pitchFamily="18" charset="0"/>
-              </a:rPr>
-              <a:t>0</a:t>
-            </a:r>
+              <a:t>c</a:t>
+            </a:r>
+            <a:endParaRPr lang="en-US" sz="2400" baseline="-6000" dirty="0">
+              <a:latin typeface="Times New Roman" pitchFamily="18" charset="0"/>
+              <a:cs typeface="Times New Roman" pitchFamily="18" charset="0"/>
+            </a:endParaRPr>
           </a:p>
           <a:p>
             <a:pPr marL="1071249" lvl="2" eaLnBrk="1" hangingPunct="1">
@@ -23868,20 +24011,12 @@
               <a:t>This is </a:t>
             </a:r>
             <a:r>
-              <a:rPr lang="en-US" sz="2000" dirty="0" err="1">
+              <a:rPr lang="en-US" sz="2000" dirty="0">
                 <a:solidFill>
                   <a:srgbClr val="0000FF"/>
                 </a:solidFill>
               </a:rPr>
-              <a:t>lowpass</a:t>
-            </a:r>
-            <a:r>
-              <a:rPr lang="en-US" sz="2000" dirty="0">
-                <a:solidFill>
-                  <a:srgbClr val="0000FF"/>
-                </a:solidFill>
-              </a:rPr>
-              <a:t> shelving filter</a:t>
+              <a:t>low shelving filter</a:t>
             </a:r>
             <a:endParaRPr lang="en-US" sz="2000" baseline="-6000" dirty="0">
               <a:solidFill>
@@ -23896,55 +24031,55 @@
               <a:t>When </a:t>
             </a:r>
             <a:r>
+              <a:rPr lang="en-US" sz="2400" dirty="0" err="1">
+                <a:latin typeface="Symbol" panose="05050102010706020507" pitchFamily="18" charset="2"/>
+                <a:cs typeface="Times New Roman" pitchFamily="18" charset="0"/>
+              </a:rPr>
+              <a:t>w</a:t>
+            </a:r>
+            <a:r>
+              <a:rPr lang="en-US" sz="2400" baseline="-25000" dirty="0" err="1">
+                <a:latin typeface="Times New Roman" pitchFamily="18" charset="0"/>
+                <a:cs typeface="Times New Roman" pitchFamily="18" charset="0"/>
+              </a:rPr>
+              <a:t>c</a:t>
+            </a:r>
+            <a:r>
               <a:rPr lang="en-US" sz="2400" dirty="0">
                 <a:latin typeface="Times New Roman" pitchFamily="18" charset="0"/>
                 <a:cs typeface="Times New Roman" pitchFamily="18" charset="0"/>
               </a:rPr>
-              <a:t>F</a:t>
-            </a:r>
-            <a:r>
-              <a:rPr lang="en-US" sz="2400" baseline="-6000" dirty="0">
+              <a:t> = </a:t>
+            </a:r>
+            <a:r>
+              <a:rPr lang="en-US" sz="2400" dirty="0"/>
+              <a:t>π, entire bandwidth occurs to </a:t>
+            </a:r>
+            <a:r>
+              <a:rPr lang="en-US" sz="2400" dirty="0">
+                <a:solidFill>
+                  <a:srgbClr val="0000FF"/>
+                </a:solidFill>
+              </a:rPr>
+              <a:t>left</a:t>
+            </a:r>
+            <a:r>
+              <a:rPr lang="en-US" sz="2400" dirty="0"/>
+              <a:t> of </a:t>
+            </a:r>
+            <a:r>
+              <a:rPr lang="en-US" sz="2400" dirty="0" err="1">
+                <a:latin typeface="Symbol" panose="05050102010706020507" pitchFamily="18" charset="2"/>
+                <a:cs typeface="Times New Roman" pitchFamily="18" charset="0"/>
+              </a:rPr>
+              <a:t>w</a:t>
+            </a:r>
+            <a:r>
+              <a:rPr lang="en-US" sz="2400" baseline="-25000" dirty="0" err="1">
                 <a:latin typeface="Times New Roman" pitchFamily="18" charset="0"/>
                 <a:cs typeface="Times New Roman" pitchFamily="18" charset="0"/>
               </a:rPr>
-              <a:t>0</a:t>
-            </a:r>
-            <a:r>
-              <a:rPr lang="en-US" sz="2400" dirty="0">
-                <a:latin typeface="Times New Roman" pitchFamily="18" charset="0"/>
-                <a:cs typeface="Times New Roman" pitchFamily="18" charset="0"/>
-              </a:rPr>
-              <a:t> = </a:t>
-            </a:r>
-            <a:r>
-              <a:rPr lang="en-US" sz="2400" dirty="0"/>
-              <a:t>π, entire bandwidth occurs to </a:t>
-            </a:r>
-            <a:r>
-              <a:rPr lang="en-US" sz="2400" dirty="0">
-                <a:solidFill>
-                  <a:srgbClr val="0000FF"/>
-                </a:solidFill>
-              </a:rPr>
-              <a:t>left</a:t>
-            </a:r>
-            <a:r>
-              <a:rPr lang="en-US" sz="2400" dirty="0"/>
-              <a:t> of </a:t>
-            </a:r>
-            <a:r>
-              <a:rPr lang="en-US" sz="2400" dirty="0">
-                <a:latin typeface="Times New Roman" pitchFamily="18" charset="0"/>
-                <a:cs typeface="Times New Roman" pitchFamily="18" charset="0"/>
-              </a:rPr>
-              <a:t>F</a:t>
-            </a:r>
-            <a:r>
-              <a:rPr lang="en-US" sz="2400" baseline="-6000" dirty="0">
-                <a:latin typeface="Times New Roman" pitchFamily="18" charset="0"/>
-                <a:cs typeface="Times New Roman" pitchFamily="18" charset="0"/>
-              </a:rPr>
-              <a:t>0</a:t>
+              <a:t>c</a:t>
             </a:r>
             <a:endParaRPr lang="en-US" sz="2400" dirty="0">
               <a:latin typeface="Times New Roman" pitchFamily="18" charset="0"/>
@@ -23962,215 +24097,25 @@
               <a:t>This is </a:t>
             </a:r>
             <a:r>
-              <a:rPr lang="en-US" sz="2000" dirty="0" err="1">
+              <a:rPr lang="en-US" sz="2000" dirty="0">
                 <a:solidFill>
                   <a:srgbClr val="0000FF"/>
                 </a:solidFill>
               </a:rPr>
-              <a:t>highpass</a:t>
-            </a:r>
-            <a:r>
-              <a:rPr lang="en-US" sz="2000" dirty="0">
-                <a:solidFill>
-                  <a:srgbClr val="0000FF"/>
-                </a:solidFill>
-              </a:rPr>
-              <a:t> shelving filter</a:t>
-            </a:r>
-          </a:p>
-        </p:txBody>
-      </p:sp>
-      <p:sp>
-        <p:nvSpPr>
-          <p:cNvPr id="14340" name="Rectangle 3"/>
-          <p:cNvSpPr>
-            <a:spLocks/>
-          </p:cNvSpPr>
-          <p:nvPr/>
-        </p:nvSpPr>
-        <p:spPr bwMode="auto">
-          <a:xfrm>
-            <a:off x="241102" y="4714875"/>
-            <a:ext cx="8902898" cy="1853224"/>
-          </a:xfrm>
-          <a:prstGeom prst="rect">
-            <a:avLst/>
-          </a:prstGeom>
-          <a:noFill/>
-          <a:ln w="12700">
-            <a:noFill/>
-            <a:miter lim="800000"/>
-            <a:headEnd/>
-            <a:tailEnd/>
-          </a:ln>
-        </p:spPr>
-        <p:txBody>
-          <a:bodyPr lIns="0" tIns="0" rIns="40628" bIns="0"/>
-          <a:lstStyle/>
-          <a:p>
-            <a:pPr marL="40172"/>
-            <a:r>
-              <a:rPr lang="en-US" sz="1700" dirty="0">
-                <a:solidFill>
-                  <a:srgbClr val="000000"/>
-                </a:solidFill>
-                <a:latin typeface="Courier" charset="0"/>
-                <a:ea typeface="Courier" charset="0"/>
-                <a:cs typeface="Courier" charset="0"/>
-                <a:sym typeface="Courier" charset="0"/>
-              </a:rPr>
-              <a:t>f=</a:t>
-            </a:r>
-            <a:r>
-              <a:rPr lang="en-US" sz="1700" dirty="0" err="1">
-                <a:solidFill>
-                  <a:srgbClr val="000000"/>
-                </a:solidFill>
-                <a:latin typeface="Courier" charset="0"/>
-                <a:ea typeface="Courier" charset="0"/>
-                <a:cs typeface="Courier" charset="0"/>
-                <a:sym typeface="Courier" charset="0"/>
-              </a:rPr>
-              <a:t>fdesign.parameq</a:t>
-            </a:r>
-            <a:r>
-              <a:rPr lang="en-US" sz="1700" dirty="0">
-                <a:solidFill>
-                  <a:srgbClr val="000000"/>
-                </a:solidFill>
-                <a:latin typeface="Courier" charset="0"/>
-                <a:ea typeface="Courier" charset="0"/>
-                <a:cs typeface="Courier" charset="0"/>
-                <a:sym typeface="Courier" charset="0"/>
-              </a:rPr>
-              <a:t>('F0,BW,BWp,Gref,G0,GBW,Gp,Gst‘, </a:t>
-            </a:r>
-          </a:p>
-          <a:p>
-            <a:pPr marL="40172"/>
-            <a:r>
-              <a:rPr lang="en-US" sz="1700" dirty="0">
-                <a:solidFill>
-                  <a:srgbClr val="000000"/>
-                </a:solidFill>
-                <a:latin typeface="Courier" charset="0"/>
-                <a:ea typeface="Courier" charset="0"/>
-                <a:cs typeface="Courier" charset="0"/>
-                <a:sym typeface="Courier" charset="0"/>
-              </a:rPr>
-              <a:t>  0, .3, 0.2, 0, 4, 2, 3.5, 0.5); f1=</a:t>
-            </a:r>
-            <a:r>
-              <a:rPr lang="en-US" sz="1700" dirty="0" err="1">
-                <a:solidFill>
-                  <a:srgbClr val="000000"/>
-                </a:solidFill>
-                <a:latin typeface="Courier" charset="0"/>
-                <a:ea typeface="Courier" charset="0"/>
-                <a:cs typeface="Courier" charset="0"/>
-                <a:sym typeface="Courier" charset="0"/>
-              </a:rPr>
-              <a:t>fdesign.parameq</a:t>
-            </a:r>
-            <a:r>
-              <a:rPr lang="en-US" sz="1700" dirty="0">
-                <a:solidFill>
-                  <a:srgbClr val="000000"/>
-                </a:solidFill>
-                <a:latin typeface="Courier" charset="0"/>
-                <a:ea typeface="Courier" charset="0"/>
-                <a:cs typeface="Courier" charset="0"/>
-                <a:sym typeface="Courier" charset="0"/>
-              </a:rPr>
-              <a:t>('F0,BW,BWp,Gref,G0,GBW,Gp,Gst‘,</a:t>
-            </a:r>
-          </a:p>
-          <a:p>
-            <a:pPr marL="40172"/>
-            <a:r>
-              <a:rPr lang="en-US" sz="1700" dirty="0">
-                <a:solidFill>
-                  <a:srgbClr val="000000"/>
-                </a:solidFill>
-                <a:latin typeface="Courier" charset="0"/>
-                <a:ea typeface="Courier" charset="0"/>
-                <a:cs typeface="Courier" charset="0"/>
-                <a:sym typeface="Courier" charset="0"/>
-              </a:rPr>
-              <a:t>  1, .3, 0.2, 0, 4, 2, 3.5, 0.5); h = design(f); h1 = design(f1); set(</a:t>
-            </a:r>
-            <a:r>
-              <a:rPr lang="en-US" sz="1700" dirty="0" err="1">
-                <a:solidFill>
-                  <a:srgbClr val="000000"/>
-                </a:solidFill>
-                <a:latin typeface="Courier" charset="0"/>
-                <a:ea typeface="Courier" charset="0"/>
-                <a:cs typeface="Courier" charset="0"/>
-                <a:sym typeface="Courier" charset="0"/>
-              </a:rPr>
-              <a:t>hfvt,'Filters</a:t>
-            </a:r>
-            <a:r>
-              <a:rPr lang="en-US" sz="1700" dirty="0">
-                <a:solidFill>
-                  <a:srgbClr val="000000"/>
-                </a:solidFill>
-                <a:latin typeface="Courier" charset="0"/>
-                <a:ea typeface="Courier" charset="0"/>
-                <a:cs typeface="Courier" charset="0"/>
-                <a:sym typeface="Courier" charset="0"/>
-              </a:rPr>
-              <a:t>',[h h1]); legend(</a:t>
-            </a:r>
-            <a:r>
-              <a:rPr lang="en-US" sz="1700" dirty="0" err="1">
-                <a:solidFill>
-                  <a:srgbClr val="000000"/>
-                </a:solidFill>
-                <a:latin typeface="Courier" charset="0"/>
-                <a:ea typeface="Courier" charset="0"/>
-                <a:cs typeface="Courier" charset="0"/>
-                <a:sym typeface="Courier" charset="0"/>
-              </a:rPr>
-              <a:t>hfvt,'Lowpass</a:t>
-            </a:r>
-            <a:r>
-              <a:rPr lang="en-US" sz="1700" dirty="0">
-                <a:solidFill>
-                  <a:srgbClr val="000000"/>
-                </a:solidFill>
-                <a:latin typeface="Courier" charset="0"/>
-                <a:ea typeface="Courier" charset="0"/>
-                <a:cs typeface="Courier" charset="0"/>
-                <a:sym typeface="Courier" charset="0"/>
-              </a:rPr>
-              <a:t> Shelving </a:t>
-            </a:r>
-            <a:r>
-              <a:rPr lang="en-US" sz="1700" dirty="0" err="1">
-                <a:solidFill>
-                  <a:srgbClr val="000000"/>
-                </a:solidFill>
-                <a:latin typeface="Courier" charset="0"/>
-                <a:ea typeface="Courier" charset="0"/>
-                <a:cs typeface="Courier" charset="0"/>
-                <a:sym typeface="Courier" charset="0"/>
-              </a:rPr>
-              <a:t>Filter','Highpass</a:t>
-            </a:r>
-            <a:r>
-              <a:rPr lang="en-US" sz="1700" dirty="0">
-                <a:solidFill>
-                  <a:srgbClr val="000000"/>
-                </a:solidFill>
-                <a:latin typeface="Courier" charset="0"/>
-                <a:ea typeface="Courier" charset="0"/>
-                <a:cs typeface="Courier" charset="0"/>
-                <a:sym typeface="Courier" charset="0"/>
-              </a:rPr>
-              <a:t> Shelving Filter');</a:t>
-            </a:r>
+              <a:t>high shelving filter</a:t>
+            </a:r>
+          </a:p>
+          <a:p>
+            <a:pPr marL="446321" eaLnBrk="1" hangingPunct="1">
+              <a:buClr>
+                <a:srgbClr val="0000FF"/>
+              </a:buClr>
+            </a:pPr>
+            <a:endParaRPr lang="en-US" sz="2900" dirty="0">
+              <a:solidFill>
+                <a:srgbClr val="0000FF"/>
+              </a:solidFill>
+            </a:endParaRPr>
           </a:p>
         </p:txBody>
       </p:sp>
@@ -24184,391 +24129,6 @@
 </file>
 
 <file path=ppt/slides/slide28.xml><?xml version="1.0" encoding="utf-8"?>
-<p:sld xmlns:a="http://schemas.openxmlformats.org/drawingml/2006/main" xmlns:r="http://schemas.openxmlformats.org/officeDocument/2006/relationships" xmlns:p="http://schemas.openxmlformats.org/presentationml/2006/main">
-  <p:cSld>
-    <p:spTree>
-      <p:nvGrpSpPr>
-        <p:cNvPr id="1" name=""/>
-        <p:cNvGrpSpPr/>
-        <p:nvPr/>
-      </p:nvGrpSpPr>
-      <p:grpSpPr>
-        <a:xfrm>
-          <a:off x="0" y="0"/>
-          <a:ext cx="0" cy="0"/>
-          <a:chOff x="0" y="0"/>
-          <a:chExt cx="0" cy="0"/>
-        </a:xfrm>
-      </p:grpSpPr>
-      <p:sp>
-        <p:nvSpPr>
-          <p:cNvPr id="14338" name="Rectangle 1"/>
-          <p:cNvSpPr>
-            <a:spLocks noGrp="1" noChangeArrowheads="1"/>
-          </p:cNvSpPr>
-          <p:nvPr>
-            <p:ph type="title"/>
-          </p:nvPr>
-        </p:nvSpPr>
-        <p:spPr/>
-        <p:txBody>
-          <a:bodyPr/>
-          <a:lstStyle/>
-          <a:p>
-            <a:pPr eaLnBrk="1" hangingPunct="1"/>
-            <a:r>
-              <a:rPr lang="en-US"/>
-              <a:t>Lowpass/highpass shelving filters</a:t>
-            </a:r>
-          </a:p>
-        </p:txBody>
-      </p:sp>
-      <p:sp>
-        <p:nvSpPr>
-          <p:cNvPr id="14339" name="Rectangle 2"/>
-          <p:cNvSpPr>
-            <a:spLocks noGrp="1" noChangeArrowheads="1"/>
-          </p:cNvSpPr>
-          <p:nvPr>
-            <p:ph type="body" idx="1"/>
-          </p:nvPr>
-        </p:nvSpPr>
-        <p:spPr/>
-        <p:txBody>
-          <a:bodyPr anchor="t"/>
-          <a:lstStyle/>
-          <a:p>
-            <a:pPr marL="446356" eaLnBrk="1" hangingPunct="1"/>
-            <a:r>
-              <a:rPr lang="en-US" sz="2800">
-                <a:solidFill>
-                  <a:srgbClr val="0000FF"/>
-                </a:solidFill>
-              </a:rPr>
-              <a:t>Warping</a:t>
-            </a:r>
-            <a:r>
-              <a:rPr lang="en-US" sz="2800"/>
-              <a:t> makes it hard to control exact </a:t>
-            </a:r>
-            <a:r>
-              <a:rPr lang="en-US" sz="2800">
-                <a:solidFill>
-                  <a:srgbClr val="0000FF"/>
-                </a:solidFill>
-              </a:rPr>
-              <a:t>frequency edges</a:t>
-            </a:r>
-            <a:r>
-              <a:rPr lang="en-US" sz="2800"/>
-              <a:t> where bandwidth occurs</a:t>
-            </a:r>
-          </a:p>
-          <a:p>
-            <a:pPr marL="446356" eaLnBrk="1" hangingPunct="1"/>
-            <a:r>
-              <a:rPr lang="en-US" sz="2800" dirty="0"/>
-              <a:t>In </a:t>
-            </a:r>
-            <a:r>
-              <a:rPr lang="en-US" sz="2800" dirty="0">
-                <a:solidFill>
-                  <a:srgbClr val="0000FF"/>
-                </a:solidFill>
-              </a:rPr>
-              <a:t>discrete time</a:t>
-            </a:r>
-            <a:r>
-              <a:rPr lang="en-US" sz="2800" dirty="0"/>
-              <a:t>...</a:t>
-            </a:r>
-          </a:p>
-          <a:p>
-            <a:pPr marL="803438" lvl="1" eaLnBrk="1" hangingPunct="1"/>
-            <a:r>
-              <a:rPr lang="en-US" sz="2400" dirty="0"/>
-              <a:t>Filter bandwidth only perfectly symmetrical about centre frequency when </a:t>
-            </a:r>
-            <a:r>
-              <a:rPr lang="en-US" sz="2400" dirty="0" err="1">
-                <a:latin typeface="Symbol" panose="05050102010706020507" pitchFamily="18" charset="2"/>
-                <a:cs typeface="Times New Roman" pitchFamily="18" charset="0"/>
-              </a:rPr>
-              <a:t>w</a:t>
-            </a:r>
-            <a:r>
-              <a:rPr lang="en-US" sz="2400" baseline="-25000" dirty="0" err="1">
-                <a:latin typeface="Times New Roman" pitchFamily="18" charset="0"/>
-                <a:cs typeface="Times New Roman" pitchFamily="18" charset="0"/>
-              </a:rPr>
-              <a:t>c</a:t>
-            </a:r>
-            <a:r>
-              <a:rPr lang="en-US" sz="2400" dirty="0"/>
-              <a:t>=</a:t>
-            </a:r>
-            <a:r>
-              <a:rPr lang="en-US" sz="2400" dirty="0">
-                <a:latin typeface="Times New Roman" pitchFamily="18" charset="0"/>
-                <a:cs typeface="Times New Roman" pitchFamily="18" charset="0"/>
-              </a:rPr>
-              <a:t>0.5</a:t>
-            </a:r>
-            <a:r>
-              <a:rPr lang="en-US" sz="2400" dirty="0"/>
-              <a:t>π (half </a:t>
-            </a:r>
-            <a:r>
-              <a:rPr lang="en-US" sz="2400" dirty="0" err="1"/>
-              <a:t>Nyquist</a:t>
-            </a:r>
-            <a:r>
-              <a:rPr lang="en-US" sz="2400" dirty="0"/>
-              <a:t> rate)</a:t>
-            </a:r>
-          </a:p>
-          <a:p>
-            <a:pPr marL="803438" lvl="1" eaLnBrk="1" hangingPunct="1"/>
-            <a:r>
-              <a:rPr lang="en-US" sz="2400" dirty="0"/>
-              <a:t>When </a:t>
-            </a:r>
-            <a:r>
-              <a:rPr lang="en-US" sz="2400" dirty="0" err="1">
-                <a:latin typeface="Symbol" panose="05050102010706020507" pitchFamily="18" charset="2"/>
-                <a:cs typeface="Times New Roman" pitchFamily="18" charset="0"/>
-              </a:rPr>
-              <a:t>w</a:t>
-            </a:r>
-            <a:r>
-              <a:rPr lang="en-US" sz="2400" baseline="-25000" dirty="0" err="1">
-                <a:latin typeface="Times New Roman" pitchFamily="18" charset="0"/>
-                <a:cs typeface="Times New Roman" pitchFamily="18" charset="0"/>
-              </a:rPr>
-              <a:t>c</a:t>
-            </a:r>
-            <a:r>
-              <a:rPr lang="en-US" sz="2400" dirty="0"/>
-              <a:t> closer to </a:t>
-            </a:r>
-            <a:r>
-              <a:rPr lang="en-US" sz="2400" dirty="0">
-                <a:latin typeface="Times New Roman" pitchFamily="18" charset="0"/>
-                <a:cs typeface="Times New Roman" pitchFamily="18" charset="0"/>
-              </a:rPr>
-              <a:t>0</a:t>
-            </a:r>
-            <a:r>
-              <a:rPr lang="en-US" sz="2400" dirty="0"/>
-              <a:t> or π, </a:t>
-            </a:r>
-            <a:r>
-              <a:rPr lang="en-US" sz="2400" dirty="0">
-                <a:solidFill>
-                  <a:srgbClr val="0000FF"/>
-                </a:solidFill>
-              </a:rPr>
-              <a:t>warping</a:t>
-            </a:r>
-            <a:r>
-              <a:rPr lang="en-US" sz="2400" dirty="0"/>
-              <a:t> makes larger portion of bandwidth occur to one side of </a:t>
-            </a:r>
-            <a:r>
-              <a:rPr lang="en-US" sz="2400" dirty="0" err="1">
-                <a:latin typeface="Symbol" panose="05050102010706020507" pitchFamily="18" charset="2"/>
-                <a:cs typeface="Times New Roman" pitchFamily="18" charset="0"/>
-              </a:rPr>
-              <a:t>w</a:t>
-            </a:r>
-            <a:r>
-              <a:rPr lang="en-US" sz="2400" baseline="-25000" dirty="0" err="1">
-                <a:latin typeface="Times New Roman" pitchFamily="18" charset="0"/>
-                <a:cs typeface="Times New Roman" pitchFamily="18" charset="0"/>
-              </a:rPr>
-              <a:t>c</a:t>
-            </a:r>
-            <a:endParaRPr lang="en-US" sz="2400" dirty="0"/>
-          </a:p>
-          <a:p>
-            <a:pPr marL="803438" lvl="1" eaLnBrk="1" hangingPunct="1"/>
-            <a:r>
-              <a:rPr lang="en-US" sz="2400" dirty="0"/>
-              <a:t>When </a:t>
-            </a:r>
-            <a:r>
-              <a:rPr lang="en-US" sz="2400" dirty="0" err="1">
-                <a:latin typeface="Symbol" panose="05050102010706020507" pitchFamily="18" charset="2"/>
-                <a:cs typeface="Times New Roman" pitchFamily="18" charset="0"/>
-              </a:rPr>
-              <a:t>w</a:t>
-            </a:r>
-            <a:r>
-              <a:rPr lang="en-US" sz="2400" baseline="-25000" dirty="0" err="1">
-                <a:latin typeface="Times New Roman" pitchFamily="18" charset="0"/>
-                <a:cs typeface="Times New Roman" pitchFamily="18" charset="0"/>
-              </a:rPr>
-              <a:t>c</a:t>
-            </a:r>
-            <a:r>
-              <a:rPr lang="en-US" sz="2400" dirty="0">
-                <a:latin typeface="Times New Roman" pitchFamily="18" charset="0"/>
-                <a:cs typeface="Times New Roman" pitchFamily="18" charset="0"/>
-              </a:rPr>
-              <a:t> = 0</a:t>
-            </a:r>
-            <a:r>
-              <a:rPr lang="en-US" sz="2400" dirty="0"/>
-              <a:t>, entire bandwidth occurs to </a:t>
-            </a:r>
-            <a:r>
-              <a:rPr lang="en-US" sz="2400" dirty="0">
-                <a:solidFill>
-                  <a:srgbClr val="0000FF"/>
-                </a:solidFill>
-              </a:rPr>
-              <a:t>right</a:t>
-            </a:r>
-            <a:r>
-              <a:rPr lang="en-US" sz="2400" dirty="0"/>
-              <a:t> of </a:t>
-            </a:r>
-            <a:r>
-              <a:rPr lang="en-US" sz="2400" dirty="0" err="1">
-                <a:latin typeface="Symbol" panose="05050102010706020507" pitchFamily="18" charset="2"/>
-                <a:cs typeface="Times New Roman" pitchFamily="18" charset="0"/>
-              </a:rPr>
-              <a:t>w</a:t>
-            </a:r>
-            <a:r>
-              <a:rPr lang="en-US" sz="2400" baseline="-25000" dirty="0" err="1">
-                <a:latin typeface="Times New Roman" pitchFamily="18" charset="0"/>
-                <a:cs typeface="Times New Roman" pitchFamily="18" charset="0"/>
-              </a:rPr>
-              <a:t>c</a:t>
-            </a:r>
-            <a:endParaRPr lang="en-US" sz="2400" baseline="-6000" dirty="0">
-              <a:latin typeface="Times New Roman" pitchFamily="18" charset="0"/>
-              <a:cs typeface="Times New Roman" pitchFamily="18" charset="0"/>
-            </a:endParaRPr>
-          </a:p>
-          <a:p>
-            <a:pPr marL="1071249" lvl="2" eaLnBrk="1" hangingPunct="1">
-              <a:buClr>
-                <a:srgbClr val="0000FF"/>
-              </a:buClr>
-            </a:pPr>
-            <a:r>
-              <a:rPr lang="en-US" sz="2000" dirty="0"/>
-              <a:t>This is </a:t>
-            </a:r>
-            <a:r>
-              <a:rPr lang="en-US" sz="2000" dirty="0">
-                <a:solidFill>
-                  <a:srgbClr val="0000FF"/>
-                </a:solidFill>
-              </a:rPr>
-              <a:t>low shelving filter</a:t>
-            </a:r>
-            <a:endParaRPr lang="en-US" sz="2000" baseline="-6000" dirty="0">
-              <a:solidFill>
-                <a:srgbClr val="0000FF"/>
-              </a:solidFill>
-            </a:endParaRPr>
-          </a:p>
-          <a:p>
-            <a:pPr marL="803438" lvl="1" eaLnBrk="1" hangingPunct="1"/>
-            <a:r>
-              <a:rPr lang="en-US" sz="2400" dirty="0"/>
-              <a:t>When </a:t>
-            </a:r>
-            <a:r>
-              <a:rPr lang="en-US" sz="2400" dirty="0" err="1">
-                <a:latin typeface="Symbol" panose="05050102010706020507" pitchFamily="18" charset="2"/>
-                <a:cs typeface="Times New Roman" pitchFamily="18" charset="0"/>
-              </a:rPr>
-              <a:t>w</a:t>
-            </a:r>
-            <a:r>
-              <a:rPr lang="en-US" sz="2400" baseline="-25000" dirty="0" err="1">
-                <a:latin typeface="Times New Roman" pitchFamily="18" charset="0"/>
-                <a:cs typeface="Times New Roman" pitchFamily="18" charset="0"/>
-              </a:rPr>
-              <a:t>c</a:t>
-            </a:r>
-            <a:r>
-              <a:rPr lang="en-US" sz="2400" dirty="0">
-                <a:latin typeface="Times New Roman" pitchFamily="18" charset="0"/>
-                <a:cs typeface="Times New Roman" pitchFamily="18" charset="0"/>
-              </a:rPr>
-              <a:t> = </a:t>
-            </a:r>
-            <a:r>
-              <a:rPr lang="en-US" sz="2400" dirty="0"/>
-              <a:t>π, entire bandwidth occurs to </a:t>
-            </a:r>
-            <a:r>
-              <a:rPr lang="en-US" sz="2400" dirty="0">
-                <a:solidFill>
-                  <a:srgbClr val="0000FF"/>
-                </a:solidFill>
-              </a:rPr>
-              <a:t>left</a:t>
-            </a:r>
-            <a:r>
-              <a:rPr lang="en-US" sz="2400" dirty="0"/>
-              <a:t> of </a:t>
-            </a:r>
-            <a:r>
-              <a:rPr lang="en-US" sz="2400" dirty="0" err="1">
-                <a:latin typeface="Symbol" panose="05050102010706020507" pitchFamily="18" charset="2"/>
-                <a:cs typeface="Times New Roman" pitchFamily="18" charset="0"/>
-              </a:rPr>
-              <a:t>w</a:t>
-            </a:r>
-            <a:r>
-              <a:rPr lang="en-US" sz="2400" baseline="-25000" dirty="0" err="1">
-                <a:latin typeface="Times New Roman" pitchFamily="18" charset="0"/>
-                <a:cs typeface="Times New Roman" pitchFamily="18" charset="0"/>
-              </a:rPr>
-              <a:t>c</a:t>
-            </a:r>
-            <a:endParaRPr lang="en-US" sz="2400" dirty="0">
-              <a:latin typeface="Times New Roman" pitchFamily="18" charset="0"/>
-              <a:cs typeface="Times New Roman" pitchFamily="18" charset="0"/>
-            </a:endParaRPr>
-          </a:p>
-          <a:p>
-            <a:pPr marL="1071249" lvl="2" eaLnBrk="1" hangingPunct="1">
-              <a:buClr>
-                <a:srgbClr val="0000FF"/>
-              </a:buClr>
-            </a:pPr>
-            <a:r>
-              <a:rPr lang="en-US" sz="2000" dirty="0"/>
-              <a:t>This is </a:t>
-            </a:r>
-            <a:r>
-              <a:rPr lang="en-US" sz="2000" dirty="0">
-                <a:solidFill>
-                  <a:srgbClr val="0000FF"/>
-                </a:solidFill>
-              </a:rPr>
-              <a:t>high shelving filter</a:t>
-            </a:r>
-          </a:p>
-        </p:txBody>
-      </p:sp>
-    </p:spTree>
-  </p:cSld>
-  <p:clrMapOvr>
-    <a:masterClrMapping/>
-  </p:clrMapOvr>
-  <p:transition/>
-</p:sld>
-</file>
-
-<file path=ppt/slides/slide29.xml><?xml version="1.0" encoding="utf-8"?>
 <p:sld xmlns:a="http://schemas.openxmlformats.org/drawingml/2006/main" xmlns:r="http://schemas.openxmlformats.org/officeDocument/2006/relationships" xmlns:p="http://schemas.openxmlformats.org/presentationml/2006/main">
   <p:cSld>
     <p:spTree>
@@ -24646,6 +24206,119 @@
     <a:masterClrMapping/>
   </p:clrMapOvr>
   <p:transition/>
+</p:sld>
+</file>
+
+<file path=ppt/slides/slide29.xml><?xml version="1.0" encoding="utf-8"?>
+<p:sld xmlns:a="http://schemas.openxmlformats.org/drawingml/2006/main" xmlns:r="http://schemas.openxmlformats.org/officeDocument/2006/relationships" xmlns:p="http://schemas.openxmlformats.org/presentationml/2006/main">
+  <p:cSld>
+    <p:spTree>
+      <p:nvGrpSpPr>
+        <p:cNvPr id="1" name=""/>
+        <p:cNvGrpSpPr/>
+        <p:nvPr/>
+      </p:nvGrpSpPr>
+      <p:grpSpPr>
+        <a:xfrm>
+          <a:off x="0" y="0"/>
+          <a:ext cx="0" cy="0"/>
+          <a:chOff x="0" y="0"/>
+          <a:chExt cx="0" cy="0"/>
+        </a:xfrm>
+      </p:grpSpPr>
+      <p:sp>
+        <p:nvSpPr>
+          <p:cNvPr id="30722" name="Title 1"/>
+          <p:cNvSpPr>
+            <a:spLocks noGrp="1"/>
+          </p:cNvSpPr>
+          <p:nvPr>
+            <p:ph type="title"/>
+          </p:nvPr>
+        </p:nvSpPr>
+        <p:spPr/>
+        <p:txBody>
+          <a:bodyPr/>
+          <a:lstStyle/>
+          <a:p>
+            <a:r>
+              <a:rPr lang="en-GB" sz="4000" dirty="0"/>
+              <a:t>Cascading Parametric Equalisers</a:t>
+            </a:r>
+          </a:p>
+        </p:txBody>
+      </p:sp>
+      <p:sp>
+        <p:nvSpPr>
+          <p:cNvPr id="30723" name="Content Placeholder 2"/>
+          <p:cNvSpPr>
+            <a:spLocks noGrp="1"/>
+          </p:cNvSpPr>
+          <p:nvPr>
+            <p:ph idx="1"/>
+          </p:nvPr>
+        </p:nvSpPr>
+        <p:spPr>
+          <a:xfrm>
+            <a:off x="0" y="709812"/>
+            <a:ext cx="9144000" cy="2143125"/>
+          </a:xfrm>
+        </p:spPr>
+        <p:txBody>
+          <a:bodyPr/>
+          <a:lstStyle/>
+          <a:p>
+            <a:r>
+              <a:rPr lang="en-GB" sz="2400" dirty="0"/>
+              <a:t>Parametric equalisers usually connected in series </a:t>
+            </a:r>
+          </a:p>
+          <a:p>
+            <a:pPr>
+              <a:buFontTx/>
+              <a:buNone/>
+            </a:pPr>
+            <a:endParaRPr lang="en-GB" sz="2800" dirty="0"/>
+          </a:p>
+        </p:txBody>
+      </p:sp>
+      <p:pic>
+        <p:nvPicPr>
+          <p:cNvPr id="30725" name="Picture 4" descr="http://www.mathworks.com/products/demos/shipping/filterdesign/parameqdemo_07.png"/>
+          <p:cNvPicPr>
+            <a:picLocks noChangeAspect="1" noChangeArrowheads="1"/>
+          </p:cNvPicPr>
+          <p:nvPr/>
+        </p:nvPicPr>
+        <p:blipFill>
+          <a:blip r:embed="rId2" cstate="print"/>
+          <a:srcRect l="7677" t="3729" r="10036" b="4303"/>
+          <a:stretch>
+            <a:fillRect/>
+          </a:stretch>
+        </p:blipFill>
+        <p:spPr bwMode="auto">
+          <a:xfrm>
+            <a:off x="2501901" y="1714517"/>
+            <a:ext cx="6499225" cy="5072063"/>
+          </a:xfrm>
+          <a:prstGeom prst="rect">
+            <a:avLst/>
+          </a:prstGeom>
+          <a:noFill/>
+          <a:ln w="9525">
+            <a:noFill/>
+            <a:miter lim="800000"/>
+            <a:headEnd/>
+            <a:tailEnd/>
+          </a:ln>
+        </p:spPr>
+      </p:pic>
+    </p:spTree>
+  </p:cSld>
+  <p:clrMapOvr>
+    <a:masterClrMapping/>
+  </p:clrMapOvr>
 </p:sld>
 </file>
 
@@ -24949,370 +24622,6 @@
             <p:ph type="title"/>
           </p:nvPr>
         </p:nvSpPr>
-        <p:spPr/>
-        <p:txBody>
-          <a:bodyPr/>
-          <a:lstStyle/>
-          <a:p>
-            <a:r>
-              <a:rPr lang="en-GB" sz="4000" dirty="0"/>
-              <a:t>Cascading Parametric Equalisers</a:t>
-            </a:r>
-          </a:p>
-        </p:txBody>
-      </p:sp>
-      <p:sp>
-        <p:nvSpPr>
-          <p:cNvPr id="30723" name="Content Placeholder 2"/>
-          <p:cNvSpPr>
-            <a:spLocks noGrp="1"/>
-          </p:cNvSpPr>
-          <p:nvPr>
-            <p:ph idx="1"/>
-          </p:nvPr>
-        </p:nvSpPr>
-        <p:spPr>
-          <a:xfrm>
-            <a:off x="0" y="709812"/>
-            <a:ext cx="9144000" cy="2143125"/>
-          </a:xfrm>
-        </p:spPr>
-        <p:txBody>
-          <a:bodyPr/>
-          <a:lstStyle/>
-          <a:p>
-            <a:r>
-              <a:rPr lang="en-GB" sz="2400" dirty="0"/>
-              <a:t>Parametric equalisers usually connected in series </a:t>
-            </a:r>
-          </a:p>
-          <a:p>
-            <a:pPr>
-              <a:buFontTx/>
-              <a:buNone/>
-            </a:pPr>
-            <a:endParaRPr lang="en-GB" sz="2800" dirty="0"/>
-          </a:p>
-        </p:txBody>
-      </p:sp>
-      <p:sp>
-        <p:nvSpPr>
-          <p:cNvPr id="30724" name="Rectangle 4"/>
-          <p:cNvSpPr>
-            <a:spLocks noChangeArrowheads="1"/>
-          </p:cNvSpPr>
-          <p:nvPr/>
-        </p:nvSpPr>
-        <p:spPr bwMode="auto">
-          <a:xfrm>
-            <a:off x="1" y="1087619"/>
-            <a:ext cx="8715375" cy="1477247"/>
-          </a:xfrm>
-          <a:prstGeom prst="rect">
-            <a:avLst/>
-          </a:prstGeom>
-          <a:noFill/>
-          <a:ln w="9525">
-            <a:noFill/>
-            <a:miter lim="800000"/>
-            <a:headEnd/>
-            <a:tailEnd/>
-          </a:ln>
-        </p:spPr>
-        <p:txBody>
-          <a:bodyPr lIns="91359" tIns="45680" rIns="91359" bIns="45680">
-            <a:spAutoFit/>
-          </a:bodyPr>
-          <a:lstStyle/>
-          <a:p>
-            <a:r>
-              <a:rPr lang="en-GB" dirty="0">
-                <a:latin typeface="Batang" pitchFamily="18" charset="-127"/>
-                <a:ea typeface="Batang" pitchFamily="18" charset="-127"/>
-              </a:rPr>
-              <a:t>f1 = </a:t>
-            </a:r>
-            <a:r>
-              <a:rPr lang="en-GB" dirty="0" err="1">
-                <a:latin typeface="Batang" pitchFamily="18" charset="-127"/>
-                <a:ea typeface="Batang" pitchFamily="18" charset="-127"/>
-              </a:rPr>
-              <a:t>fdesign.parameq</a:t>
-            </a:r>
-            <a:r>
-              <a:rPr lang="en-GB" dirty="0">
-                <a:latin typeface="Batang" pitchFamily="18" charset="-127"/>
-                <a:ea typeface="Batang" pitchFamily="18" charset="-127"/>
-              </a:rPr>
-              <a:t>('N,F</a:t>
-            </a:r>
-            <a:r>
-              <a:rPr lang="en-GB" baseline="-25000" dirty="0">
-                <a:latin typeface="Batang" pitchFamily="18" charset="-127"/>
-                <a:ea typeface="Batang" pitchFamily="18" charset="-127"/>
-              </a:rPr>
-              <a:t>0</a:t>
-            </a:r>
-            <a:r>
-              <a:rPr lang="en-GB" dirty="0">
-                <a:latin typeface="Batang" pitchFamily="18" charset="-127"/>
-                <a:ea typeface="Batang" pitchFamily="18" charset="-127"/>
-              </a:rPr>
-              <a:t>,BW,G</a:t>
-            </a:r>
-            <a:r>
-              <a:rPr lang="en-GB" baseline="-25000" dirty="0">
-                <a:latin typeface="Batang" pitchFamily="18" charset="-127"/>
-                <a:ea typeface="Batang" pitchFamily="18" charset="-127"/>
-              </a:rPr>
-              <a:t>ref</a:t>
-            </a:r>
-            <a:r>
-              <a:rPr lang="en-GB" dirty="0">
-                <a:latin typeface="Batang" pitchFamily="18" charset="-127"/>
-                <a:ea typeface="Batang" pitchFamily="18" charset="-127"/>
-              </a:rPr>
-              <a:t>,G</a:t>
-            </a:r>
-            <a:r>
-              <a:rPr lang="en-GB" baseline="-25000" dirty="0">
-                <a:latin typeface="Batang" pitchFamily="18" charset="-127"/>
-                <a:ea typeface="Batang" pitchFamily="18" charset="-127"/>
-              </a:rPr>
-              <a:t>0</a:t>
-            </a:r>
-            <a:r>
-              <a:rPr lang="en-GB" dirty="0">
-                <a:latin typeface="Batang" pitchFamily="18" charset="-127"/>
-                <a:ea typeface="Batang" pitchFamily="18" charset="-127"/>
-              </a:rPr>
-              <a:t>,G</a:t>
-            </a:r>
-            <a:r>
-              <a:rPr lang="en-GB" baseline="-25000" dirty="0">
-                <a:latin typeface="Batang" pitchFamily="18" charset="-127"/>
-                <a:ea typeface="Batang" pitchFamily="18" charset="-127"/>
-              </a:rPr>
-              <a:t>BW</a:t>
-            </a:r>
-            <a:r>
-              <a:rPr lang="en-GB" dirty="0">
-                <a:latin typeface="Batang" pitchFamily="18" charset="-127"/>
-                <a:ea typeface="Batang" pitchFamily="18" charset="-127"/>
-              </a:rPr>
-              <a:t>',2,.4,.2 ,0, 5, 5+10log</a:t>
-            </a:r>
-            <a:r>
-              <a:rPr lang="en-GB" baseline="-25000" dirty="0">
-                <a:latin typeface="Batang" pitchFamily="18" charset="-127"/>
-                <a:ea typeface="Batang" pitchFamily="18" charset="-127"/>
-              </a:rPr>
-              <a:t>10</a:t>
-            </a:r>
-            <a:r>
-              <a:rPr lang="en-GB" dirty="0">
-                <a:latin typeface="Batang" pitchFamily="18" charset="-127"/>
-                <a:ea typeface="Batang" pitchFamily="18" charset="-127"/>
-              </a:rPr>
-              <a:t>(.5)); </a:t>
-            </a:r>
-          </a:p>
-          <a:p>
-            <a:r>
-              <a:rPr lang="en-GB" dirty="0">
-                <a:latin typeface="Batang" pitchFamily="18" charset="-127"/>
-                <a:ea typeface="Batang" pitchFamily="18" charset="-127"/>
-              </a:rPr>
-              <a:t>f2 = </a:t>
-            </a:r>
-            <a:r>
-              <a:rPr lang="en-GB" dirty="0" err="1">
-                <a:latin typeface="Batang" pitchFamily="18" charset="-127"/>
-                <a:ea typeface="Batang" pitchFamily="18" charset="-127"/>
-              </a:rPr>
-              <a:t>fdesign.parameq</a:t>
-            </a:r>
-            <a:r>
-              <a:rPr lang="en-GB" dirty="0">
-                <a:latin typeface="Batang" pitchFamily="18" charset="-127"/>
-                <a:ea typeface="Batang" pitchFamily="18" charset="-127"/>
-              </a:rPr>
-              <a:t>('N,F</a:t>
-            </a:r>
-            <a:r>
-              <a:rPr lang="en-GB" baseline="-25000" dirty="0">
-                <a:latin typeface="Batang" pitchFamily="18" charset="-127"/>
-                <a:ea typeface="Batang" pitchFamily="18" charset="-127"/>
-              </a:rPr>
-              <a:t>0</a:t>
-            </a:r>
-            <a:r>
-              <a:rPr lang="en-GB" dirty="0">
-                <a:latin typeface="Batang" pitchFamily="18" charset="-127"/>
-                <a:ea typeface="Batang" pitchFamily="18" charset="-127"/>
-              </a:rPr>
-              <a:t>,BW,G</a:t>
-            </a:r>
-            <a:r>
-              <a:rPr lang="en-GB" baseline="-25000" dirty="0">
-                <a:latin typeface="Batang" pitchFamily="18" charset="-127"/>
-                <a:ea typeface="Batang" pitchFamily="18" charset="-127"/>
-              </a:rPr>
-              <a:t>ref</a:t>
-            </a:r>
-            <a:r>
-              <a:rPr lang="en-GB" dirty="0">
-                <a:latin typeface="Batang" pitchFamily="18" charset="-127"/>
-                <a:ea typeface="Batang" pitchFamily="18" charset="-127"/>
-              </a:rPr>
-              <a:t>,G</a:t>
-            </a:r>
-            <a:r>
-              <a:rPr lang="en-GB" baseline="-25000" dirty="0">
-                <a:latin typeface="Batang" pitchFamily="18" charset="-127"/>
-                <a:ea typeface="Batang" pitchFamily="18" charset="-127"/>
-              </a:rPr>
-              <a:t>0</a:t>
-            </a:r>
-            <a:r>
-              <a:rPr lang="en-GB" dirty="0">
-                <a:latin typeface="Batang" pitchFamily="18" charset="-127"/>
-                <a:ea typeface="Batang" pitchFamily="18" charset="-127"/>
-              </a:rPr>
-              <a:t>,G</a:t>
-            </a:r>
-            <a:r>
-              <a:rPr lang="en-GB" baseline="-25000" dirty="0">
-                <a:latin typeface="Batang" pitchFamily="18" charset="-127"/>
-                <a:ea typeface="Batang" pitchFamily="18" charset="-127"/>
-              </a:rPr>
-              <a:t>BW</a:t>
-            </a:r>
-            <a:r>
-              <a:rPr lang="en-GB" dirty="0">
-                <a:latin typeface="Batang" pitchFamily="18" charset="-127"/>
-                <a:ea typeface="Batang" pitchFamily="18" charset="-127"/>
-              </a:rPr>
-              <a:t>',2,.6,.15,0,-5,-5-10log</a:t>
-            </a:r>
-            <a:r>
-              <a:rPr lang="en-GB" baseline="-25000" dirty="0">
-                <a:latin typeface="Batang" pitchFamily="18" charset="-127"/>
-                <a:ea typeface="Batang" pitchFamily="18" charset="-127"/>
-              </a:rPr>
-              <a:t>10</a:t>
-            </a:r>
-            <a:r>
-              <a:rPr lang="en-GB" dirty="0">
-                <a:latin typeface="Batang" pitchFamily="18" charset="-127"/>
-                <a:ea typeface="Batang" pitchFamily="18" charset="-127"/>
-              </a:rPr>
-              <a:t>(.5)); </a:t>
-            </a:r>
-          </a:p>
-          <a:p>
-            <a:r>
-              <a:rPr lang="en-GB" dirty="0">
-                <a:latin typeface="Batang" pitchFamily="18" charset="-127"/>
-                <a:ea typeface="Batang" pitchFamily="18" charset="-127"/>
-              </a:rPr>
-              <a:t>h1 = design(f1); </a:t>
-            </a:r>
-          </a:p>
-          <a:p>
-            <a:r>
-              <a:rPr lang="en-GB" dirty="0">
-                <a:latin typeface="Batang" pitchFamily="18" charset="-127"/>
-                <a:ea typeface="Batang" pitchFamily="18" charset="-127"/>
-              </a:rPr>
-              <a:t>h2 = design(f2); </a:t>
-            </a:r>
-          </a:p>
-          <a:p>
-            <a:r>
-              <a:rPr lang="en-GB" dirty="0" err="1">
-                <a:latin typeface="Batang" pitchFamily="18" charset="-127"/>
-                <a:ea typeface="Batang" pitchFamily="18" charset="-127"/>
-              </a:rPr>
-              <a:t>hc</a:t>
-            </a:r>
-            <a:r>
-              <a:rPr lang="en-GB" dirty="0">
-                <a:latin typeface="Batang" pitchFamily="18" charset="-127"/>
-                <a:ea typeface="Batang" pitchFamily="18" charset="-127"/>
-              </a:rPr>
-              <a:t> = cascade(h1,h2); </a:t>
-            </a:r>
-          </a:p>
-        </p:txBody>
-      </p:sp>
-      <p:pic>
-        <p:nvPicPr>
-          <p:cNvPr id="30725" name="Picture 4" descr="http://www.mathworks.com/products/demos/shipping/filterdesign/parameqdemo_07.png"/>
-          <p:cNvPicPr>
-            <a:picLocks noChangeAspect="1" noChangeArrowheads="1"/>
-          </p:cNvPicPr>
-          <p:nvPr/>
-        </p:nvPicPr>
-        <p:blipFill>
-          <a:blip r:embed="rId2" cstate="print"/>
-          <a:srcRect l="7677" t="3729" r="10036" b="4303"/>
-          <a:stretch>
-            <a:fillRect/>
-          </a:stretch>
-        </p:blipFill>
-        <p:spPr bwMode="auto">
-          <a:xfrm>
-            <a:off x="2501901" y="1714517"/>
-            <a:ext cx="6499225" cy="5072063"/>
-          </a:xfrm>
-          <a:prstGeom prst="rect">
-            <a:avLst/>
-          </a:prstGeom>
-          <a:noFill/>
-          <a:ln w="9525">
-            <a:noFill/>
-            <a:miter lim="800000"/>
-            <a:headEnd/>
-            <a:tailEnd/>
-          </a:ln>
-        </p:spPr>
-      </p:pic>
-    </p:spTree>
-  </p:cSld>
-  <p:clrMapOvr>
-    <a:masterClrMapping/>
-  </p:clrMapOvr>
-</p:sld>
-</file>
-
-<file path=ppt/slides/slide31.xml><?xml version="1.0" encoding="utf-8"?>
-<p:sld xmlns:a="http://schemas.openxmlformats.org/drawingml/2006/main" xmlns:r="http://schemas.openxmlformats.org/officeDocument/2006/relationships" xmlns:p="http://schemas.openxmlformats.org/presentationml/2006/main">
-  <p:cSld>
-    <p:spTree>
-      <p:nvGrpSpPr>
-        <p:cNvPr id="1" name=""/>
-        <p:cNvGrpSpPr/>
-        <p:nvPr/>
-      </p:nvGrpSpPr>
-      <p:grpSpPr>
-        <a:xfrm>
-          <a:off x="0" y="0"/>
-          <a:ext cx="0" cy="0"/>
-          <a:chOff x="0" y="0"/>
-          <a:chExt cx="0" cy="0"/>
-        </a:xfrm>
-      </p:grpSpPr>
-      <p:sp>
-        <p:nvSpPr>
-          <p:cNvPr id="30722" name="Title 1"/>
-          <p:cNvSpPr>
-            <a:spLocks noGrp="1"/>
-          </p:cNvSpPr>
-          <p:nvPr>
-            <p:ph type="title"/>
-          </p:nvPr>
-        </p:nvSpPr>
         <p:spPr>
           <a:xfrm>
             <a:off x="25152" y="1"/>
@@ -25361,107 +24670,6 @@
               <a:buNone/>
             </a:pPr>
             <a:endParaRPr lang="en-GB" sz="2800" dirty="0"/>
-          </a:p>
-        </p:txBody>
-      </p:sp>
-      <p:sp>
-        <p:nvSpPr>
-          <p:cNvPr id="30724" name="Rectangle 4"/>
-          <p:cNvSpPr>
-            <a:spLocks noChangeArrowheads="1"/>
-          </p:cNvSpPr>
-          <p:nvPr/>
-        </p:nvSpPr>
-        <p:spPr bwMode="auto">
-          <a:xfrm>
-            <a:off x="1" y="1692177"/>
-            <a:ext cx="8715375" cy="584695"/>
-          </a:xfrm>
-          <a:prstGeom prst="rect">
-            <a:avLst/>
-          </a:prstGeom>
-          <a:noFill/>
-          <a:ln w="9525">
-            <a:noFill/>
-            <a:miter lim="800000"/>
-            <a:headEnd/>
-            <a:tailEnd/>
-          </a:ln>
-        </p:spPr>
-        <p:txBody>
-          <a:bodyPr lIns="91359" tIns="45680" rIns="91359" bIns="45680">
-            <a:spAutoFit/>
-          </a:bodyPr>
-          <a:lstStyle/>
-          <a:p>
-            <a:pPr marL="0" marR="0" lvl="0" indent="0" algn="l" defTabSz="914400" rtl="0" eaLnBrk="1" fontAlgn="base" latinLnBrk="0" hangingPunct="1">
-              <a:lnSpc>
-                <a:spcPct val="100000"/>
-              </a:lnSpc>
-              <a:spcBef>
-                <a:spcPct val="0"/>
-              </a:spcBef>
-              <a:spcAft>
-                <a:spcPct val="0"/>
-              </a:spcAft>
-              <a:buClrTx/>
-              <a:buSzTx/>
-              <a:buFontTx/>
-              <a:buNone/>
-              <a:tabLst/>
-              <a:defRPr/>
-            </a:pPr>
-            <a:r>
-              <a:rPr kumimoji="0" lang="en-GB" sz="1600" b="0" i="1" u="none" strike="noStrike" kern="1200" cap="none" spc="0" normalizeH="0" baseline="0" noProof="0" dirty="0">
-                <a:ln>
-                  <a:noFill/>
-                </a:ln>
-                <a:solidFill>
-                  <a:srgbClr val="C00000"/>
-                </a:solidFill>
-                <a:effectLst/>
-                <a:uLnTx/>
-                <a:uFillTx/>
-                <a:latin typeface="Batang" pitchFamily="18" charset="-127"/>
-                <a:ea typeface="Batang" pitchFamily="18" charset="-127"/>
-                <a:cs typeface="+mn-cs"/>
-              </a:rPr>
-              <a:t>From </a:t>
-            </a:r>
-            <a:r>
-              <a:rPr kumimoji="0" lang="en-GB" sz="1600" b="0" i="1" u="none" strike="noStrike" kern="1200" cap="none" spc="0" normalizeH="0" baseline="0" noProof="0" dirty="0" err="1">
-                <a:ln>
-                  <a:noFill/>
-                </a:ln>
-                <a:solidFill>
-                  <a:srgbClr val="C00000"/>
-                </a:solidFill>
-                <a:effectLst/>
-                <a:uLnTx/>
-                <a:uFillTx/>
-                <a:latin typeface="Batang" pitchFamily="18" charset="-127"/>
-                <a:ea typeface="Batang" pitchFamily="18" charset="-127"/>
-                <a:cs typeface="+mn-cs"/>
-              </a:rPr>
-              <a:t>Matlab</a:t>
-            </a:r>
-            <a:r>
-              <a:rPr kumimoji="0" lang="en-GB" sz="1600" b="0" i="1" u="none" strike="noStrike" kern="1200" cap="none" spc="0" normalizeH="0" baseline="0" noProof="0" dirty="0">
-                <a:ln>
-                  <a:noFill/>
-                </a:ln>
-                <a:solidFill>
-                  <a:srgbClr val="C00000"/>
-                </a:solidFill>
-                <a:effectLst/>
-                <a:uLnTx/>
-                <a:uFillTx/>
-                <a:latin typeface="Batang" pitchFamily="18" charset="-127"/>
-                <a:ea typeface="Batang" pitchFamily="18" charset="-127"/>
-                <a:cs typeface="+mn-cs"/>
-              </a:rPr>
-              <a:t> Parametric Equalizer design, http://www.mathworks.co.uk/help/dsp/examples/parametric-equalizer-design.html</a:t>
-            </a:r>
           </a:p>
         </p:txBody>
       </p:sp>
@@ -25487,8 +24695,8 @@
         </p:blipFill>
         <p:spPr>
           <a:xfrm>
-            <a:off x="2123728" y="2439640"/>
-            <a:ext cx="6985620" cy="4383832"/>
+            <a:off x="902764" y="1673423"/>
+            <a:ext cx="8206584" cy="5150049"/>
           </a:xfrm>
           <a:prstGeom prst="rect">
             <a:avLst/>
@@ -25508,7 +24716,7 @@
 </p:sld>
 </file>
 
-<file path=ppt/slides/slide32.xml><?xml version="1.0" encoding="utf-8"?>
+<file path=ppt/slides/slide31.xml><?xml version="1.0" encoding="utf-8"?>
 <p:sld xmlns:a="http://schemas.openxmlformats.org/drawingml/2006/main" xmlns:r="http://schemas.openxmlformats.org/officeDocument/2006/relationships" xmlns:p="http://schemas.openxmlformats.org/presentationml/2006/main">
   <p:cSld>
     <p:spTree>
@@ -25542,8 +24750,8 @@
         </p:blipFill>
         <p:spPr bwMode="auto">
           <a:xfrm>
-            <a:off x="2513707" y="3089673"/>
-            <a:ext cx="4679156" cy="3687961"/>
+            <a:off x="1907704" y="2612041"/>
+            <a:ext cx="5285159" cy="4165593"/>
           </a:xfrm>
           <a:prstGeom prst="rect">
             <a:avLst/>
@@ -25637,89 +24845,6 @@
           </a:p>
         </p:txBody>
       </p:sp>
-      <p:sp>
-        <p:nvSpPr>
-          <p:cNvPr id="17413" name="Rectangle 4"/>
-          <p:cNvSpPr>
-            <a:spLocks/>
-          </p:cNvSpPr>
-          <p:nvPr/>
-        </p:nvSpPr>
-        <p:spPr bwMode="auto">
-          <a:xfrm>
-            <a:off x="687586" y="2464594"/>
-            <a:ext cx="6804422" cy="848320"/>
-          </a:xfrm>
-          <a:prstGeom prst="rect">
-            <a:avLst/>
-          </a:prstGeom>
-          <a:noFill/>
-          <a:ln w="12700">
-            <a:noFill/>
-            <a:miter lim="800000"/>
-            <a:headEnd/>
-            <a:tailEnd/>
-          </a:ln>
-        </p:spPr>
-        <p:txBody>
-          <a:bodyPr lIns="0" tIns="0" rIns="40636" bIns="0"/>
-          <a:lstStyle/>
-          <a:p>
-            <a:pPr marL="40180"/>
-            <a:r>
-              <a:rPr lang="en-US" sz="1700" dirty="0">
-                <a:solidFill>
-                  <a:srgbClr val="000000"/>
-                </a:solidFill>
-                <a:latin typeface="Courier" charset="0"/>
-                <a:ea typeface="Courier" charset="0"/>
-                <a:cs typeface="Courier" charset="0"/>
-                <a:sym typeface="Courier" charset="0"/>
-              </a:rPr>
-              <a:t>f = </a:t>
-            </a:r>
-            <a:r>
-              <a:rPr lang="en-US" sz="1700" dirty="0" err="1">
-                <a:solidFill>
-                  <a:srgbClr val="000000"/>
-                </a:solidFill>
-                <a:latin typeface="Courier" charset="0"/>
-                <a:ea typeface="Courier" charset="0"/>
-                <a:cs typeface="Courier" charset="0"/>
-                <a:sym typeface="Courier" charset="0"/>
-              </a:rPr>
-              <a:t>fdesign.parameq</a:t>
-            </a:r>
-            <a:r>
-              <a:rPr lang="en-US" sz="1700" dirty="0">
-                <a:solidFill>
-                  <a:srgbClr val="000000"/>
-                </a:solidFill>
-                <a:latin typeface="Courier" charset="0"/>
-                <a:ea typeface="Courier" charset="0"/>
-                <a:cs typeface="Courier" charset="0"/>
-                <a:sym typeface="Courier" charset="0"/>
-              </a:rPr>
-              <a:t>('N,Flow,Fhigh,Gref,G0,GBW,Gst‘,</a:t>
-            </a:r>
-          </a:p>
-          <a:p>
-            <a:pPr marL="40180"/>
-            <a:r>
-              <a:rPr lang="en-US" sz="1700" dirty="0">
-                <a:solidFill>
-                  <a:srgbClr val="000000"/>
-                </a:solidFill>
-                <a:latin typeface="Courier" charset="0"/>
-                <a:ea typeface="Courier" charset="0"/>
-                <a:cs typeface="Courier" charset="0"/>
-                <a:sym typeface="Courier" charset="0"/>
-              </a:rPr>
-              <a:t>      4,.35,.55,0,-8,-7,-0.5); h = design(f); </a:t>
-            </a:r>
-          </a:p>
-        </p:txBody>
-      </p:sp>
     </p:spTree>
   </p:cSld>
   <p:clrMapOvr>
@@ -25729,7 +24854,7 @@
 </p:sld>
 </file>
 
-<file path=ppt/slides/slide33.xml><?xml version="1.0" encoding="utf-8"?>
+<file path=ppt/slides/slide32.xml><?xml version="1.0" encoding="utf-8"?>
 <p:sld xmlns:a="http://schemas.openxmlformats.org/drawingml/2006/main" xmlns:r="http://schemas.openxmlformats.org/officeDocument/2006/relationships" xmlns:p="http://schemas.openxmlformats.org/presentationml/2006/main">
   <p:cSld>
     <p:spTree>
@@ -25770,7 +24895,13 @@
       </p:sp>
       <p:sp>
         <p:nvSpPr>
-          <p:cNvPr id="3" name="Content Placeholder 2"/>
+          <p:cNvPr id="6" name="Content Placeholder 5">
+            <a:extLst>
+              <a:ext uri="{FF2B5EF4-FFF2-40B4-BE49-F238E27FC236}">
+                <a16:creationId xmlns:a16="http://schemas.microsoft.com/office/drawing/2014/main" id="{667D4616-CBE8-D74B-16D4-6AB31A2984FE}"/>
+              </a:ext>
+            </a:extLst>
+          </p:cNvPr>
           <p:cNvSpPr>
             <a:spLocks noGrp="1"/>
           </p:cNvSpPr>
@@ -25780,845 +24911,59 @@
         </p:nvSpPr>
         <p:spPr>
           <a:xfrm>
-            <a:off x="0" y="764704"/>
-            <a:ext cx="9143999" cy="4176464"/>
+            <a:off x="80367" y="794742"/>
+            <a:ext cx="8884121" cy="5730602"/>
           </a:xfrm>
         </p:spPr>
         <p:txBody>
           <a:bodyPr/>
           <a:lstStyle/>
           <a:p>
-            <a:pPr marL="0" indent="0">
-              <a:buNone/>
-            </a:pPr>
-            <a:r>
-              <a:rPr lang="en-GB" sz="1400" dirty="0">
-                <a:solidFill>
-                  <a:srgbClr val="AB0D92"/>
-                </a:solidFill>
-                <a:latin typeface="Courier New"/>
-              </a:rPr>
-              <a:t>void </a:t>
-            </a:r>
-            <a:r>
-              <a:rPr lang="en-GB" sz="1400" dirty="0" err="1">
-                <a:solidFill>
-                  <a:srgbClr val="3F6E74"/>
-                </a:solidFill>
-                <a:latin typeface="Courier New"/>
-              </a:rPr>
-              <a:t>ParametricEQFilter</a:t>
-            </a:r>
-            <a:r>
-              <a:rPr lang="en-GB" sz="1400" dirty="0">
-                <a:solidFill>
-                  <a:srgbClr val="000000"/>
-                </a:solidFill>
-                <a:latin typeface="Courier New"/>
-              </a:rPr>
-              <a:t>::</a:t>
-            </a:r>
-            <a:r>
-              <a:rPr lang="en-GB" sz="1400" dirty="0" err="1">
-                <a:solidFill>
-                  <a:srgbClr val="000000"/>
-                </a:solidFill>
-                <a:latin typeface="Courier New"/>
-              </a:rPr>
-              <a:t>makeParametric</a:t>
-            </a:r>
-            <a:r>
-              <a:rPr lang="en-GB" sz="1400" dirty="0">
-                <a:solidFill>
-                  <a:srgbClr val="000000"/>
-                </a:solidFill>
-                <a:latin typeface="Courier New"/>
-              </a:rPr>
-              <a:t>(</a:t>
-            </a:r>
-            <a:r>
-              <a:rPr lang="en-GB" sz="1400" dirty="0">
-                <a:solidFill>
-                  <a:srgbClr val="AB0D92"/>
-                </a:solidFill>
-                <a:latin typeface="Courier New"/>
-              </a:rPr>
-              <a:t>double </a:t>
-            </a:r>
-            <a:r>
-              <a:rPr lang="en-GB" sz="1400" dirty="0" err="1">
-                <a:solidFill>
-                  <a:srgbClr val="000000"/>
-                </a:solidFill>
-                <a:latin typeface="Courier New"/>
-              </a:rPr>
-              <a:t>discreteFrequency</a:t>
-            </a:r>
-            <a:r>
-              <a:rPr lang="en-GB" sz="1400" dirty="0">
-                <a:solidFill>
-                  <a:srgbClr val="000000"/>
-                </a:solidFill>
-                <a:latin typeface="Courier New"/>
-              </a:rPr>
-              <a:t>,</a:t>
-            </a:r>
-            <a:r>
-              <a:rPr lang="en-GB" sz="1400" dirty="0">
-                <a:solidFill>
-                  <a:srgbClr val="AB0D92"/>
-                </a:solidFill>
-                <a:latin typeface="Courier New"/>
-              </a:rPr>
-              <a:t> double </a:t>
-            </a:r>
-            <a:r>
-              <a:rPr lang="en-GB" sz="1400" dirty="0">
-                <a:solidFill>
-                  <a:srgbClr val="000000"/>
-                </a:solidFill>
-                <a:latin typeface="Courier New"/>
-              </a:rPr>
-              <a:t>Q,</a:t>
-            </a:r>
-          </a:p>
-          <a:p>
-            <a:pPr marL="0" indent="0">
-              <a:buNone/>
-            </a:pPr>
-            <a:r>
-              <a:rPr lang="en-GB" sz="1400" dirty="0">
-                <a:solidFill>
-                  <a:srgbClr val="AB0D92"/>
-                </a:solidFill>
-                <a:latin typeface="Courier New"/>
-              </a:rPr>
-              <a:t>	 double </a:t>
-            </a:r>
-            <a:r>
-              <a:rPr lang="en-GB" sz="1400" dirty="0" err="1">
-                <a:solidFill>
-                  <a:srgbClr val="000000"/>
-                </a:solidFill>
-                <a:latin typeface="Courier New"/>
-              </a:rPr>
-              <a:t>gainFactor</a:t>
-            </a:r>
-            <a:r>
-              <a:rPr lang="en-GB" sz="1400" dirty="0">
-                <a:solidFill>
-                  <a:srgbClr val="000000"/>
-                </a:solidFill>
-                <a:latin typeface="Courier New"/>
-              </a:rPr>
-              <a:t>) </a:t>
-            </a:r>
-            <a:r>
-              <a:rPr lang="en-GB" sz="1400" dirty="0" err="1">
-                <a:solidFill>
-                  <a:srgbClr val="AB0D92"/>
-                </a:solidFill>
-                <a:latin typeface="Courier New"/>
-              </a:rPr>
-              <a:t>noexcept</a:t>
-            </a:r>
-            <a:endParaRPr lang="en-GB" sz="1400" dirty="0">
-              <a:solidFill>
-                <a:srgbClr val="AB0D92"/>
-              </a:solidFill>
-              <a:latin typeface="Courier New"/>
-            </a:endParaRPr>
-          </a:p>
-          <a:p>
-            <a:pPr marL="0" indent="0">
-              <a:buNone/>
-            </a:pPr>
-            <a:r>
-              <a:rPr lang="en-GB" sz="1400" dirty="0">
-                <a:solidFill>
-                  <a:srgbClr val="000000"/>
-                </a:solidFill>
-                <a:latin typeface="Courier New"/>
-              </a:rPr>
-              <a:t>{</a:t>
-            </a:r>
-          </a:p>
-          <a:p>
-            <a:pPr marL="267881" lvl="2" indent="0">
-              <a:buNone/>
-            </a:pPr>
-            <a:r>
-              <a:rPr lang="en-GB" sz="1400" dirty="0">
-                <a:solidFill>
-                  <a:srgbClr val="007400"/>
-                </a:solidFill>
-                <a:latin typeface="Courier New"/>
-              </a:rPr>
-              <a:t>/* Limit bandwidth so we don't get nonsense result from tan(B/2) */</a:t>
-            </a:r>
-          </a:p>
-          <a:p>
-            <a:pPr marL="267881" lvl="2" indent="0">
-              <a:buNone/>
-            </a:pPr>
-            <a:r>
-              <a:rPr lang="en-GB" sz="1400" dirty="0" err="1">
-                <a:solidFill>
-                  <a:srgbClr val="AB0D92"/>
-                </a:solidFill>
-                <a:latin typeface="Courier New"/>
-              </a:rPr>
-              <a:t>const</a:t>
-            </a:r>
-            <a:r>
-              <a:rPr lang="en-GB" sz="1400" dirty="0">
-                <a:solidFill>
-                  <a:srgbClr val="AB0D92"/>
-                </a:solidFill>
-                <a:latin typeface="Courier New"/>
-              </a:rPr>
-              <a:t> double </a:t>
-            </a:r>
-            <a:r>
-              <a:rPr lang="en-GB" sz="1400" dirty="0">
-                <a:solidFill>
-                  <a:srgbClr val="000000"/>
-                </a:solidFill>
-                <a:latin typeface="Courier New"/>
-              </a:rPr>
-              <a:t>bandwidth = </a:t>
-            </a:r>
-            <a:r>
-              <a:rPr lang="en-GB" sz="1400" dirty="0" err="1">
-                <a:solidFill>
-                  <a:srgbClr val="26474B"/>
-                </a:solidFill>
-                <a:latin typeface="Courier New"/>
-              </a:rPr>
-              <a:t>jmin</a:t>
-            </a:r>
-            <a:r>
-              <a:rPr lang="en-GB" sz="1400" dirty="0">
-                <a:solidFill>
-                  <a:srgbClr val="000000"/>
-                </a:solidFill>
-                <a:latin typeface="Courier New"/>
-              </a:rPr>
-              <a:t>(</a:t>
-            </a:r>
-            <a:r>
-              <a:rPr lang="en-GB" sz="1400" dirty="0" err="1">
-                <a:solidFill>
-                  <a:srgbClr val="000000"/>
-                </a:solidFill>
-                <a:latin typeface="Courier New"/>
-              </a:rPr>
-              <a:t>discreteFrequency</a:t>
-            </a:r>
-            <a:r>
-              <a:rPr lang="en-GB" sz="1400" dirty="0">
-                <a:solidFill>
-                  <a:srgbClr val="000000"/>
-                </a:solidFill>
-                <a:latin typeface="Courier New"/>
-              </a:rPr>
-              <a:t> / Q, </a:t>
-            </a:r>
-            <a:r>
-              <a:rPr lang="en-GB" sz="1400" dirty="0">
-                <a:solidFill>
-                  <a:srgbClr val="643820"/>
-                </a:solidFill>
-                <a:latin typeface="Courier New"/>
-              </a:rPr>
-              <a:t>M_PI </a:t>
-            </a:r>
-            <a:r>
-              <a:rPr lang="en-GB" sz="1400" dirty="0">
-                <a:solidFill>
-                  <a:srgbClr val="000000"/>
-                </a:solidFill>
-                <a:latin typeface="Courier New"/>
-              </a:rPr>
-              <a:t>* </a:t>
-            </a:r>
-            <a:r>
-              <a:rPr lang="en-GB" sz="1400" dirty="0">
-                <a:solidFill>
-                  <a:srgbClr val="1C00D0"/>
-                </a:solidFill>
-                <a:latin typeface="Courier New"/>
-              </a:rPr>
-              <a:t>0.99</a:t>
-            </a:r>
-            <a:r>
-              <a:rPr lang="en-GB" sz="1400" dirty="0">
-                <a:solidFill>
-                  <a:srgbClr val="000000"/>
-                </a:solidFill>
-                <a:latin typeface="Courier New"/>
-              </a:rPr>
-              <a:t>);</a:t>
-            </a:r>
-          </a:p>
-          <a:p>
-            <a:pPr marL="267881" lvl="2" indent="0">
-              <a:buNone/>
-            </a:pPr>
-            <a:r>
-              <a:rPr lang="en-GB" sz="1400" dirty="0" err="1">
-                <a:solidFill>
-                  <a:srgbClr val="AB0D92"/>
-                </a:solidFill>
-                <a:latin typeface="Courier New"/>
-              </a:rPr>
-              <a:t>const</a:t>
-            </a:r>
-            <a:r>
-              <a:rPr lang="en-GB" sz="1400" dirty="0">
-                <a:solidFill>
-                  <a:srgbClr val="AB0D92"/>
-                </a:solidFill>
-                <a:latin typeface="Courier New"/>
-              </a:rPr>
-              <a:t> double </a:t>
-            </a:r>
-            <a:r>
-              <a:rPr lang="en-GB" sz="1400" dirty="0" err="1">
-                <a:solidFill>
-                  <a:srgbClr val="000000"/>
-                </a:solidFill>
-                <a:latin typeface="Courier New"/>
-              </a:rPr>
-              <a:t>two_cos_wc</a:t>
-            </a:r>
-            <a:r>
-              <a:rPr lang="en-GB" sz="1400" dirty="0">
-                <a:solidFill>
-                  <a:srgbClr val="000000"/>
-                </a:solidFill>
-                <a:latin typeface="Courier New"/>
-              </a:rPr>
-              <a:t> = -</a:t>
-            </a:r>
-            <a:r>
-              <a:rPr lang="en-GB" sz="1400" dirty="0">
-                <a:solidFill>
-                  <a:srgbClr val="1C00D0"/>
-                </a:solidFill>
-                <a:latin typeface="Courier New"/>
-              </a:rPr>
-              <a:t>2.0</a:t>
-            </a:r>
-            <a:r>
-              <a:rPr lang="en-GB" sz="1400" dirty="0">
-                <a:solidFill>
-                  <a:srgbClr val="000000"/>
-                </a:solidFill>
-                <a:latin typeface="Courier New"/>
-              </a:rPr>
-              <a:t>*</a:t>
-            </a:r>
-            <a:r>
-              <a:rPr lang="en-GB" sz="1400" dirty="0">
-                <a:solidFill>
-                  <a:srgbClr val="2E0D6E"/>
-                </a:solidFill>
-                <a:latin typeface="Courier New"/>
-              </a:rPr>
-              <a:t>cos</a:t>
-            </a:r>
-            <a:r>
-              <a:rPr lang="en-GB" sz="1400" dirty="0">
-                <a:solidFill>
-                  <a:srgbClr val="000000"/>
-                </a:solidFill>
-                <a:latin typeface="Courier New"/>
-              </a:rPr>
-              <a:t>(</a:t>
-            </a:r>
-            <a:r>
-              <a:rPr lang="en-GB" sz="1400" dirty="0" err="1">
-                <a:solidFill>
-                  <a:srgbClr val="000000"/>
-                </a:solidFill>
-                <a:latin typeface="Courier New"/>
-              </a:rPr>
-              <a:t>discreteFrequency</a:t>
-            </a:r>
-            <a:r>
-              <a:rPr lang="en-GB" sz="1400" dirty="0">
-                <a:solidFill>
-                  <a:srgbClr val="000000"/>
-                </a:solidFill>
-                <a:latin typeface="Courier New"/>
-              </a:rPr>
-              <a:t>);</a:t>
-            </a:r>
-          </a:p>
-          <a:p>
-            <a:pPr marL="267881" lvl="2" indent="0">
-              <a:buNone/>
-            </a:pPr>
-            <a:r>
-              <a:rPr lang="en-GB" sz="1400" dirty="0" err="1">
-                <a:solidFill>
-                  <a:srgbClr val="AB0D92"/>
-                </a:solidFill>
-                <a:latin typeface="Courier New"/>
-              </a:rPr>
-              <a:t>const</a:t>
-            </a:r>
-            <a:r>
-              <a:rPr lang="en-GB" sz="1400" dirty="0">
-                <a:solidFill>
-                  <a:srgbClr val="AB0D92"/>
-                </a:solidFill>
-                <a:latin typeface="Courier New"/>
-              </a:rPr>
-              <a:t> double </a:t>
-            </a:r>
-            <a:r>
-              <a:rPr lang="en-GB" sz="1400" dirty="0" err="1">
-                <a:solidFill>
-                  <a:srgbClr val="000000"/>
-                </a:solidFill>
-                <a:latin typeface="Courier New"/>
-              </a:rPr>
-              <a:t>tan_half_bw</a:t>
-            </a:r>
-            <a:r>
-              <a:rPr lang="en-GB" sz="1400" dirty="0">
-                <a:solidFill>
-                  <a:srgbClr val="000000"/>
-                </a:solidFill>
-                <a:latin typeface="Courier New"/>
-              </a:rPr>
-              <a:t> = </a:t>
-            </a:r>
-            <a:r>
-              <a:rPr lang="en-GB" sz="1400" dirty="0">
-                <a:solidFill>
-                  <a:srgbClr val="2E0D6E"/>
-                </a:solidFill>
-                <a:latin typeface="Courier New"/>
-              </a:rPr>
-              <a:t>tan</a:t>
-            </a:r>
-            <a:r>
-              <a:rPr lang="en-GB" sz="1400" dirty="0">
-                <a:solidFill>
-                  <a:srgbClr val="000000"/>
-                </a:solidFill>
-                <a:latin typeface="Courier New"/>
-              </a:rPr>
-              <a:t>(bandwidth / </a:t>
-            </a:r>
-            <a:r>
-              <a:rPr lang="en-GB" sz="1400" dirty="0">
-                <a:solidFill>
-                  <a:srgbClr val="1C00D0"/>
-                </a:solidFill>
-                <a:latin typeface="Courier New"/>
-              </a:rPr>
-              <a:t>2.0</a:t>
-            </a:r>
-            <a:r>
-              <a:rPr lang="en-GB" sz="1400" dirty="0">
-                <a:solidFill>
-                  <a:srgbClr val="000000"/>
-                </a:solidFill>
-                <a:latin typeface="Courier New"/>
-              </a:rPr>
-              <a:t>);</a:t>
-            </a:r>
-          </a:p>
-          <a:p>
-            <a:pPr marL="267881" lvl="2" indent="0">
-              <a:buNone/>
-            </a:pPr>
-            <a:r>
-              <a:rPr lang="en-GB" sz="1400" dirty="0" err="1">
-                <a:solidFill>
-                  <a:srgbClr val="AB0D92"/>
-                </a:solidFill>
-                <a:latin typeface="Courier New"/>
-              </a:rPr>
-              <a:t>const</a:t>
-            </a:r>
-            <a:r>
-              <a:rPr lang="en-GB" sz="1400" dirty="0">
-                <a:solidFill>
-                  <a:srgbClr val="AB0D92"/>
-                </a:solidFill>
-                <a:latin typeface="Courier New"/>
-              </a:rPr>
-              <a:t> double </a:t>
-            </a:r>
-            <a:r>
-              <a:rPr lang="en-GB" sz="1400" dirty="0" err="1">
-                <a:solidFill>
-                  <a:srgbClr val="000000"/>
-                </a:solidFill>
-                <a:latin typeface="Courier New"/>
-              </a:rPr>
-              <a:t>g_tan_half_bw</a:t>
-            </a:r>
-            <a:r>
-              <a:rPr lang="en-GB" sz="1400" dirty="0">
-                <a:solidFill>
-                  <a:srgbClr val="000000"/>
-                </a:solidFill>
-                <a:latin typeface="Courier New"/>
-              </a:rPr>
-              <a:t> = </a:t>
-            </a:r>
-            <a:r>
-              <a:rPr lang="en-GB" sz="1400" dirty="0" err="1">
-                <a:solidFill>
-                  <a:srgbClr val="000000"/>
-                </a:solidFill>
-                <a:latin typeface="Courier New"/>
-              </a:rPr>
-              <a:t>gainFactor</a:t>
-            </a:r>
-            <a:r>
-              <a:rPr lang="en-GB" sz="1400" dirty="0">
-                <a:solidFill>
-                  <a:srgbClr val="000000"/>
-                </a:solidFill>
-                <a:latin typeface="Courier New"/>
-              </a:rPr>
-              <a:t> * </a:t>
-            </a:r>
-            <a:r>
-              <a:rPr lang="en-GB" sz="1400" dirty="0" err="1">
-                <a:solidFill>
-                  <a:srgbClr val="000000"/>
-                </a:solidFill>
-                <a:latin typeface="Courier New"/>
-              </a:rPr>
-              <a:t>tan_half_bw</a:t>
-            </a:r>
-            <a:r>
-              <a:rPr lang="en-GB" sz="1400" dirty="0">
-                <a:solidFill>
-                  <a:srgbClr val="000000"/>
-                </a:solidFill>
-                <a:latin typeface="Courier New"/>
-              </a:rPr>
-              <a:t>;</a:t>
-            </a:r>
-          </a:p>
-          <a:p>
-            <a:pPr marL="267881" lvl="2" indent="0">
-              <a:buNone/>
-            </a:pPr>
-            <a:r>
-              <a:rPr lang="en-GB" sz="1400" dirty="0">
-                <a:solidFill>
-                  <a:srgbClr val="007400"/>
-                </a:solidFill>
-                <a:latin typeface="Courier New"/>
-              </a:rPr>
-              <a:t>/* </a:t>
-            </a:r>
-            <a:r>
-              <a:rPr lang="en-GB" sz="1400" dirty="0" err="1">
-                <a:solidFill>
-                  <a:srgbClr val="007400"/>
-                </a:solidFill>
-                <a:latin typeface="Courier New"/>
-              </a:rPr>
-              <a:t>setCoefficients</a:t>
-            </a:r>
-            <a:r>
-              <a:rPr lang="en-GB" sz="1400" dirty="0">
-                <a:solidFill>
-                  <a:srgbClr val="007400"/>
-                </a:solidFill>
-                <a:latin typeface="Courier New"/>
-              </a:rPr>
-              <a:t>() takes arguments: b0, b1, b2, a0, a1, a2</a:t>
-            </a:r>
-          </a:p>
-          <a:p>
-            <a:pPr marL="267881" lvl="2" indent="0">
-              <a:buNone/>
-            </a:pPr>
-            <a:r>
-              <a:rPr lang="en-GB" sz="1400" dirty="0">
-                <a:solidFill>
-                  <a:srgbClr val="007400"/>
-                </a:solidFill>
-                <a:latin typeface="Courier New"/>
-              </a:rPr>
-              <a:t>Normalises filter according to a0 to allow standard time-domain implementations */</a:t>
-            </a:r>
-          </a:p>
-          <a:p>
-            <a:pPr marL="267881" lvl="2" indent="0">
-              <a:buNone/>
-            </a:pPr>
-            <a:r>
-              <a:rPr lang="en-GB" sz="1400" dirty="0" err="1">
-                <a:solidFill>
-                  <a:srgbClr val="26474B"/>
-                </a:solidFill>
-                <a:latin typeface="Courier New"/>
-              </a:rPr>
-              <a:t>setCoefficients</a:t>
-            </a:r>
-            <a:r>
-              <a:rPr lang="en-GB" sz="1400" dirty="0">
-                <a:solidFill>
-                  <a:srgbClr val="26474B"/>
-                </a:solidFill>
-                <a:latin typeface="Courier New"/>
-              </a:rPr>
-              <a:t> </a:t>
-            </a:r>
-            <a:r>
-              <a:rPr lang="en-GB" sz="1400" dirty="0">
-                <a:solidFill>
-                  <a:srgbClr val="000000"/>
-                </a:solidFill>
-                <a:latin typeface="Courier New"/>
-              </a:rPr>
-              <a:t>(</a:t>
-            </a:r>
-            <a:r>
-              <a:rPr lang="en-GB" sz="1400" dirty="0">
-                <a:solidFill>
-                  <a:srgbClr val="1C00D0"/>
-                </a:solidFill>
-                <a:latin typeface="Courier New"/>
-              </a:rPr>
-              <a:t>1</a:t>
-            </a:r>
-            <a:r>
-              <a:rPr lang="en-GB" sz="1400" dirty="0">
-                <a:solidFill>
-                  <a:srgbClr val="000000"/>
-                </a:solidFill>
-                <a:latin typeface="Courier New"/>
-              </a:rPr>
-              <a:t>+ </a:t>
-            </a:r>
-            <a:r>
-              <a:rPr lang="en-GB" sz="1400" dirty="0" err="1">
-                <a:solidFill>
-                  <a:srgbClr val="000000"/>
-                </a:solidFill>
-                <a:latin typeface="Courier New"/>
-              </a:rPr>
-              <a:t>g_tan_half_bw</a:t>
-            </a:r>
-            <a:r>
-              <a:rPr lang="en-GB" sz="1400" dirty="0">
-                <a:solidFill>
-                  <a:srgbClr val="000000"/>
-                </a:solidFill>
-                <a:latin typeface="Courier New"/>
-              </a:rPr>
-              <a:t>, </a:t>
-            </a:r>
-            <a:r>
-              <a:rPr lang="en-GB" sz="1400" dirty="0" err="1">
-                <a:solidFill>
-                  <a:srgbClr val="000000"/>
-                </a:solidFill>
-                <a:latin typeface="Courier New"/>
-              </a:rPr>
-              <a:t>two_cos_wc</a:t>
-            </a:r>
-            <a:r>
-              <a:rPr lang="en-GB" sz="1400" dirty="0">
-                <a:solidFill>
-                  <a:srgbClr val="000000"/>
-                </a:solidFill>
-                <a:latin typeface="Courier New"/>
-              </a:rPr>
-              <a:t>, 1- </a:t>
-            </a:r>
-            <a:r>
-              <a:rPr lang="en-GB" sz="1400" dirty="0" err="1">
-                <a:solidFill>
-                  <a:srgbClr val="000000"/>
-                </a:solidFill>
-                <a:latin typeface="Courier New"/>
-              </a:rPr>
-              <a:t>g_tan_half_bw</a:t>
-            </a:r>
-            <a:r>
-              <a:rPr lang="en-GB" sz="1400" dirty="0">
-                <a:solidFill>
-                  <a:srgbClr val="000000"/>
-                </a:solidFill>
-                <a:latin typeface="Courier New"/>
-              </a:rPr>
-              <a:t>,</a:t>
-            </a:r>
-            <a:endParaRPr lang="en-GB" sz="1400" dirty="0">
-              <a:solidFill>
-                <a:srgbClr val="007400"/>
-              </a:solidFill>
-              <a:latin typeface="Courier New"/>
-            </a:endParaRPr>
-          </a:p>
-          <a:p>
-            <a:pPr marL="267881" lvl="2" indent="0">
-              <a:buNone/>
-            </a:pPr>
-            <a:r>
-              <a:rPr lang="en-GB" sz="1400" dirty="0">
-                <a:solidFill>
-                  <a:srgbClr val="1C00D0"/>
-                </a:solidFill>
-                <a:latin typeface="Courier New"/>
-              </a:rPr>
-              <a:t>	           1</a:t>
-            </a:r>
-            <a:r>
-              <a:rPr lang="en-GB" sz="1400" dirty="0">
-                <a:solidFill>
-                  <a:srgbClr val="000000"/>
-                </a:solidFill>
-                <a:latin typeface="Courier New"/>
-              </a:rPr>
-              <a:t>+ </a:t>
-            </a:r>
-            <a:r>
-              <a:rPr lang="en-GB" sz="1400" dirty="0" err="1">
-                <a:solidFill>
-                  <a:srgbClr val="000000"/>
-                </a:solidFill>
-                <a:latin typeface="Courier New"/>
-              </a:rPr>
-              <a:t>tan_half_bw</a:t>
-            </a:r>
-            <a:r>
-              <a:rPr lang="en-GB" sz="1400" dirty="0">
-                <a:solidFill>
-                  <a:srgbClr val="000000"/>
-                </a:solidFill>
-                <a:latin typeface="Courier New"/>
-              </a:rPr>
-              <a:t>, </a:t>
-            </a:r>
-            <a:r>
-              <a:rPr lang="en-GB" sz="1400" dirty="0" err="1">
-                <a:solidFill>
-                  <a:srgbClr val="000000"/>
-                </a:solidFill>
-                <a:latin typeface="Courier New"/>
-              </a:rPr>
-              <a:t>two_cos_wc</a:t>
-            </a:r>
-            <a:r>
-              <a:rPr lang="en-GB" sz="1400" dirty="0">
-                <a:solidFill>
-                  <a:srgbClr val="000000"/>
-                </a:solidFill>
-                <a:latin typeface="Courier New"/>
-              </a:rPr>
-              <a:t>, </a:t>
-            </a:r>
-            <a:r>
-              <a:rPr lang="en-GB" sz="1400" dirty="0">
-                <a:solidFill>
-                  <a:srgbClr val="1C00D0"/>
-                </a:solidFill>
-                <a:latin typeface="Courier New"/>
-              </a:rPr>
-              <a:t>1</a:t>
-            </a:r>
-            <a:r>
-              <a:rPr lang="en-GB" sz="1400" dirty="0">
-                <a:solidFill>
-                  <a:srgbClr val="000000"/>
-                </a:solidFill>
-                <a:latin typeface="Courier New"/>
-              </a:rPr>
-              <a:t>- </a:t>
-            </a:r>
-            <a:r>
-              <a:rPr lang="en-GB" sz="1400" dirty="0" err="1">
-                <a:solidFill>
-                  <a:srgbClr val="000000"/>
-                </a:solidFill>
-                <a:latin typeface="Courier New"/>
-              </a:rPr>
-              <a:t>tan_half_bw</a:t>
-            </a:r>
-            <a:r>
-              <a:rPr lang="en-GB" sz="1400" dirty="0">
-                <a:solidFill>
-                  <a:srgbClr val="000000"/>
-                </a:solidFill>
-                <a:latin typeface="Courier New"/>
-              </a:rPr>
-              <a:t>);</a:t>
-            </a:r>
-            <a:endParaRPr lang="en-GB" sz="1000" dirty="0">
-              <a:solidFill>
-                <a:srgbClr val="000000"/>
-              </a:solidFill>
-              <a:latin typeface="Courier New"/>
-            </a:endParaRPr>
-          </a:p>
-          <a:p>
-            <a:pPr marL="0" indent="0">
-              <a:buNone/>
-            </a:pPr>
-            <a:r>
-              <a:rPr lang="en-GB" sz="1400" dirty="0">
-                <a:solidFill>
-                  <a:srgbClr val="000000"/>
-                </a:solidFill>
-                <a:latin typeface="Courier New"/>
-              </a:rPr>
-              <a:t>}</a:t>
-            </a:r>
-            <a:endParaRPr lang="en-GB" sz="1400" dirty="0"/>
-          </a:p>
-        </p:txBody>
-      </p:sp>
-      <p:sp>
-        <p:nvSpPr>
-          <p:cNvPr id="4" name="TextBox 3"/>
-          <p:cNvSpPr txBox="1"/>
-          <p:nvPr/>
-        </p:nvSpPr>
-        <p:spPr>
-          <a:xfrm>
-            <a:off x="179512" y="4581128"/>
-            <a:ext cx="8964488" cy="2062103"/>
-          </a:xfrm>
-          <a:prstGeom prst="rect">
-            <a:avLst/>
-          </a:prstGeom>
-          <a:noFill/>
-        </p:spPr>
-        <p:txBody>
-          <a:bodyPr wrap="square" rtlCol="0">
-            <a:spAutoFit/>
-          </a:bodyPr>
-          <a:lstStyle/>
-          <a:p>
-            <a:pPr indent="177800">
-              <a:spcBef>
-                <a:spcPts val="400"/>
-              </a:spcBef>
-              <a:spcAft>
-                <a:spcPts val="400"/>
-              </a:spcAft>
-              <a:buFont typeface="Wingdings" pitchFamily="2" charset="2"/>
-              <a:buChar char="§"/>
-            </a:pPr>
             <a:r>
               <a:rPr lang="en-GB" dirty="0"/>
-              <a:t>based on </a:t>
+              <a:t>Three ways to do it.</a:t>
+            </a:r>
+          </a:p>
+          <a:p>
+            <a:pPr lvl="1"/>
+            <a:r>
+              <a:rPr lang="en-GB" dirty="0"/>
+              <a:t>Directly, </a:t>
+            </a:r>
+          </a:p>
+          <a:p>
+            <a:pPr lvl="2"/>
+            <a:r>
+              <a:rPr lang="en-GB" dirty="0"/>
+              <a:t>keep recent inputs and recent outputs</a:t>
+            </a:r>
+          </a:p>
+          <a:p>
+            <a:pPr lvl="3"/>
+            <a:r>
+              <a:rPr lang="en-GB" sz="2000" dirty="0"/>
+              <a:t>Be sure to do this for every channel</a:t>
+            </a:r>
+          </a:p>
+          <a:p>
+            <a:pPr lvl="2"/>
+            <a:r>
+              <a:rPr lang="en-GB" dirty="0"/>
+              <a:t>Keep array of filter coefficients</a:t>
+            </a:r>
+          </a:p>
+          <a:p>
+            <a:pPr lvl="2"/>
+            <a:r>
+              <a:rPr lang="en-GB" dirty="0"/>
+              <a:t>Apply filter operation each sample, each channel</a:t>
+            </a:r>
+          </a:p>
+          <a:p>
+            <a:pPr lvl="1"/>
+            <a:r>
+              <a:rPr lang="en-GB" dirty="0"/>
+              <a:t>Using </a:t>
             </a:r>
             <a:r>
               <a:rPr lang="en-GB" dirty="0" err="1"/>
@@ -26634,27 +24979,51 @@
             </a:r>
             <a:r>
               <a:rPr lang="en-GB" dirty="0"/>
-              <a:t> class, which implements generic 2 pole, 2 zero IIR filter.</a:t>
-            </a:r>
-          </a:p>
-          <a:p>
-            <a:pPr indent="177800">
-              <a:spcBef>
-                <a:spcPts val="400"/>
-              </a:spcBef>
-              <a:spcAft>
-                <a:spcPts val="400"/>
-              </a:spcAft>
-              <a:buFont typeface="Wingdings" pitchFamily="2" charset="2"/>
-              <a:buChar char="§"/>
-            </a:pPr>
+              <a:t> class</a:t>
+            </a:r>
+          </a:p>
+          <a:p>
+            <a:pPr lvl="2"/>
+            <a:r>
+              <a:rPr lang="en-GB" dirty="0"/>
+              <a:t>implements generic 2 pole, 2 zero IIR filter</a:t>
+            </a:r>
+          </a:p>
+          <a:p>
+            <a:pPr lvl="2"/>
             <a:r>
               <a:rPr lang="en-GB" dirty="0" err="1"/>
-              <a:t>ParametricEQFilter</a:t>
+              <a:t>setCoefficients</a:t>
             </a:r>
             <a:r>
               <a:rPr lang="en-GB" dirty="0"/>
-              <a:t> object is subclass of </a:t>
+              <a:t>() saves values of 6 coefficients so they can later be used to calculate output samples</a:t>
+            </a:r>
+          </a:p>
+          <a:p>
+            <a:pPr lvl="2"/>
+            <a:r>
+              <a:rPr lang="en-GB" dirty="0" err="1"/>
+              <a:t>processSamples</a:t>
+            </a:r>
+            <a:r>
+              <a:rPr lang="en-GB" dirty="0"/>
+              <a:t> performs the filter operation on given samples</a:t>
+            </a:r>
+          </a:p>
+          <a:p>
+            <a:pPr lvl="1"/>
+            <a:r>
+              <a:rPr lang="en-GB" dirty="0"/>
+              <a:t>Using </a:t>
+            </a:r>
+            <a:r>
+              <a:rPr lang="en-GB" dirty="0" err="1"/>
+              <a:t>Juce</a:t>
+            </a:r>
+            <a:r>
+              <a:rPr lang="en-GB" dirty="0"/>
+              <a:t> </a:t>
             </a:r>
             <a:r>
               <a:rPr lang="en-GB" dirty="0" err="1"/>
@@ -26662,47 +25031,28 @@
             </a:r>
             <a:r>
               <a:rPr lang="en-GB" dirty="0"/>
-              <a:t> which implements coefficients for parametric equalizer. </a:t>
-            </a:r>
-          </a:p>
-          <a:p>
-            <a:pPr indent="177800">
-              <a:spcBef>
-                <a:spcPts val="400"/>
-              </a:spcBef>
-              <a:spcAft>
-                <a:spcPts val="400"/>
-              </a:spcAft>
-              <a:buFont typeface="Wingdings" pitchFamily="2" charset="2"/>
-              <a:buChar char="§"/>
-            </a:pPr>
+              <a:t> and </a:t>
+            </a:r>
             <a:r>
               <a:rPr lang="en-GB" dirty="0" err="1"/>
-              <a:t>setCoefficients</a:t>
+              <a:t>makePeakingFilter</a:t>
             </a:r>
             <a:r>
               <a:rPr lang="en-GB" dirty="0"/>
-              <a:t>() saves values of 6 coefficients so they can later be used to calculate output samples. </a:t>
-            </a:r>
-          </a:p>
-          <a:p>
-            <a:pPr indent="177800">
-              <a:spcBef>
-                <a:spcPts val="400"/>
-              </a:spcBef>
-              <a:spcAft>
-                <a:spcPts val="400"/>
-              </a:spcAft>
-              <a:buFont typeface="Wingdings" pitchFamily="2" charset="2"/>
-              <a:buChar char="§"/>
-            </a:pPr>
-            <a:r>
-              <a:rPr lang="en-GB" dirty="0" err="1"/>
-              <a:t>jmin</a:t>
-            </a:r>
+              <a:t> </a:t>
+            </a:r>
+          </a:p>
+          <a:p>
+            <a:pPr lvl="2"/>
             <a:r>
               <a:rPr lang="en-GB" dirty="0"/>
-              <a:t>() is simple macro provided by </a:t>
+              <a:t>Different programming environments implement </a:t>
+            </a:r>
+          </a:p>
+          <a:p>
+            <a:r>
+              <a:rPr lang="en-GB" dirty="0"/>
+              <a:t>Lets do it using </a:t>
             </a:r>
             <a:r>
               <a:rPr lang="en-GB" dirty="0" err="1"/>
@@ -26710,7 +25060,7 @@
             </a:r>
             <a:r>
               <a:rPr lang="en-GB" dirty="0"/>
-              <a:t> to return minimum of 2 numbers.</a:t>
+              <a:t> classes</a:t>
             </a:r>
           </a:p>
         </p:txBody>
@@ -26719,6 +25069,1207 @@
     <p:extLst>
       <p:ext uri="{BB962C8B-B14F-4D97-AF65-F5344CB8AC3E}">
         <p14:creationId xmlns:p14="http://schemas.microsoft.com/office/powerpoint/2010/main" val="778502817"/>
+      </p:ext>
+    </p:extLst>
+  </p:cSld>
+  <p:clrMapOvr>
+    <a:masterClrMapping/>
+  </p:clrMapOvr>
+  <p:transition/>
+</p:sld>
+</file>
+
+<file path=ppt/slides/slide33.xml><?xml version="1.0" encoding="utf-8"?>
+<p:sld xmlns:a="http://schemas.openxmlformats.org/drawingml/2006/main" xmlns:r="http://schemas.openxmlformats.org/officeDocument/2006/relationships" xmlns:p="http://schemas.openxmlformats.org/presentationml/2006/main">
+  <p:cSld>
+    <p:spTree>
+      <p:nvGrpSpPr>
+        <p:cNvPr id="1" name=""/>
+        <p:cNvGrpSpPr/>
+        <p:nvPr/>
+      </p:nvGrpSpPr>
+      <p:grpSpPr>
+        <a:xfrm>
+          <a:off x="0" y="0"/>
+          <a:ext cx="0" cy="0"/>
+          <a:chOff x="0" y="0"/>
+          <a:chExt cx="0" cy="0"/>
+        </a:xfrm>
+      </p:grpSpPr>
+      <p:sp>
+        <p:nvSpPr>
+          <p:cNvPr id="2" name="Title 1">
+            <a:extLst>
+              <a:ext uri="{FF2B5EF4-FFF2-40B4-BE49-F238E27FC236}">
+                <a16:creationId xmlns:a16="http://schemas.microsoft.com/office/drawing/2014/main" id="{118C212E-98BB-B9A3-DFE9-B4F95E1EA6F8}"/>
+              </a:ext>
+            </a:extLst>
+          </p:cNvPr>
+          <p:cNvSpPr>
+            <a:spLocks noGrp="1"/>
+          </p:cNvSpPr>
+          <p:nvPr>
+            <p:ph type="title"/>
+          </p:nvPr>
+        </p:nvSpPr>
+        <p:spPr/>
+        <p:txBody>
+          <a:bodyPr/>
+          <a:lstStyle/>
+          <a:p>
+            <a:r>
+              <a:rPr lang="en-GB" dirty="0">
+                <a:solidFill>
+                  <a:prstClr val="black"/>
+                </a:solidFill>
+              </a:rPr>
+              <a:t>Define and initialise</a:t>
+            </a:r>
+            <a:endParaRPr lang="en-GB" dirty="0"/>
+          </a:p>
+        </p:txBody>
+      </p:sp>
+      <p:sp>
+        <p:nvSpPr>
+          <p:cNvPr id="3" name="Content Placeholder 2">
+            <a:extLst>
+              <a:ext uri="{FF2B5EF4-FFF2-40B4-BE49-F238E27FC236}">
+                <a16:creationId xmlns:a16="http://schemas.microsoft.com/office/drawing/2014/main" id="{FD320413-1026-D741-C185-8E2FCC1E5DDF}"/>
+              </a:ext>
+            </a:extLst>
+          </p:cNvPr>
+          <p:cNvSpPr>
+            <a:spLocks noGrp="1"/>
+          </p:cNvSpPr>
+          <p:nvPr>
+            <p:ph idx="1"/>
+          </p:nvPr>
+        </p:nvSpPr>
+        <p:spPr>
+          <a:xfrm>
+            <a:off x="107505" y="764704"/>
+            <a:ext cx="8965058" cy="6057577"/>
+          </a:xfrm>
+        </p:spPr>
+        <p:txBody>
+          <a:bodyPr>
+            <a:normAutofit fontScale="92500" lnSpcReduction="10000"/>
+          </a:bodyPr>
+          <a:lstStyle/>
+          <a:p>
+            <a:pPr>
+              <a:lnSpc>
+                <a:spcPct val="100000"/>
+              </a:lnSpc>
+              <a:spcBef>
+                <a:spcPts val="0"/>
+              </a:spcBef>
+              <a:spcAft>
+                <a:spcPts val="0"/>
+              </a:spcAft>
+            </a:pPr>
+            <a:r>
+              <a:rPr lang="en-GB" sz="2400" dirty="0">
+                <a:solidFill>
+                  <a:prstClr val="black"/>
+                </a:solidFill>
+              </a:rPr>
+              <a:t>Add private parameters to </a:t>
+            </a:r>
+            <a:r>
+              <a:rPr lang="en-GB" sz="2400" dirty="0" err="1">
+                <a:solidFill>
+                  <a:prstClr val="black"/>
+                </a:solidFill>
+              </a:rPr>
+              <a:t>pluginProcessor.h</a:t>
+            </a:r>
+            <a:endParaRPr lang="en-GB" sz="1800" dirty="0">
+              <a:solidFill>
+                <a:prstClr val="black"/>
+              </a:solidFill>
+            </a:endParaRPr>
+          </a:p>
+          <a:p>
+            <a:pPr marL="142870" indent="0">
+              <a:buNone/>
+            </a:pPr>
+            <a:r>
+              <a:rPr lang="en-GB" sz="1800" dirty="0" err="1">
+                <a:solidFill>
+                  <a:srgbClr val="000000"/>
+                </a:solidFill>
+                <a:latin typeface="Cascadia Mono" panose="020B0609020000020004" pitchFamily="49" charset="0"/>
+              </a:rPr>
+              <a:t>juce</a:t>
+            </a:r>
+            <a:r>
+              <a:rPr lang="en-GB" sz="1800" dirty="0">
+                <a:solidFill>
+                  <a:srgbClr val="000000"/>
+                </a:solidFill>
+                <a:latin typeface="Cascadia Mono" panose="020B0609020000020004" pitchFamily="49" charset="0"/>
+              </a:rPr>
+              <a:t>::</a:t>
+            </a:r>
+            <a:r>
+              <a:rPr lang="en-GB" sz="1800" dirty="0" err="1">
+                <a:solidFill>
+                  <a:srgbClr val="2B91AF"/>
+                </a:solidFill>
+                <a:latin typeface="Cascadia Mono" panose="020B0609020000020004" pitchFamily="49" charset="0"/>
+              </a:rPr>
+              <a:t>AudioParameterFloat</a:t>
+            </a:r>
+            <a:r>
+              <a:rPr lang="en-GB" sz="1800" dirty="0">
+                <a:solidFill>
+                  <a:srgbClr val="000000"/>
+                </a:solidFill>
+                <a:latin typeface="Cascadia Mono" panose="020B0609020000020004" pitchFamily="49" charset="0"/>
+              </a:rPr>
+              <a:t>* </a:t>
+            </a:r>
+            <a:r>
+              <a:rPr lang="en-GB" sz="1800" dirty="0" err="1">
+                <a:solidFill>
+                  <a:srgbClr val="000000"/>
+                </a:solidFill>
+                <a:latin typeface="Cascadia Mono" panose="020B0609020000020004" pitchFamily="49" charset="0"/>
+              </a:rPr>
+              <a:t>gainParam</a:t>
+            </a:r>
+            <a:r>
+              <a:rPr lang="en-GB" sz="1800" dirty="0">
+                <a:solidFill>
+                  <a:srgbClr val="000000"/>
+                </a:solidFill>
+                <a:latin typeface="Cascadia Mono" panose="020B0609020000020004" pitchFamily="49" charset="0"/>
+              </a:rPr>
+              <a:t>;</a:t>
+            </a:r>
+          </a:p>
+          <a:p>
+            <a:pPr marL="142870" indent="0">
+              <a:buNone/>
+            </a:pPr>
+            <a:r>
+              <a:rPr lang="en-GB" sz="1800" dirty="0" err="1">
+                <a:solidFill>
+                  <a:srgbClr val="000000"/>
+                </a:solidFill>
+                <a:latin typeface="Cascadia Mono" panose="020B0609020000020004" pitchFamily="49" charset="0"/>
+              </a:rPr>
+              <a:t>juce</a:t>
+            </a:r>
+            <a:r>
+              <a:rPr lang="en-GB" sz="1800" dirty="0">
+                <a:solidFill>
+                  <a:srgbClr val="000000"/>
+                </a:solidFill>
+                <a:latin typeface="Cascadia Mono" panose="020B0609020000020004" pitchFamily="49" charset="0"/>
+              </a:rPr>
+              <a:t>::</a:t>
+            </a:r>
+            <a:r>
+              <a:rPr lang="en-GB" sz="1800" dirty="0" err="1">
+                <a:solidFill>
+                  <a:srgbClr val="2B91AF"/>
+                </a:solidFill>
+                <a:latin typeface="Cascadia Mono" panose="020B0609020000020004" pitchFamily="49" charset="0"/>
+              </a:rPr>
+              <a:t>AudioParameterFloat</a:t>
+            </a:r>
+            <a:r>
+              <a:rPr lang="en-GB" sz="1800" dirty="0">
+                <a:solidFill>
+                  <a:srgbClr val="000000"/>
+                </a:solidFill>
+                <a:latin typeface="Cascadia Mono" panose="020B0609020000020004" pitchFamily="49" charset="0"/>
+              </a:rPr>
+              <a:t>* </a:t>
+            </a:r>
+            <a:r>
+              <a:rPr lang="en-GB" sz="1800" dirty="0" err="1">
+                <a:solidFill>
+                  <a:srgbClr val="000000"/>
+                </a:solidFill>
+                <a:latin typeface="Cascadia Mono" panose="020B0609020000020004" pitchFamily="49" charset="0"/>
+              </a:rPr>
+              <a:t>centreFrequencyParam</a:t>
+            </a:r>
+            <a:r>
+              <a:rPr lang="en-GB" sz="1800" dirty="0">
+                <a:solidFill>
+                  <a:srgbClr val="000000"/>
+                </a:solidFill>
+                <a:latin typeface="Cascadia Mono" panose="020B0609020000020004" pitchFamily="49" charset="0"/>
+              </a:rPr>
+              <a:t>;</a:t>
+            </a:r>
+          </a:p>
+          <a:p>
+            <a:pPr marL="142870" indent="0">
+              <a:buNone/>
+            </a:pPr>
+            <a:r>
+              <a:rPr lang="en-GB" sz="1800" dirty="0" err="1">
+                <a:solidFill>
+                  <a:srgbClr val="000000"/>
+                </a:solidFill>
+                <a:latin typeface="Cascadia Mono" panose="020B0609020000020004" pitchFamily="49" charset="0"/>
+              </a:rPr>
+              <a:t>juce</a:t>
+            </a:r>
+            <a:r>
+              <a:rPr lang="en-GB" sz="1800" dirty="0">
+                <a:solidFill>
+                  <a:srgbClr val="000000"/>
+                </a:solidFill>
+                <a:latin typeface="Cascadia Mono" panose="020B0609020000020004" pitchFamily="49" charset="0"/>
+              </a:rPr>
+              <a:t>::</a:t>
+            </a:r>
+            <a:r>
+              <a:rPr lang="en-GB" sz="1800" dirty="0" err="1">
+                <a:solidFill>
+                  <a:srgbClr val="2B91AF"/>
+                </a:solidFill>
+                <a:latin typeface="Cascadia Mono" panose="020B0609020000020004" pitchFamily="49" charset="0"/>
+              </a:rPr>
+              <a:t>AudioParameterFloat</a:t>
+            </a:r>
+            <a:r>
+              <a:rPr lang="en-GB" sz="1800" dirty="0">
+                <a:solidFill>
+                  <a:srgbClr val="000000"/>
+                </a:solidFill>
+                <a:latin typeface="Cascadia Mono" panose="020B0609020000020004" pitchFamily="49" charset="0"/>
+              </a:rPr>
+              <a:t>* </a:t>
+            </a:r>
+            <a:r>
+              <a:rPr lang="en-GB" sz="1800" dirty="0" err="1">
+                <a:solidFill>
+                  <a:srgbClr val="000000"/>
+                </a:solidFill>
+                <a:latin typeface="Cascadia Mono" panose="020B0609020000020004" pitchFamily="49" charset="0"/>
+              </a:rPr>
+              <a:t>qParam</a:t>
+            </a:r>
+            <a:r>
+              <a:rPr lang="en-GB" sz="1800" dirty="0">
+                <a:solidFill>
+                  <a:srgbClr val="000000"/>
+                </a:solidFill>
+                <a:latin typeface="Cascadia Mono" panose="020B0609020000020004" pitchFamily="49" charset="0"/>
+              </a:rPr>
+              <a:t>;</a:t>
+            </a:r>
+          </a:p>
+          <a:p>
+            <a:pPr marL="142870" indent="0">
+              <a:buNone/>
+            </a:pPr>
+            <a:r>
+              <a:rPr lang="en-GB" sz="1800" dirty="0" err="1">
+                <a:solidFill>
+                  <a:srgbClr val="000000"/>
+                </a:solidFill>
+                <a:latin typeface="Cascadia Mono" panose="020B0609020000020004" pitchFamily="49" charset="0"/>
+              </a:rPr>
+              <a:t>juce</a:t>
+            </a:r>
+            <a:r>
+              <a:rPr lang="en-GB" sz="1800" dirty="0">
+                <a:solidFill>
+                  <a:srgbClr val="000000"/>
+                </a:solidFill>
+                <a:latin typeface="Cascadia Mono" panose="020B0609020000020004" pitchFamily="49" charset="0"/>
+              </a:rPr>
+              <a:t>::</a:t>
+            </a:r>
+            <a:r>
+              <a:rPr lang="en-GB" sz="1800" dirty="0" err="1">
+                <a:solidFill>
+                  <a:srgbClr val="2B91AF"/>
+                </a:solidFill>
+                <a:latin typeface="Cascadia Mono" panose="020B0609020000020004" pitchFamily="49" charset="0"/>
+              </a:rPr>
+              <a:t>OwnedArray</a:t>
+            </a:r>
+            <a:r>
+              <a:rPr lang="en-GB" sz="1800" dirty="0">
+                <a:solidFill>
+                  <a:srgbClr val="000000"/>
+                </a:solidFill>
+                <a:latin typeface="Cascadia Mono" panose="020B0609020000020004" pitchFamily="49" charset="0"/>
+              </a:rPr>
+              <a:t>&lt;</a:t>
+            </a:r>
+            <a:r>
+              <a:rPr lang="en-GB" sz="1800" dirty="0" err="1">
+                <a:solidFill>
+                  <a:srgbClr val="000000"/>
+                </a:solidFill>
+                <a:latin typeface="Cascadia Mono" panose="020B0609020000020004" pitchFamily="49" charset="0"/>
+              </a:rPr>
+              <a:t>juce</a:t>
+            </a:r>
+            <a:r>
+              <a:rPr lang="en-GB" sz="1800" dirty="0">
+                <a:solidFill>
+                  <a:srgbClr val="000000"/>
+                </a:solidFill>
+                <a:latin typeface="Cascadia Mono" panose="020B0609020000020004" pitchFamily="49" charset="0"/>
+              </a:rPr>
+              <a:t>::</a:t>
+            </a:r>
+            <a:r>
+              <a:rPr lang="en-GB" sz="1800" dirty="0" err="1">
+                <a:solidFill>
+                  <a:srgbClr val="2B91AF"/>
+                </a:solidFill>
+                <a:latin typeface="Cascadia Mono" panose="020B0609020000020004" pitchFamily="49" charset="0"/>
+              </a:rPr>
+              <a:t>IIRFilter</a:t>
+            </a:r>
+            <a:r>
+              <a:rPr lang="en-GB" sz="1800" dirty="0">
+                <a:solidFill>
+                  <a:srgbClr val="000000"/>
+                </a:solidFill>
+                <a:latin typeface="Cascadia Mono" panose="020B0609020000020004" pitchFamily="49" charset="0"/>
+              </a:rPr>
+              <a:t>&gt; filters;</a:t>
+            </a:r>
+          </a:p>
+          <a:p>
+            <a:pPr>
+              <a:spcBef>
+                <a:spcPts val="1200"/>
+              </a:spcBef>
+              <a:spcAft>
+                <a:spcPts val="600"/>
+              </a:spcAft>
+            </a:pPr>
+            <a:r>
+              <a:rPr lang="en-GB" sz="2400" dirty="0">
+                <a:solidFill>
+                  <a:prstClr val="black"/>
+                </a:solidFill>
+              </a:rPr>
+              <a:t>Add audio parameters in constructor in pluginProcessor.cpp</a:t>
+            </a:r>
+            <a:endParaRPr lang="en-GB" sz="2000" dirty="0">
+              <a:solidFill>
+                <a:prstClr val="black"/>
+              </a:solidFill>
+            </a:endParaRPr>
+          </a:p>
+          <a:p>
+            <a:pPr marL="142870" indent="0">
+              <a:buNone/>
+            </a:pPr>
+            <a:r>
+              <a:rPr lang="en-GB" sz="1800" dirty="0" err="1">
+                <a:solidFill>
+                  <a:srgbClr val="000000"/>
+                </a:solidFill>
+                <a:latin typeface="Cascadia Mono" panose="020B0609020000020004" pitchFamily="49" charset="0"/>
+              </a:rPr>
+              <a:t>addParameter</a:t>
+            </a:r>
+            <a:r>
+              <a:rPr lang="en-GB" sz="1800" dirty="0">
+                <a:solidFill>
+                  <a:srgbClr val="000000"/>
+                </a:solidFill>
+                <a:latin typeface="Cascadia Mono" panose="020B0609020000020004" pitchFamily="49" charset="0"/>
+              </a:rPr>
+              <a:t>(</a:t>
+            </a:r>
+            <a:r>
+              <a:rPr lang="en-GB" sz="1800" dirty="0" err="1">
+                <a:solidFill>
+                  <a:srgbClr val="000000"/>
+                </a:solidFill>
+                <a:latin typeface="Cascadia Mono" panose="020B0609020000020004" pitchFamily="49" charset="0"/>
+              </a:rPr>
+              <a:t>centreFrequencyParam</a:t>
+            </a:r>
+            <a:r>
+              <a:rPr lang="en-GB" sz="1800" dirty="0">
+                <a:solidFill>
+                  <a:srgbClr val="000000"/>
+                </a:solidFill>
+                <a:latin typeface="Cascadia Mono" panose="020B0609020000020004" pitchFamily="49" charset="0"/>
+              </a:rPr>
+              <a:t> = </a:t>
+            </a:r>
+            <a:r>
+              <a:rPr lang="en-GB" sz="1800" dirty="0">
+                <a:solidFill>
+                  <a:srgbClr val="0000FF"/>
+                </a:solidFill>
+                <a:latin typeface="Cascadia Mono" panose="020B0609020000020004" pitchFamily="49" charset="0"/>
+              </a:rPr>
+              <a:t>new</a:t>
+            </a:r>
+            <a:r>
+              <a:rPr lang="en-GB" sz="1800" dirty="0">
+                <a:solidFill>
+                  <a:srgbClr val="000000"/>
+                </a:solidFill>
+                <a:latin typeface="Cascadia Mono" panose="020B0609020000020004" pitchFamily="49" charset="0"/>
+              </a:rPr>
+              <a:t> </a:t>
+            </a:r>
+            <a:r>
+              <a:rPr lang="en-GB" sz="1800" dirty="0" err="1">
+                <a:solidFill>
+                  <a:srgbClr val="000000"/>
+                </a:solidFill>
+                <a:latin typeface="Cascadia Mono" panose="020B0609020000020004" pitchFamily="49" charset="0"/>
+              </a:rPr>
+              <a:t>juce</a:t>
+            </a:r>
+            <a:r>
+              <a:rPr lang="en-GB" sz="1800" dirty="0">
+                <a:solidFill>
+                  <a:srgbClr val="000000"/>
+                </a:solidFill>
+                <a:latin typeface="Cascadia Mono" panose="020B0609020000020004" pitchFamily="49" charset="0"/>
+              </a:rPr>
+              <a:t>::</a:t>
+            </a:r>
+            <a:r>
+              <a:rPr lang="en-GB" sz="1800" dirty="0" err="1">
+                <a:solidFill>
+                  <a:srgbClr val="2B91AF"/>
+                </a:solidFill>
+                <a:latin typeface="Cascadia Mono" panose="020B0609020000020004" pitchFamily="49" charset="0"/>
+              </a:rPr>
+              <a:t>AudioParameterFloat</a:t>
+            </a:r>
+            <a:endParaRPr lang="en-GB" sz="1800" dirty="0">
+              <a:solidFill>
+                <a:srgbClr val="2B91AF"/>
+              </a:solidFill>
+              <a:latin typeface="Cascadia Mono" panose="020B0609020000020004" pitchFamily="49" charset="0"/>
+            </a:endParaRPr>
+          </a:p>
+          <a:p>
+            <a:pPr marL="142870" indent="0">
+              <a:buNone/>
+            </a:pPr>
+            <a:r>
+              <a:rPr lang="en-GB" sz="1800" dirty="0">
+                <a:solidFill>
+                  <a:srgbClr val="2B91AF"/>
+                </a:solidFill>
+                <a:latin typeface="Cascadia Mono" panose="020B0609020000020004" pitchFamily="49" charset="0"/>
+              </a:rPr>
+              <a:t>  </a:t>
+            </a:r>
+            <a:r>
+              <a:rPr lang="en-GB" sz="1800" dirty="0">
+                <a:solidFill>
+                  <a:srgbClr val="000000"/>
+                </a:solidFill>
+                <a:latin typeface="Cascadia Mono" panose="020B0609020000020004" pitchFamily="49" charset="0"/>
+              </a:rPr>
+              <a:t>(</a:t>
+            </a:r>
+            <a:r>
+              <a:rPr lang="en-GB" sz="1800" dirty="0">
+                <a:solidFill>
+                  <a:srgbClr val="A31515"/>
+                </a:solidFill>
+                <a:latin typeface="Cascadia Mono" panose="020B0609020000020004" pitchFamily="49" charset="0"/>
+              </a:rPr>
+              <a:t>"</a:t>
+            </a:r>
+            <a:r>
+              <a:rPr lang="en-GB" sz="1800" dirty="0" err="1">
+                <a:solidFill>
+                  <a:srgbClr val="A31515"/>
+                </a:solidFill>
+                <a:latin typeface="Cascadia Mono" panose="020B0609020000020004" pitchFamily="49" charset="0"/>
+              </a:rPr>
+              <a:t>cornerFrequency</a:t>
+            </a:r>
+            <a:r>
+              <a:rPr lang="en-GB" sz="1800" dirty="0">
+                <a:solidFill>
+                  <a:srgbClr val="A31515"/>
+                </a:solidFill>
+                <a:latin typeface="Cascadia Mono" panose="020B0609020000020004" pitchFamily="49" charset="0"/>
+              </a:rPr>
+              <a:t>"</a:t>
+            </a:r>
+            <a:r>
+              <a:rPr lang="en-GB" sz="1800" dirty="0">
+                <a:solidFill>
+                  <a:srgbClr val="000000"/>
+                </a:solidFill>
+                <a:latin typeface="Cascadia Mono" panose="020B0609020000020004" pitchFamily="49" charset="0"/>
+              </a:rPr>
+              <a:t>,</a:t>
+            </a:r>
+            <a:r>
+              <a:rPr lang="en-GB" sz="1800" dirty="0">
+                <a:solidFill>
+                  <a:srgbClr val="A31515"/>
+                </a:solidFill>
+                <a:latin typeface="Cascadia Mono" panose="020B0609020000020004" pitchFamily="49" charset="0"/>
+              </a:rPr>
+              <a:t>"Corner frequency"</a:t>
+            </a:r>
+            <a:r>
+              <a:rPr lang="en-GB" sz="1800" dirty="0">
+                <a:solidFill>
+                  <a:srgbClr val="000000"/>
+                </a:solidFill>
+                <a:latin typeface="Cascadia Mono" panose="020B0609020000020004" pitchFamily="49" charset="0"/>
+              </a:rPr>
+              <a:t>,10.0f,20000.0f,1000.0f));</a:t>
+            </a:r>
+          </a:p>
+          <a:p>
+            <a:pPr marL="142870" indent="0">
+              <a:buNone/>
+            </a:pPr>
+            <a:r>
+              <a:rPr lang="en-GB" sz="1800" dirty="0" err="1">
+                <a:solidFill>
+                  <a:srgbClr val="000000"/>
+                </a:solidFill>
+                <a:latin typeface="Cascadia Mono" panose="020B0609020000020004" pitchFamily="49" charset="0"/>
+              </a:rPr>
+              <a:t>addParameter</a:t>
+            </a:r>
+            <a:r>
+              <a:rPr lang="en-GB" sz="1800" dirty="0">
+                <a:solidFill>
+                  <a:srgbClr val="000000"/>
+                </a:solidFill>
+                <a:latin typeface="Cascadia Mono" panose="020B0609020000020004" pitchFamily="49" charset="0"/>
+              </a:rPr>
+              <a:t>(</a:t>
+            </a:r>
+            <a:r>
+              <a:rPr lang="en-GB" sz="1800" dirty="0" err="1">
+                <a:solidFill>
+                  <a:srgbClr val="000000"/>
+                </a:solidFill>
+                <a:latin typeface="Cascadia Mono" panose="020B0609020000020004" pitchFamily="49" charset="0"/>
+              </a:rPr>
+              <a:t>gainParam</a:t>
+            </a:r>
+            <a:r>
+              <a:rPr lang="en-GB" sz="1800" dirty="0">
+                <a:solidFill>
+                  <a:srgbClr val="000000"/>
+                </a:solidFill>
+                <a:latin typeface="Cascadia Mono" panose="020B0609020000020004" pitchFamily="49" charset="0"/>
+              </a:rPr>
+              <a:t> = </a:t>
+            </a:r>
+            <a:r>
+              <a:rPr lang="en-GB" sz="1800" dirty="0">
+                <a:solidFill>
+                  <a:srgbClr val="0000FF"/>
+                </a:solidFill>
+                <a:latin typeface="Cascadia Mono" panose="020B0609020000020004" pitchFamily="49" charset="0"/>
+              </a:rPr>
+              <a:t>new</a:t>
+            </a:r>
+            <a:r>
+              <a:rPr lang="en-GB" sz="1800" dirty="0">
+                <a:solidFill>
+                  <a:srgbClr val="000000"/>
+                </a:solidFill>
+                <a:latin typeface="Cascadia Mono" panose="020B0609020000020004" pitchFamily="49" charset="0"/>
+              </a:rPr>
+              <a:t> </a:t>
+            </a:r>
+            <a:r>
+              <a:rPr lang="en-GB" sz="1800" dirty="0" err="1">
+                <a:solidFill>
+                  <a:srgbClr val="000000"/>
+                </a:solidFill>
+                <a:latin typeface="Cascadia Mono" panose="020B0609020000020004" pitchFamily="49" charset="0"/>
+              </a:rPr>
+              <a:t>juce</a:t>
+            </a:r>
+            <a:r>
+              <a:rPr lang="en-GB" sz="1800" dirty="0">
+                <a:solidFill>
+                  <a:srgbClr val="000000"/>
+                </a:solidFill>
+                <a:latin typeface="Cascadia Mono" panose="020B0609020000020004" pitchFamily="49" charset="0"/>
+              </a:rPr>
+              <a:t>::</a:t>
+            </a:r>
+            <a:r>
+              <a:rPr lang="en-GB" sz="1800" dirty="0" err="1">
+                <a:solidFill>
+                  <a:srgbClr val="2B91AF"/>
+                </a:solidFill>
+                <a:latin typeface="Cascadia Mono" panose="020B0609020000020004" pitchFamily="49" charset="0"/>
+              </a:rPr>
+              <a:t>AudioParameterFloat</a:t>
+            </a:r>
+            <a:endParaRPr lang="en-GB" sz="1800" dirty="0">
+              <a:solidFill>
+                <a:srgbClr val="2B91AF"/>
+              </a:solidFill>
+              <a:latin typeface="Cascadia Mono" panose="020B0609020000020004" pitchFamily="49" charset="0"/>
+            </a:endParaRPr>
+          </a:p>
+          <a:p>
+            <a:pPr marL="142870" indent="0">
+              <a:buNone/>
+            </a:pPr>
+            <a:r>
+              <a:rPr lang="en-GB" sz="1800" dirty="0">
+                <a:solidFill>
+                  <a:srgbClr val="2B91AF"/>
+                </a:solidFill>
+                <a:latin typeface="Cascadia Mono" panose="020B0609020000020004" pitchFamily="49" charset="0"/>
+              </a:rPr>
+              <a:t>  </a:t>
+            </a:r>
+            <a:r>
+              <a:rPr lang="en-GB" sz="1800" dirty="0">
+                <a:solidFill>
+                  <a:srgbClr val="000000"/>
+                </a:solidFill>
+                <a:latin typeface="Cascadia Mono" panose="020B0609020000020004" pitchFamily="49" charset="0"/>
+              </a:rPr>
+              <a:t>(</a:t>
+            </a:r>
+            <a:r>
+              <a:rPr lang="en-GB" sz="1800" dirty="0">
+                <a:solidFill>
+                  <a:srgbClr val="A31515"/>
+                </a:solidFill>
+                <a:latin typeface="Cascadia Mono" panose="020B0609020000020004" pitchFamily="49" charset="0"/>
+              </a:rPr>
+              <a:t>"gain"</a:t>
+            </a:r>
+            <a:r>
+              <a:rPr lang="en-GB" sz="1800" dirty="0">
+                <a:solidFill>
+                  <a:srgbClr val="000000"/>
+                </a:solidFill>
+                <a:latin typeface="Cascadia Mono" panose="020B0609020000020004" pitchFamily="49" charset="0"/>
+              </a:rPr>
+              <a:t>, </a:t>
+            </a:r>
+            <a:r>
+              <a:rPr lang="en-GB" sz="1800" dirty="0">
+                <a:solidFill>
+                  <a:srgbClr val="A31515"/>
+                </a:solidFill>
+                <a:latin typeface="Cascadia Mono" panose="020B0609020000020004" pitchFamily="49" charset="0"/>
+              </a:rPr>
+              <a:t>"Gain"</a:t>
+            </a:r>
+            <a:r>
+              <a:rPr lang="en-GB" sz="1800" dirty="0">
+                <a:solidFill>
+                  <a:srgbClr val="000000"/>
+                </a:solidFill>
+                <a:latin typeface="Cascadia Mono" panose="020B0609020000020004" pitchFamily="49" charset="0"/>
+              </a:rPr>
+              <a:t>, -12.0f, 12.0f, 0.0f));</a:t>
+            </a:r>
+          </a:p>
+          <a:p>
+            <a:pPr marL="142870" indent="0">
+              <a:buNone/>
+            </a:pPr>
+            <a:r>
+              <a:rPr lang="en-GB" sz="1800" dirty="0" err="1">
+                <a:solidFill>
+                  <a:srgbClr val="000000"/>
+                </a:solidFill>
+                <a:latin typeface="Cascadia Mono" panose="020B0609020000020004" pitchFamily="49" charset="0"/>
+              </a:rPr>
+              <a:t>addParameter</a:t>
+            </a:r>
+            <a:r>
+              <a:rPr lang="en-GB" sz="1800" dirty="0">
+                <a:solidFill>
+                  <a:srgbClr val="000000"/>
+                </a:solidFill>
+                <a:latin typeface="Cascadia Mono" panose="020B0609020000020004" pitchFamily="49" charset="0"/>
+              </a:rPr>
+              <a:t>(</a:t>
+            </a:r>
+            <a:r>
+              <a:rPr lang="en-GB" sz="1800" dirty="0" err="1">
+                <a:solidFill>
+                  <a:srgbClr val="000000"/>
+                </a:solidFill>
+                <a:latin typeface="Cascadia Mono" panose="020B0609020000020004" pitchFamily="49" charset="0"/>
+              </a:rPr>
+              <a:t>qParam</a:t>
+            </a:r>
+            <a:r>
+              <a:rPr lang="en-GB" sz="1800" dirty="0">
+                <a:solidFill>
+                  <a:srgbClr val="000000"/>
+                </a:solidFill>
+                <a:latin typeface="Cascadia Mono" panose="020B0609020000020004" pitchFamily="49" charset="0"/>
+              </a:rPr>
+              <a:t> = </a:t>
+            </a:r>
+            <a:r>
+              <a:rPr lang="en-GB" sz="1800" dirty="0">
+                <a:solidFill>
+                  <a:srgbClr val="0000FF"/>
+                </a:solidFill>
+                <a:latin typeface="Cascadia Mono" panose="020B0609020000020004" pitchFamily="49" charset="0"/>
+              </a:rPr>
+              <a:t>new</a:t>
+            </a:r>
+            <a:r>
+              <a:rPr lang="en-GB" sz="1800" dirty="0">
+                <a:solidFill>
+                  <a:srgbClr val="000000"/>
+                </a:solidFill>
+                <a:latin typeface="Cascadia Mono" panose="020B0609020000020004" pitchFamily="49" charset="0"/>
+              </a:rPr>
+              <a:t> </a:t>
+            </a:r>
+            <a:r>
+              <a:rPr lang="en-GB" sz="1800" dirty="0" err="1">
+                <a:solidFill>
+                  <a:srgbClr val="000000"/>
+                </a:solidFill>
+                <a:latin typeface="Cascadia Mono" panose="020B0609020000020004" pitchFamily="49" charset="0"/>
+              </a:rPr>
+              <a:t>juce</a:t>
+            </a:r>
+            <a:r>
+              <a:rPr lang="en-GB" sz="1800" dirty="0">
+                <a:solidFill>
+                  <a:srgbClr val="000000"/>
+                </a:solidFill>
+                <a:latin typeface="Cascadia Mono" panose="020B0609020000020004" pitchFamily="49" charset="0"/>
+              </a:rPr>
+              <a:t>::</a:t>
+            </a:r>
+            <a:r>
+              <a:rPr lang="en-GB" sz="1800" dirty="0" err="1">
+                <a:solidFill>
+                  <a:srgbClr val="2B91AF"/>
+                </a:solidFill>
+                <a:latin typeface="Cascadia Mono" panose="020B0609020000020004" pitchFamily="49" charset="0"/>
+              </a:rPr>
+              <a:t>AudioParameterFloat</a:t>
+            </a:r>
+            <a:endParaRPr lang="en-GB" sz="1800" dirty="0">
+              <a:solidFill>
+                <a:srgbClr val="2B91AF"/>
+              </a:solidFill>
+              <a:latin typeface="Cascadia Mono" panose="020B0609020000020004" pitchFamily="49" charset="0"/>
+            </a:endParaRPr>
+          </a:p>
+          <a:p>
+            <a:pPr marL="142870" indent="0">
+              <a:buNone/>
+            </a:pPr>
+            <a:r>
+              <a:rPr lang="en-GB" sz="1800" dirty="0">
+                <a:solidFill>
+                  <a:srgbClr val="2B91AF"/>
+                </a:solidFill>
+                <a:latin typeface="Cascadia Mono" panose="020B0609020000020004" pitchFamily="49" charset="0"/>
+              </a:rPr>
+              <a:t>  </a:t>
+            </a:r>
+            <a:r>
+              <a:rPr lang="en-GB" sz="1800" dirty="0">
+                <a:solidFill>
+                  <a:srgbClr val="000000"/>
+                </a:solidFill>
+                <a:latin typeface="Cascadia Mono" panose="020B0609020000020004" pitchFamily="49" charset="0"/>
+              </a:rPr>
+              <a:t>(</a:t>
+            </a:r>
+            <a:r>
+              <a:rPr lang="en-GB" sz="1800" dirty="0">
+                <a:solidFill>
+                  <a:srgbClr val="A31515"/>
+                </a:solidFill>
+                <a:latin typeface="Cascadia Mono" panose="020B0609020000020004" pitchFamily="49" charset="0"/>
+              </a:rPr>
+              <a:t>"Q"</a:t>
+            </a:r>
+            <a:r>
+              <a:rPr lang="en-GB" sz="1800" dirty="0">
+                <a:solidFill>
+                  <a:srgbClr val="000000"/>
+                </a:solidFill>
+                <a:latin typeface="Cascadia Mono" panose="020B0609020000020004" pitchFamily="49" charset="0"/>
+              </a:rPr>
+              <a:t>, </a:t>
+            </a:r>
+            <a:r>
+              <a:rPr lang="en-GB" sz="1800" dirty="0">
+                <a:solidFill>
+                  <a:srgbClr val="A31515"/>
+                </a:solidFill>
+                <a:latin typeface="Cascadia Mono" panose="020B0609020000020004" pitchFamily="49" charset="0"/>
+              </a:rPr>
+              <a:t>"Q"</a:t>
+            </a:r>
+            <a:r>
+              <a:rPr lang="en-GB" sz="1800" dirty="0">
+                <a:solidFill>
+                  <a:srgbClr val="000000"/>
+                </a:solidFill>
+                <a:latin typeface="Cascadia Mono" panose="020B0609020000020004" pitchFamily="49" charset="0"/>
+              </a:rPr>
+              <a:t>, 0.1f, 20.0f, 2.0f));</a:t>
+            </a:r>
+          </a:p>
+          <a:p>
+            <a:pPr>
+              <a:lnSpc>
+                <a:spcPct val="100000"/>
+              </a:lnSpc>
+              <a:spcBef>
+                <a:spcPts val="1200"/>
+              </a:spcBef>
+              <a:spcAft>
+                <a:spcPts val="600"/>
+              </a:spcAft>
+            </a:pPr>
+            <a:r>
+              <a:rPr lang="en-GB" sz="2400" dirty="0">
+                <a:solidFill>
+                  <a:prstClr val="black"/>
+                </a:solidFill>
+              </a:rPr>
+              <a:t>Add filters to the array in </a:t>
+            </a:r>
+            <a:r>
+              <a:rPr lang="en-GB" sz="2400" dirty="0" err="1">
+                <a:solidFill>
+                  <a:prstClr val="black"/>
+                </a:solidFill>
+              </a:rPr>
+              <a:t>prepareToPlay</a:t>
+            </a:r>
+            <a:endParaRPr lang="en-GB" sz="1800" dirty="0">
+              <a:solidFill>
+                <a:srgbClr val="000000"/>
+              </a:solidFill>
+              <a:latin typeface="Cascadia Mono" panose="020B0609020000020004" pitchFamily="49" charset="0"/>
+            </a:endParaRPr>
+          </a:p>
+          <a:p>
+            <a:pPr marL="142870" indent="0">
+              <a:buNone/>
+            </a:pPr>
+            <a:r>
+              <a:rPr lang="en-GB" sz="1800" dirty="0" err="1">
+                <a:solidFill>
+                  <a:srgbClr val="000000"/>
+                </a:solidFill>
+                <a:latin typeface="Cascadia Mono" panose="020B0609020000020004" pitchFamily="49" charset="0"/>
+              </a:rPr>
+              <a:t>filters.clear</a:t>
+            </a:r>
+            <a:r>
+              <a:rPr lang="en-GB" sz="1800" dirty="0">
+                <a:solidFill>
+                  <a:srgbClr val="000000"/>
+                </a:solidFill>
+                <a:latin typeface="Cascadia Mono" panose="020B0609020000020004" pitchFamily="49" charset="0"/>
+              </a:rPr>
+              <a:t>();</a:t>
+            </a:r>
+          </a:p>
+          <a:p>
+            <a:pPr marL="142870" indent="0">
+              <a:buNone/>
+            </a:pPr>
+            <a:r>
+              <a:rPr lang="en-GB" sz="1800" dirty="0">
+                <a:solidFill>
+                  <a:srgbClr val="0000FF"/>
+                </a:solidFill>
+                <a:latin typeface="Cascadia Mono" panose="020B0609020000020004" pitchFamily="49" charset="0"/>
+              </a:rPr>
+              <a:t>for</a:t>
+            </a:r>
+            <a:r>
+              <a:rPr lang="en-GB" sz="1800" dirty="0">
+                <a:solidFill>
+                  <a:srgbClr val="000000"/>
+                </a:solidFill>
+                <a:latin typeface="Cascadia Mono" panose="020B0609020000020004" pitchFamily="49" charset="0"/>
+              </a:rPr>
+              <a:t> (</a:t>
+            </a:r>
+            <a:r>
+              <a:rPr lang="en-GB" sz="1800" dirty="0">
+                <a:solidFill>
+                  <a:srgbClr val="0000FF"/>
+                </a:solidFill>
+                <a:latin typeface="Cascadia Mono" panose="020B0609020000020004" pitchFamily="49" charset="0"/>
+              </a:rPr>
+              <a:t>int</a:t>
+            </a:r>
+            <a:r>
+              <a:rPr lang="en-GB" sz="1800" dirty="0">
+                <a:solidFill>
+                  <a:srgbClr val="000000"/>
+                </a:solidFill>
+                <a:latin typeface="Cascadia Mono" panose="020B0609020000020004" pitchFamily="49" charset="0"/>
+              </a:rPr>
+              <a:t> </a:t>
+            </a:r>
+            <a:r>
+              <a:rPr lang="en-GB" sz="1800" dirty="0" err="1">
+                <a:solidFill>
+                  <a:srgbClr val="000000"/>
+                </a:solidFill>
+                <a:latin typeface="Cascadia Mono" panose="020B0609020000020004" pitchFamily="49" charset="0"/>
+              </a:rPr>
+              <a:t>i</a:t>
+            </a:r>
+            <a:r>
+              <a:rPr lang="en-GB" sz="1800" dirty="0">
+                <a:solidFill>
+                  <a:srgbClr val="000000"/>
+                </a:solidFill>
+                <a:latin typeface="Cascadia Mono" panose="020B0609020000020004" pitchFamily="49" charset="0"/>
+              </a:rPr>
+              <a:t> = 0; </a:t>
+            </a:r>
+            <a:r>
+              <a:rPr lang="en-GB" sz="1800" dirty="0" err="1">
+                <a:solidFill>
+                  <a:srgbClr val="000000"/>
+                </a:solidFill>
+                <a:latin typeface="Cascadia Mono" panose="020B0609020000020004" pitchFamily="49" charset="0"/>
+              </a:rPr>
+              <a:t>i</a:t>
+            </a:r>
+            <a:r>
+              <a:rPr lang="en-GB" sz="1800" dirty="0">
+                <a:solidFill>
+                  <a:srgbClr val="000000"/>
+                </a:solidFill>
+                <a:latin typeface="Cascadia Mono" panose="020B0609020000020004" pitchFamily="49" charset="0"/>
+              </a:rPr>
+              <a:t> &lt; </a:t>
+            </a:r>
+            <a:r>
+              <a:rPr lang="en-GB" sz="1800" dirty="0" err="1">
+                <a:solidFill>
+                  <a:srgbClr val="000000"/>
+                </a:solidFill>
+                <a:latin typeface="Cascadia Mono" panose="020B0609020000020004" pitchFamily="49" charset="0"/>
+              </a:rPr>
+              <a:t>getTotalNumInputChannels</a:t>
+            </a:r>
+            <a:r>
+              <a:rPr lang="en-GB" sz="1800" dirty="0">
+                <a:solidFill>
+                  <a:srgbClr val="000000"/>
+                </a:solidFill>
+                <a:latin typeface="Cascadia Mono" panose="020B0609020000020004" pitchFamily="49" charset="0"/>
+              </a:rPr>
+              <a:t>(); ++</a:t>
+            </a:r>
+            <a:r>
+              <a:rPr lang="en-GB" sz="1800" dirty="0" err="1">
+                <a:solidFill>
+                  <a:srgbClr val="000000"/>
+                </a:solidFill>
+                <a:latin typeface="Cascadia Mono" panose="020B0609020000020004" pitchFamily="49" charset="0"/>
+              </a:rPr>
+              <a:t>i</a:t>
+            </a:r>
+            <a:r>
+              <a:rPr lang="en-GB" sz="1800" dirty="0">
+                <a:solidFill>
+                  <a:srgbClr val="000000"/>
+                </a:solidFill>
+                <a:latin typeface="Cascadia Mono" panose="020B0609020000020004" pitchFamily="49" charset="0"/>
+              </a:rPr>
+              <a:t>) {</a:t>
+            </a:r>
+          </a:p>
+          <a:p>
+            <a:pPr marL="142870" indent="0">
+              <a:buNone/>
+            </a:pPr>
+            <a:r>
+              <a:rPr lang="en-GB" sz="1800" dirty="0">
+                <a:solidFill>
+                  <a:srgbClr val="000000"/>
+                </a:solidFill>
+                <a:latin typeface="Cascadia Mono" panose="020B0609020000020004" pitchFamily="49" charset="0"/>
+              </a:rPr>
+              <a:t>  </a:t>
+            </a:r>
+            <a:r>
+              <a:rPr lang="en-GB" sz="1800" dirty="0" err="1">
+                <a:solidFill>
+                  <a:srgbClr val="000000"/>
+                </a:solidFill>
+                <a:latin typeface="Cascadia Mono" panose="020B0609020000020004" pitchFamily="49" charset="0"/>
+              </a:rPr>
+              <a:t>juce</a:t>
+            </a:r>
+            <a:r>
+              <a:rPr lang="en-GB" sz="1800" dirty="0">
+                <a:solidFill>
+                  <a:srgbClr val="000000"/>
+                </a:solidFill>
+                <a:latin typeface="Cascadia Mono" panose="020B0609020000020004" pitchFamily="49" charset="0"/>
+              </a:rPr>
+              <a:t>::</a:t>
+            </a:r>
+            <a:r>
+              <a:rPr lang="en-GB" sz="1800" dirty="0" err="1">
+                <a:solidFill>
+                  <a:srgbClr val="2B91AF"/>
+                </a:solidFill>
+                <a:latin typeface="Cascadia Mono" panose="020B0609020000020004" pitchFamily="49" charset="0"/>
+              </a:rPr>
+              <a:t>IIRFilter</a:t>
+            </a:r>
+            <a:r>
+              <a:rPr lang="en-GB" sz="1800" dirty="0">
+                <a:solidFill>
+                  <a:srgbClr val="000000"/>
+                </a:solidFill>
+                <a:latin typeface="Cascadia Mono" panose="020B0609020000020004" pitchFamily="49" charset="0"/>
+              </a:rPr>
+              <a:t>* filter;</a:t>
+            </a:r>
+          </a:p>
+          <a:p>
+            <a:pPr marL="142870" indent="0">
+              <a:buNone/>
+            </a:pPr>
+            <a:r>
+              <a:rPr lang="en-GB" sz="1800" dirty="0">
+                <a:solidFill>
+                  <a:srgbClr val="000000"/>
+                </a:solidFill>
+                <a:latin typeface="Cascadia Mono" panose="020B0609020000020004" pitchFamily="49" charset="0"/>
+              </a:rPr>
+              <a:t>  </a:t>
+            </a:r>
+            <a:r>
+              <a:rPr lang="en-GB" sz="1800" dirty="0" err="1">
+                <a:solidFill>
+                  <a:srgbClr val="000000"/>
+                </a:solidFill>
+                <a:latin typeface="Cascadia Mono" panose="020B0609020000020004" pitchFamily="49" charset="0"/>
+              </a:rPr>
+              <a:t>filters.add</a:t>
+            </a:r>
+            <a:r>
+              <a:rPr lang="en-GB" sz="1800" dirty="0">
+                <a:solidFill>
+                  <a:srgbClr val="000000"/>
+                </a:solidFill>
+                <a:latin typeface="Cascadia Mono" panose="020B0609020000020004" pitchFamily="49" charset="0"/>
+              </a:rPr>
+              <a:t>(filter = </a:t>
+            </a:r>
+            <a:r>
+              <a:rPr lang="en-GB" sz="1800" dirty="0">
+                <a:solidFill>
+                  <a:srgbClr val="0000FF"/>
+                </a:solidFill>
+                <a:latin typeface="Cascadia Mono" panose="020B0609020000020004" pitchFamily="49" charset="0"/>
+              </a:rPr>
+              <a:t>new</a:t>
+            </a:r>
+            <a:r>
+              <a:rPr lang="en-GB" sz="1800" dirty="0">
+                <a:solidFill>
+                  <a:srgbClr val="000000"/>
+                </a:solidFill>
+                <a:latin typeface="Cascadia Mono" panose="020B0609020000020004" pitchFamily="49" charset="0"/>
+              </a:rPr>
+              <a:t> </a:t>
+            </a:r>
+            <a:r>
+              <a:rPr lang="en-GB" sz="1800" dirty="0" err="1">
+                <a:solidFill>
+                  <a:srgbClr val="000000"/>
+                </a:solidFill>
+                <a:latin typeface="Cascadia Mono" panose="020B0609020000020004" pitchFamily="49" charset="0"/>
+              </a:rPr>
+              <a:t>juce</a:t>
+            </a:r>
+            <a:r>
+              <a:rPr lang="en-GB" sz="1800" dirty="0">
+                <a:solidFill>
+                  <a:srgbClr val="000000"/>
+                </a:solidFill>
+                <a:latin typeface="Cascadia Mono" panose="020B0609020000020004" pitchFamily="49" charset="0"/>
+              </a:rPr>
+              <a:t>::</a:t>
+            </a:r>
+            <a:r>
+              <a:rPr lang="en-GB" sz="1800" dirty="0" err="1">
+                <a:solidFill>
+                  <a:srgbClr val="2B91AF"/>
+                </a:solidFill>
+                <a:latin typeface="Cascadia Mono" panose="020B0609020000020004" pitchFamily="49" charset="0"/>
+              </a:rPr>
+              <a:t>IIRFilter</a:t>
+            </a:r>
+            <a:r>
+              <a:rPr lang="en-GB" sz="1800" dirty="0">
+                <a:solidFill>
+                  <a:srgbClr val="000000"/>
+                </a:solidFill>
+                <a:latin typeface="Cascadia Mono" panose="020B0609020000020004" pitchFamily="49" charset="0"/>
+              </a:rPr>
+              <a:t>());</a:t>
+            </a:r>
+          </a:p>
+          <a:p>
+            <a:pPr marL="142870" indent="0">
+              <a:buNone/>
+            </a:pPr>
+            <a:r>
+              <a:rPr lang="en-GB" sz="1800" dirty="0">
+                <a:solidFill>
+                  <a:srgbClr val="000000"/>
+                </a:solidFill>
+                <a:latin typeface="Cascadia Mono" panose="020B0609020000020004" pitchFamily="49" charset="0"/>
+              </a:rPr>
+              <a:t>}</a:t>
+            </a:r>
+            <a:endParaRPr lang="en-GB" sz="2000" dirty="0">
+              <a:solidFill>
+                <a:prstClr val="black"/>
+              </a:solidFill>
+            </a:endParaRPr>
+          </a:p>
+        </p:txBody>
+      </p:sp>
+    </p:spTree>
+    <p:extLst>
+      <p:ext uri="{BB962C8B-B14F-4D97-AF65-F5344CB8AC3E}">
+        <p14:creationId xmlns:p14="http://schemas.microsoft.com/office/powerpoint/2010/main" val="4164875329"/>
       </p:ext>
     </p:extLst>
   </p:cSld>
@@ -26748,6 +26299,2723 @@
       </p:grpSpPr>
       <p:sp>
         <p:nvSpPr>
+          <p:cNvPr id="2" name="Title 1">
+            <a:extLst>
+              <a:ext uri="{FF2B5EF4-FFF2-40B4-BE49-F238E27FC236}">
+                <a16:creationId xmlns:a16="http://schemas.microsoft.com/office/drawing/2014/main" id="{118C212E-98BB-B9A3-DFE9-B4F95E1EA6F8}"/>
+              </a:ext>
+            </a:extLst>
+          </p:cNvPr>
+          <p:cNvSpPr>
+            <a:spLocks noGrp="1"/>
+          </p:cNvSpPr>
+          <p:nvPr>
+            <p:ph type="title"/>
+          </p:nvPr>
+        </p:nvSpPr>
+        <p:spPr/>
+        <p:txBody>
+          <a:bodyPr/>
+          <a:lstStyle/>
+          <a:p>
+            <a:r>
+              <a:rPr lang="en-GB" dirty="0" err="1"/>
+              <a:t>processBlock</a:t>
+            </a:r>
+            <a:r>
+              <a:rPr lang="en-GB" dirty="0"/>
+              <a:t> 1 - Define variables</a:t>
+            </a:r>
+          </a:p>
+        </p:txBody>
+      </p:sp>
+      <p:sp>
+        <p:nvSpPr>
+          <p:cNvPr id="3" name="Content Placeholder 2">
+            <a:extLst>
+              <a:ext uri="{FF2B5EF4-FFF2-40B4-BE49-F238E27FC236}">
+                <a16:creationId xmlns:a16="http://schemas.microsoft.com/office/drawing/2014/main" id="{FD320413-1026-D741-C185-8E2FCC1E5DDF}"/>
+              </a:ext>
+            </a:extLst>
+          </p:cNvPr>
+          <p:cNvSpPr>
+            <a:spLocks noGrp="1"/>
+          </p:cNvSpPr>
+          <p:nvPr>
+            <p:ph idx="1"/>
+          </p:nvPr>
+        </p:nvSpPr>
+        <p:spPr>
+          <a:xfrm>
+            <a:off x="107504" y="335980"/>
+            <a:ext cx="8821271" cy="1579730"/>
+          </a:xfrm>
+        </p:spPr>
+        <p:txBody>
+          <a:bodyPr>
+            <a:noAutofit/>
+          </a:bodyPr>
+          <a:lstStyle/>
+          <a:p>
+            <a:pPr>
+              <a:lnSpc>
+                <a:spcPct val="100000"/>
+              </a:lnSpc>
+            </a:pPr>
+            <a:r>
+              <a:rPr lang="en-GB" sz="1950" dirty="0">
+                <a:solidFill>
+                  <a:prstClr val="black"/>
+                </a:solidFill>
+              </a:rPr>
+              <a:t>Set up the basics in the </a:t>
+            </a:r>
+            <a:r>
+              <a:rPr lang="en-GB" sz="1950" dirty="0" err="1">
+                <a:solidFill>
+                  <a:prstClr val="black"/>
+                </a:solidFill>
+              </a:rPr>
+              <a:t>processBlock</a:t>
+            </a:r>
+            <a:r>
+              <a:rPr lang="en-GB" sz="1950" dirty="0">
+                <a:solidFill>
+                  <a:prstClr val="black"/>
+                </a:solidFill>
+              </a:rPr>
+              <a:t> method on pluginProcessor.cpp</a:t>
+            </a:r>
+          </a:p>
+        </p:txBody>
+      </p:sp>
+      <p:sp>
+        <p:nvSpPr>
+          <p:cNvPr id="10" name="TextBox 9">
+            <a:extLst>
+              <a:ext uri="{FF2B5EF4-FFF2-40B4-BE49-F238E27FC236}">
+                <a16:creationId xmlns:a16="http://schemas.microsoft.com/office/drawing/2014/main" id="{D97B1AAE-913C-6F01-8193-03F17736D115}"/>
+              </a:ext>
+            </a:extLst>
+          </p:cNvPr>
+          <p:cNvSpPr txBox="1"/>
+          <p:nvPr/>
+        </p:nvSpPr>
+        <p:spPr>
+          <a:xfrm>
+            <a:off x="107504" y="1484784"/>
+            <a:ext cx="8892480" cy="3416320"/>
+          </a:xfrm>
+          <a:prstGeom prst="rect">
+            <a:avLst/>
+          </a:prstGeom>
+          <a:noFill/>
+          <a:ln w="19050">
+            <a:solidFill>
+              <a:srgbClr val="FF0000"/>
+            </a:solidFill>
+          </a:ln>
+        </p:spPr>
+        <p:txBody>
+          <a:bodyPr wrap="square" rtlCol="0">
+            <a:spAutoFit/>
+          </a:bodyPr>
+          <a:lstStyle/>
+          <a:p>
+            <a:r>
+              <a:rPr lang="en-GB" sz="1800" dirty="0" err="1">
+                <a:solidFill>
+                  <a:srgbClr val="000000"/>
+                </a:solidFill>
+                <a:latin typeface="Cascadia Mono" panose="020B0609020000020004" pitchFamily="49" charset="0"/>
+              </a:rPr>
+              <a:t>juce</a:t>
+            </a:r>
+            <a:r>
+              <a:rPr lang="en-GB" sz="1800" dirty="0">
+                <a:solidFill>
+                  <a:srgbClr val="000000"/>
+                </a:solidFill>
+                <a:latin typeface="Cascadia Mono" panose="020B0609020000020004" pitchFamily="49" charset="0"/>
+              </a:rPr>
+              <a:t>::</a:t>
+            </a:r>
+            <a:r>
+              <a:rPr lang="en-GB" sz="1800" dirty="0" err="1">
+                <a:solidFill>
+                  <a:srgbClr val="2B91AF"/>
+                </a:solidFill>
+                <a:latin typeface="Cascadia Mono" panose="020B0609020000020004" pitchFamily="49" charset="0"/>
+              </a:rPr>
+              <a:t>ScopedNoDenormals</a:t>
+            </a:r>
+            <a:r>
+              <a:rPr lang="en-GB" sz="1800" dirty="0">
+                <a:solidFill>
+                  <a:srgbClr val="000000"/>
+                </a:solidFill>
+                <a:latin typeface="Cascadia Mono" panose="020B0609020000020004" pitchFamily="49" charset="0"/>
+              </a:rPr>
+              <a:t> </a:t>
+            </a:r>
+            <a:r>
+              <a:rPr lang="en-GB" sz="1800" dirty="0" err="1">
+                <a:solidFill>
+                  <a:srgbClr val="000000"/>
+                </a:solidFill>
+                <a:latin typeface="Cascadia Mono" panose="020B0609020000020004" pitchFamily="49" charset="0"/>
+              </a:rPr>
+              <a:t>noDenormals</a:t>
+            </a:r>
+            <a:r>
+              <a:rPr lang="en-GB" sz="1800" dirty="0">
+                <a:solidFill>
+                  <a:srgbClr val="000000"/>
+                </a:solidFill>
+                <a:latin typeface="Cascadia Mono" panose="020B0609020000020004" pitchFamily="49" charset="0"/>
+              </a:rPr>
+              <a:t>;</a:t>
+            </a:r>
+          </a:p>
+          <a:p>
+            <a:r>
+              <a:rPr lang="en-GB" sz="1800" dirty="0">
+                <a:solidFill>
+                  <a:srgbClr val="0000FF"/>
+                </a:solidFill>
+                <a:latin typeface="Cascadia Mono" panose="020B0609020000020004" pitchFamily="49" charset="0"/>
+              </a:rPr>
+              <a:t>auto</a:t>
+            </a:r>
+            <a:r>
+              <a:rPr lang="en-GB" sz="1800" dirty="0">
+                <a:solidFill>
+                  <a:srgbClr val="000000"/>
+                </a:solidFill>
+                <a:latin typeface="Cascadia Mono" panose="020B0609020000020004" pitchFamily="49" charset="0"/>
+              </a:rPr>
+              <a:t> </a:t>
+            </a:r>
+            <a:r>
+              <a:rPr lang="en-GB" sz="1800" dirty="0" err="1">
+                <a:solidFill>
+                  <a:srgbClr val="000000"/>
+                </a:solidFill>
+                <a:latin typeface="Cascadia Mono" panose="020B0609020000020004" pitchFamily="49" charset="0"/>
+              </a:rPr>
+              <a:t>numOutputChannels</a:t>
+            </a:r>
+            <a:r>
+              <a:rPr lang="en-GB" sz="1800" dirty="0">
+                <a:solidFill>
+                  <a:srgbClr val="000000"/>
+                </a:solidFill>
+                <a:latin typeface="Cascadia Mono" panose="020B0609020000020004" pitchFamily="49" charset="0"/>
+              </a:rPr>
+              <a:t> = </a:t>
+            </a:r>
+            <a:r>
+              <a:rPr lang="en-GB" sz="1800" dirty="0" err="1">
+                <a:solidFill>
+                  <a:srgbClr val="000000"/>
+                </a:solidFill>
+                <a:latin typeface="Cascadia Mono" panose="020B0609020000020004" pitchFamily="49" charset="0"/>
+              </a:rPr>
+              <a:t>getTotalNumOutputChannels</a:t>
+            </a:r>
+            <a:r>
+              <a:rPr lang="en-GB" sz="1800" dirty="0">
+                <a:solidFill>
+                  <a:srgbClr val="000000"/>
+                </a:solidFill>
+                <a:latin typeface="Cascadia Mono" panose="020B0609020000020004" pitchFamily="49" charset="0"/>
+              </a:rPr>
+              <a:t>();</a:t>
+            </a:r>
+          </a:p>
+          <a:p>
+            <a:r>
+              <a:rPr lang="en-GB" sz="1800" dirty="0">
+                <a:solidFill>
+                  <a:srgbClr val="0000FF"/>
+                </a:solidFill>
+                <a:latin typeface="Cascadia Mono" panose="020B0609020000020004" pitchFamily="49" charset="0"/>
+              </a:rPr>
+              <a:t>auto</a:t>
+            </a:r>
+            <a:r>
+              <a:rPr lang="en-GB" sz="1800" dirty="0">
+                <a:solidFill>
+                  <a:srgbClr val="000000"/>
+                </a:solidFill>
+                <a:latin typeface="Cascadia Mono" panose="020B0609020000020004" pitchFamily="49" charset="0"/>
+              </a:rPr>
+              <a:t> </a:t>
+            </a:r>
+            <a:r>
+              <a:rPr lang="en-GB" sz="1800" dirty="0" err="1">
+                <a:solidFill>
+                  <a:srgbClr val="000000"/>
+                </a:solidFill>
+                <a:latin typeface="Cascadia Mono" panose="020B0609020000020004" pitchFamily="49" charset="0"/>
+              </a:rPr>
+              <a:t>numInputChannels</a:t>
+            </a:r>
+            <a:r>
+              <a:rPr lang="en-GB" sz="1800" dirty="0">
+                <a:solidFill>
+                  <a:srgbClr val="000000"/>
+                </a:solidFill>
+                <a:latin typeface="Cascadia Mono" panose="020B0609020000020004" pitchFamily="49" charset="0"/>
+              </a:rPr>
+              <a:t> = </a:t>
+            </a:r>
+            <a:r>
+              <a:rPr lang="en-GB" sz="1800" dirty="0" err="1">
+                <a:solidFill>
+                  <a:srgbClr val="000000"/>
+                </a:solidFill>
+                <a:latin typeface="Cascadia Mono" panose="020B0609020000020004" pitchFamily="49" charset="0"/>
+              </a:rPr>
+              <a:t>getTotalNumInputChannels</a:t>
+            </a:r>
+            <a:r>
+              <a:rPr lang="en-GB" sz="1800" dirty="0">
+                <a:solidFill>
+                  <a:srgbClr val="000000"/>
+                </a:solidFill>
+                <a:latin typeface="Cascadia Mono" panose="020B0609020000020004" pitchFamily="49" charset="0"/>
+              </a:rPr>
+              <a:t>();</a:t>
+            </a:r>
+          </a:p>
+          <a:p>
+            <a:r>
+              <a:rPr lang="en-GB" sz="1800" dirty="0">
+                <a:solidFill>
+                  <a:srgbClr val="0000FF"/>
+                </a:solidFill>
+                <a:latin typeface="Cascadia Mono" panose="020B0609020000020004" pitchFamily="49" charset="0"/>
+              </a:rPr>
+              <a:t>auto</a:t>
+            </a:r>
+            <a:r>
+              <a:rPr lang="en-GB" sz="1800" dirty="0">
+                <a:solidFill>
+                  <a:srgbClr val="000000"/>
+                </a:solidFill>
+                <a:latin typeface="Cascadia Mono" panose="020B0609020000020004" pitchFamily="49" charset="0"/>
+              </a:rPr>
+              <a:t> </a:t>
+            </a:r>
+            <a:r>
+              <a:rPr lang="en-GB" sz="1800" dirty="0" err="1">
+                <a:solidFill>
+                  <a:srgbClr val="000000"/>
+                </a:solidFill>
+                <a:latin typeface="Cascadia Mono" panose="020B0609020000020004" pitchFamily="49" charset="0"/>
+              </a:rPr>
+              <a:t>numSamples</a:t>
+            </a:r>
+            <a:r>
+              <a:rPr lang="en-GB" sz="1800" dirty="0">
+                <a:solidFill>
+                  <a:srgbClr val="000000"/>
+                </a:solidFill>
+                <a:latin typeface="Cascadia Mono" panose="020B0609020000020004" pitchFamily="49" charset="0"/>
+              </a:rPr>
+              <a:t> = </a:t>
+            </a:r>
+            <a:r>
+              <a:rPr lang="en-GB" sz="1800" dirty="0" err="1">
+                <a:solidFill>
+                  <a:srgbClr val="808080"/>
+                </a:solidFill>
+                <a:latin typeface="Cascadia Mono" panose="020B0609020000020004" pitchFamily="49" charset="0"/>
+              </a:rPr>
+              <a:t>buffer</a:t>
+            </a:r>
+            <a:r>
+              <a:rPr lang="en-GB" sz="1800" dirty="0" err="1">
+                <a:solidFill>
+                  <a:srgbClr val="000000"/>
+                </a:solidFill>
+                <a:latin typeface="Cascadia Mono" panose="020B0609020000020004" pitchFamily="49" charset="0"/>
+              </a:rPr>
+              <a:t>.getNumSamples</a:t>
+            </a:r>
+            <a:r>
+              <a:rPr lang="en-GB" sz="1800" dirty="0">
+                <a:solidFill>
+                  <a:srgbClr val="000000"/>
+                </a:solidFill>
+                <a:latin typeface="Cascadia Mono" panose="020B0609020000020004" pitchFamily="49" charset="0"/>
+              </a:rPr>
+              <a:t>();</a:t>
+            </a:r>
+          </a:p>
+          <a:p>
+            <a:endParaRPr lang="en-GB" sz="1800" dirty="0">
+              <a:solidFill>
+                <a:srgbClr val="000000"/>
+              </a:solidFill>
+              <a:latin typeface="Cascadia Mono" panose="020B0609020000020004" pitchFamily="49" charset="0"/>
+            </a:endParaRPr>
+          </a:p>
+          <a:p>
+            <a:r>
+              <a:rPr lang="en-GB" sz="1800" dirty="0">
+                <a:solidFill>
+                  <a:srgbClr val="0000FF"/>
+                </a:solidFill>
+                <a:latin typeface="Cascadia Mono" panose="020B0609020000020004" pitchFamily="49" charset="0"/>
+              </a:rPr>
+              <a:t>float</a:t>
+            </a:r>
+            <a:r>
+              <a:rPr lang="en-GB" sz="1800" dirty="0">
+                <a:solidFill>
+                  <a:srgbClr val="000000"/>
+                </a:solidFill>
+                <a:latin typeface="Cascadia Mono" panose="020B0609020000020004" pitchFamily="49" charset="0"/>
+              </a:rPr>
+              <a:t> gain = </a:t>
+            </a:r>
+            <a:r>
+              <a:rPr lang="en-GB" sz="1800" dirty="0" err="1">
+                <a:solidFill>
+                  <a:srgbClr val="000000"/>
+                </a:solidFill>
+                <a:latin typeface="Cascadia Mono" panose="020B0609020000020004" pitchFamily="49" charset="0"/>
+              </a:rPr>
+              <a:t>gainParam</a:t>
+            </a:r>
+            <a:r>
+              <a:rPr lang="en-GB" sz="1800" dirty="0">
+                <a:solidFill>
+                  <a:srgbClr val="000000"/>
+                </a:solidFill>
+                <a:latin typeface="Cascadia Mono" panose="020B0609020000020004" pitchFamily="49" charset="0"/>
+              </a:rPr>
+              <a:t>-&gt;get();</a:t>
+            </a:r>
+          </a:p>
+          <a:p>
+            <a:r>
+              <a:rPr lang="en-GB" sz="1800" dirty="0">
+                <a:solidFill>
+                  <a:srgbClr val="0000FF"/>
+                </a:solidFill>
+                <a:latin typeface="Cascadia Mono" panose="020B0609020000020004" pitchFamily="49" charset="0"/>
+              </a:rPr>
+              <a:t>float</a:t>
+            </a:r>
+            <a:r>
+              <a:rPr lang="en-GB" sz="1800" dirty="0">
+                <a:solidFill>
+                  <a:srgbClr val="000000"/>
+                </a:solidFill>
+                <a:latin typeface="Cascadia Mono" panose="020B0609020000020004" pitchFamily="49" charset="0"/>
+              </a:rPr>
+              <a:t> Q = </a:t>
+            </a:r>
+            <a:r>
+              <a:rPr lang="en-GB" sz="1800" dirty="0" err="1">
+                <a:solidFill>
+                  <a:srgbClr val="000000"/>
+                </a:solidFill>
+                <a:latin typeface="Cascadia Mono" panose="020B0609020000020004" pitchFamily="49" charset="0"/>
+              </a:rPr>
+              <a:t>qParam</a:t>
+            </a:r>
+            <a:r>
+              <a:rPr lang="en-GB" sz="1800" dirty="0">
+                <a:solidFill>
+                  <a:srgbClr val="000000"/>
+                </a:solidFill>
+                <a:latin typeface="Cascadia Mono" panose="020B0609020000020004" pitchFamily="49" charset="0"/>
+              </a:rPr>
+              <a:t>-&gt;get();</a:t>
+            </a:r>
+          </a:p>
+          <a:p>
+            <a:r>
+              <a:rPr lang="en-GB" sz="1800" dirty="0">
+                <a:solidFill>
+                  <a:srgbClr val="0000FF"/>
+                </a:solidFill>
+                <a:latin typeface="Cascadia Mono" panose="020B0609020000020004" pitchFamily="49" charset="0"/>
+              </a:rPr>
+              <a:t>float</a:t>
+            </a:r>
+            <a:r>
+              <a:rPr lang="en-GB" sz="1800" dirty="0">
+                <a:solidFill>
+                  <a:srgbClr val="000000"/>
+                </a:solidFill>
+                <a:latin typeface="Cascadia Mono" panose="020B0609020000020004" pitchFamily="49" charset="0"/>
+              </a:rPr>
+              <a:t> </a:t>
+            </a:r>
+            <a:r>
+              <a:rPr lang="en-GB" sz="1800" dirty="0" err="1">
+                <a:solidFill>
+                  <a:srgbClr val="000000"/>
+                </a:solidFill>
+                <a:latin typeface="Cascadia Mono" panose="020B0609020000020004" pitchFamily="49" charset="0"/>
+              </a:rPr>
+              <a:t>centreFrequency</a:t>
+            </a:r>
+            <a:r>
+              <a:rPr lang="en-GB" sz="1800" dirty="0">
+                <a:solidFill>
+                  <a:srgbClr val="000000"/>
+                </a:solidFill>
+                <a:latin typeface="Cascadia Mono" panose="020B0609020000020004" pitchFamily="49" charset="0"/>
+              </a:rPr>
+              <a:t> = </a:t>
+            </a:r>
+            <a:r>
+              <a:rPr lang="en-GB" sz="1800" dirty="0" err="1">
+                <a:solidFill>
+                  <a:srgbClr val="000000"/>
+                </a:solidFill>
+                <a:latin typeface="Cascadia Mono" panose="020B0609020000020004" pitchFamily="49" charset="0"/>
+              </a:rPr>
+              <a:t>centreFrequencyParam</a:t>
+            </a:r>
+            <a:r>
+              <a:rPr lang="en-GB" sz="1800" dirty="0">
+                <a:solidFill>
+                  <a:srgbClr val="000000"/>
+                </a:solidFill>
+                <a:latin typeface="Cascadia Mono" panose="020B0609020000020004" pitchFamily="49" charset="0"/>
+              </a:rPr>
+              <a:t>-&gt;get();</a:t>
+            </a:r>
+          </a:p>
+          <a:p>
+            <a:r>
+              <a:rPr lang="en-GB" sz="1800" dirty="0">
+                <a:solidFill>
+                  <a:srgbClr val="0000FF"/>
+                </a:solidFill>
+                <a:latin typeface="Cascadia Mono" panose="020B0609020000020004" pitchFamily="49" charset="0"/>
+              </a:rPr>
+              <a:t>float</a:t>
+            </a:r>
+            <a:r>
+              <a:rPr lang="en-GB" sz="1800" dirty="0">
+                <a:solidFill>
+                  <a:srgbClr val="000000"/>
+                </a:solidFill>
+                <a:latin typeface="Cascadia Mono" panose="020B0609020000020004" pitchFamily="49" charset="0"/>
+              </a:rPr>
+              <a:t> </a:t>
+            </a:r>
+            <a:r>
+              <a:rPr lang="en-GB" sz="1800" dirty="0" err="1">
+                <a:solidFill>
+                  <a:srgbClr val="000000"/>
+                </a:solidFill>
+                <a:latin typeface="Cascadia Mono" panose="020B0609020000020004" pitchFamily="49" charset="0"/>
+              </a:rPr>
+              <a:t>sampleRate</a:t>
+            </a:r>
+            <a:r>
+              <a:rPr lang="en-GB" sz="1800" dirty="0">
+                <a:solidFill>
+                  <a:srgbClr val="000000"/>
+                </a:solidFill>
+                <a:latin typeface="Cascadia Mono" panose="020B0609020000020004" pitchFamily="49" charset="0"/>
+              </a:rPr>
+              <a:t> = (</a:t>
+            </a:r>
+            <a:r>
+              <a:rPr lang="en-GB" sz="1800" dirty="0">
+                <a:solidFill>
+                  <a:srgbClr val="0000FF"/>
+                </a:solidFill>
+                <a:latin typeface="Cascadia Mono" panose="020B0609020000020004" pitchFamily="49" charset="0"/>
+              </a:rPr>
+              <a:t>float</a:t>
+            </a:r>
+            <a:r>
+              <a:rPr lang="en-GB" sz="1800" dirty="0">
+                <a:solidFill>
+                  <a:srgbClr val="000000"/>
+                </a:solidFill>
+                <a:latin typeface="Cascadia Mono" panose="020B0609020000020004" pitchFamily="49" charset="0"/>
+              </a:rPr>
+              <a:t>)</a:t>
+            </a:r>
+            <a:r>
+              <a:rPr lang="en-GB" sz="1800" dirty="0" err="1">
+                <a:solidFill>
+                  <a:srgbClr val="000000"/>
+                </a:solidFill>
+                <a:latin typeface="Cascadia Mono" panose="020B0609020000020004" pitchFamily="49" charset="0"/>
+              </a:rPr>
+              <a:t>juce</a:t>
+            </a:r>
+            <a:r>
+              <a:rPr lang="en-GB" sz="1800" dirty="0">
+                <a:solidFill>
+                  <a:srgbClr val="000000"/>
+                </a:solidFill>
+                <a:latin typeface="Cascadia Mono" panose="020B0609020000020004" pitchFamily="49" charset="0"/>
+              </a:rPr>
+              <a:t>::</a:t>
+            </a:r>
+            <a:r>
+              <a:rPr lang="en-GB" sz="1800" dirty="0" err="1">
+                <a:solidFill>
+                  <a:srgbClr val="2B91AF"/>
+                </a:solidFill>
+                <a:latin typeface="Cascadia Mono" panose="020B0609020000020004" pitchFamily="49" charset="0"/>
+              </a:rPr>
+              <a:t>AudioProcessor</a:t>
+            </a:r>
+            <a:r>
+              <a:rPr lang="en-GB" sz="1800" dirty="0">
+                <a:solidFill>
+                  <a:srgbClr val="000000"/>
+                </a:solidFill>
+                <a:latin typeface="Cascadia Mono" panose="020B0609020000020004" pitchFamily="49" charset="0"/>
+              </a:rPr>
+              <a:t>::</a:t>
+            </a:r>
+            <a:r>
+              <a:rPr lang="en-GB" sz="1800" dirty="0" err="1">
+                <a:solidFill>
+                  <a:srgbClr val="000000"/>
+                </a:solidFill>
+                <a:latin typeface="Cascadia Mono" panose="020B0609020000020004" pitchFamily="49" charset="0"/>
+              </a:rPr>
+              <a:t>getSampleRate</a:t>
+            </a:r>
+            <a:r>
+              <a:rPr lang="en-GB" sz="1800" dirty="0">
+                <a:solidFill>
+                  <a:srgbClr val="000000"/>
+                </a:solidFill>
+                <a:latin typeface="Cascadia Mono" panose="020B0609020000020004" pitchFamily="49" charset="0"/>
+              </a:rPr>
+              <a:t>();</a:t>
+            </a:r>
+          </a:p>
+          <a:p>
+            <a:r>
+              <a:rPr lang="en-GB" sz="1800" dirty="0">
+                <a:solidFill>
+                  <a:srgbClr val="0000FF"/>
+                </a:solidFill>
+                <a:latin typeface="Cascadia Mono" panose="020B0609020000020004" pitchFamily="49" charset="0"/>
+              </a:rPr>
+              <a:t>float</a:t>
+            </a:r>
+            <a:r>
+              <a:rPr lang="en-GB" sz="1800" dirty="0">
+                <a:solidFill>
+                  <a:srgbClr val="000000"/>
+                </a:solidFill>
+                <a:latin typeface="Cascadia Mono" panose="020B0609020000020004" pitchFamily="49" charset="0"/>
+              </a:rPr>
+              <a:t> </a:t>
+            </a:r>
+            <a:r>
+              <a:rPr lang="en-GB" sz="1800" dirty="0" err="1">
+                <a:solidFill>
+                  <a:srgbClr val="000000"/>
+                </a:solidFill>
+                <a:latin typeface="Cascadia Mono" panose="020B0609020000020004" pitchFamily="49" charset="0"/>
+              </a:rPr>
+              <a:t>normalisedFrequency</a:t>
+            </a:r>
+            <a:r>
+              <a:rPr lang="en-GB" sz="1800" dirty="0">
+                <a:solidFill>
+                  <a:srgbClr val="000000"/>
+                </a:solidFill>
+                <a:latin typeface="Cascadia Mono" panose="020B0609020000020004" pitchFamily="49" charset="0"/>
+              </a:rPr>
+              <a:t> = </a:t>
+            </a:r>
+            <a:r>
+              <a:rPr lang="en-GB" sz="1800" dirty="0" err="1">
+                <a:solidFill>
+                  <a:srgbClr val="000000"/>
+                </a:solidFill>
+                <a:latin typeface="Cascadia Mono" panose="020B0609020000020004" pitchFamily="49" charset="0"/>
+              </a:rPr>
+              <a:t>juce</a:t>
+            </a:r>
+            <a:r>
+              <a:rPr lang="en-GB" sz="1800" dirty="0">
+                <a:solidFill>
+                  <a:srgbClr val="000000"/>
+                </a:solidFill>
+                <a:latin typeface="Cascadia Mono" panose="020B0609020000020004" pitchFamily="49" charset="0"/>
+              </a:rPr>
+              <a:t>::</a:t>
+            </a:r>
+            <a:r>
+              <a:rPr lang="en-GB" sz="1800" dirty="0" err="1">
+                <a:solidFill>
+                  <a:srgbClr val="2B91AF"/>
+                </a:solidFill>
+                <a:latin typeface="Cascadia Mono" panose="020B0609020000020004" pitchFamily="49" charset="0"/>
+              </a:rPr>
+              <a:t>MathConstants</a:t>
+            </a:r>
+            <a:r>
+              <a:rPr lang="en-GB" sz="1800" dirty="0">
+                <a:solidFill>
+                  <a:srgbClr val="000000"/>
+                </a:solidFill>
+                <a:latin typeface="Cascadia Mono" panose="020B0609020000020004" pitchFamily="49" charset="0"/>
+              </a:rPr>
+              <a:t>&lt;</a:t>
+            </a:r>
+            <a:r>
+              <a:rPr lang="en-GB" sz="1800" dirty="0">
+                <a:solidFill>
+                  <a:srgbClr val="0000FF"/>
+                </a:solidFill>
+                <a:latin typeface="Cascadia Mono" panose="020B0609020000020004" pitchFamily="49" charset="0"/>
+              </a:rPr>
+              <a:t>float</a:t>
+            </a:r>
+            <a:r>
+              <a:rPr lang="en-GB" sz="1800" dirty="0">
+                <a:solidFill>
+                  <a:srgbClr val="000000"/>
+                </a:solidFill>
+                <a:latin typeface="Cascadia Mono" panose="020B0609020000020004" pitchFamily="49" charset="0"/>
+              </a:rPr>
+              <a:t>&gt;::</a:t>
+            </a:r>
+            <a:r>
+              <a:rPr lang="en-GB" sz="1800" dirty="0" err="1">
+                <a:solidFill>
+                  <a:srgbClr val="000000"/>
+                </a:solidFill>
+                <a:latin typeface="Cascadia Mono" panose="020B0609020000020004" pitchFamily="49" charset="0"/>
+              </a:rPr>
+              <a:t>twoPi</a:t>
+            </a:r>
+            <a:r>
+              <a:rPr lang="en-GB" sz="1800" dirty="0">
+                <a:solidFill>
+                  <a:srgbClr val="000000"/>
+                </a:solidFill>
+                <a:latin typeface="Cascadia Mono" panose="020B0609020000020004" pitchFamily="49" charset="0"/>
+              </a:rPr>
+              <a:t> </a:t>
+            </a:r>
+          </a:p>
+          <a:p>
+            <a:r>
+              <a:rPr lang="en-GB" dirty="0">
+                <a:solidFill>
+                  <a:srgbClr val="000000"/>
+                </a:solidFill>
+                <a:latin typeface="Cascadia Mono" panose="020B0609020000020004" pitchFamily="49" charset="0"/>
+              </a:rPr>
+              <a:t>                          </a:t>
+            </a:r>
+            <a:r>
+              <a:rPr lang="en-GB" sz="1800" dirty="0">
+                <a:solidFill>
+                  <a:srgbClr val="000000"/>
+                </a:solidFill>
+                <a:latin typeface="Cascadia Mono" panose="020B0609020000020004" pitchFamily="49" charset="0"/>
+              </a:rPr>
+              <a:t>* </a:t>
+            </a:r>
+            <a:r>
+              <a:rPr lang="en-GB" sz="1800" dirty="0" err="1">
+                <a:solidFill>
+                  <a:srgbClr val="000000"/>
+                </a:solidFill>
+                <a:latin typeface="Cascadia Mono" panose="020B0609020000020004" pitchFamily="49" charset="0"/>
+              </a:rPr>
+              <a:t>centreFrequency</a:t>
+            </a:r>
+            <a:r>
+              <a:rPr lang="en-GB" sz="1800" dirty="0">
+                <a:solidFill>
+                  <a:srgbClr val="000000"/>
+                </a:solidFill>
+                <a:latin typeface="Cascadia Mono" panose="020B0609020000020004" pitchFamily="49" charset="0"/>
+              </a:rPr>
+              <a:t> / </a:t>
+            </a:r>
+            <a:r>
+              <a:rPr lang="en-GB" sz="1800" dirty="0" err="1">
+                <a:solidFill>
+                  <a:srgbClr val="000000"/>
+                </a:solidFill>
+                <a:latin typeface="Cascadia Mono" panose="020B0609020000020004" pitchFamily="49" charset="0"/>
+              </a:rPr>
+              <a:t>sampleRate</a:t>
+            </a:r>
+            <a:r>
+              <a:rPr lang="en-GB" sz="1800" dirty="0">
+                <a:solidFill>
+                  <a:srgbClr val="000000"/>
+                </a:solidFill>
+                <a:latin typeface="Cascadia Mono" panose="020B0609020000020004" pitchFamily="49" charset="0"/>
+              </a:rPr>
+              <a:t>;</a:t>
+            </a:r>
+          </a:p>
+          <a:p>
+            <a:r>
+              <a:rPr lang="en-GB" sz="1800" dirty="0">
+                <a:solidFill>
+                  <a:srgbClr val="0000FF"/>
+                </a:solidFill>
+                <a:latin typeface="Cascadia Mono" panose="020B0609020000020004" pitchFamily="49" charset="0"/>
+              </a:rPr>
+              <a:t>float</a:t>
+            </a:r>
+            <a:r>
+              <a:rPr lang="en-GB" sz="1800" dirty="0">
+                <a:solidFill>
+                  <a:srgbClr val="000000"/>
+                </a:solidFill>
+                <a:latin typeface="Cascadia Mono" panose="020B0609020000020004" pitchFamily="49" charset="0"/>
+              </a:rPr>
+              <a:t> </a:t>
+            </a:r>
+            <a:r>
+              <a:rPr lang="en-GB" sz="1800" dirty="0" err="1">
+                <a:solidFill>
+                  <a:srgbClr val="000000"/>
+                </a:solidFill>
+                <a:latin typeface="Cascadia Mono" panose="020B0609020000020004" pitchFamily="49" charset="0"/>
+              </a:rPr>
+              <a:t>linearGain</a:t>
+            </a:r>
+            <a:r>
+              <a:rPr lang="en-GB" sz="1800" dirty="0">
+                <a:solidFill>
+                  <a:srgbClr val="000000"/>
+                </a:solidFill>
+                <a:latin typeface="Cascadia Mono" panose="020B0609020000020004" pitchFamily="49" charset="0"/>
+              </a:rPr>
+              <a:t> = pow(10.0f, gain / 20.0f);</a:t>
+            </a:r>
+            <a:endParaRPr lang="en-GB" sz="1500" dirty="0">
+              <a:solidFill>
+                <a:srgbClr val="000000"/>
+              </a:solidFill>
+              <a:latin typeface="Cascadia Mono" panose="020B0609020000020004" pitchFamily="49" charset="0"/>
+            </a:endParaRPr>
+          </a:p>
+        </p:txBody>
+      </p:sp>
+    </p:spTree>
+    <p:extLst>
+      <p:ext uri="{BB962C8B-B14F-4D97-AF65-F5344CB8AC3E}">
+        <p14:creationId xmlns:p14="http://schemas.microsoft.com/office/powerpoint/2010/main" val="1433588572"/>
+      </p:ext>
+    </p:extLst>
+  </p:cSld>
+  <p:clrMapOvr>
+    <a:masterClrMapping/>
+  </p:clrMapOvr>
+  <p:transition/>
+</p:sld>
+</file>
+
+<file path=ppt/slides/slide35.xml><?xml version="1.0" encoding="utf-8"?>
+<p:sld xmlns:a="http://schemas.openxmlformats.org/drawingml/2006/main" xmlns:r="http://schemas.openxmlformats.org/officeDocument/2006/relationships" xmlns:p="http://schemas.openxmlformats.org/presentationml/2006/main">
+  <p:cSld>
+    <p:spTree>
+      <p:nvGrpSpPr>
+        <p:cNvPr id="1" name=""/>
+        <p:cNvGrpSpPr/>
+        <p:nvPr/>
+      </p:nvGrpSpPr>
+      <p:grpSpPr>
+        <a:xfrm>
+          <a:off x="0" y="0"/>
+          <a:ext cx="0" cy="0"/>
+          <a:chOff x="0" y="0"/>
+          <a:chExt cx="0" cy="0"/>
+        </a:xfrm>
+      </p:grpSpPr>
+      <p:sp>
+        <p:nvSpPr>
+          <p:cNvPr id="2" name="Title 1">
+            <a:extLst>
+              <a:ext uri="{FF2B5EF4-FFF2-40B4-BE49-F238E27FC236}">
+                <a16:creationId xmlns:a16="http://schemas.microsoft.com/office/drawing/2014/main" id="{118C212E-98BB-B9A3-DFE9-B4F95E1EA6F8}"/>
+              </a:ext>
+            </a:extLst>
+          </p:cNvPr>
+          <p:cNvSpPr>
+            <a:spLocks noGrp="1"/>
+          </p:cNvSpPr>
+          <p:nvPr>
+            <p:ph type="title"/>
+          </p:nvPr>
+        </p:nvSpPr>
+        <p:spPr/>
+        <p:txBody>
+          <a:bodyPr/>
+          <a:lstStyle/>
+          <a:p>
+            <a:r>
+              <a:rPr lang="en-GB" dirty="0" err="1"/>
+              <a:t>processBlock</a:t>
+            </a:r>
+            <a:r>
+              <a:rPr lang="en-GB" dirty="0"/>
+              <a:t> 2, set coefficients</a:t>
+            </a:r>
+          </a:p>
+        </p:txBody>
+      </p:sp>
+      <p:sp>
+        <p:nvSpPr>
+          <p:cNvPr id="10" name="TextBox 9">
+            <a:extLst>
+              <a:ext uri="{FF2B5EF4-FFF2-40B4-BE49-F238E27FC236}">
+                <a16:creationId xmlns:a16="http://schemas.microsoft.com/office/drawing/2014/main" id="{D97B1AAE-913C-6F01-8193-03F17736D115}"/>
+              </a:ext>
+            </a:extLst>
+          </p:cNvPr>
+          <p:cNvSpPr txBox="1"/>
+          <p:nvPr/>
+        </p:nvSpPr>
+        <p:spPr>
+          <a:xfrm>
+            <a:off x="62508" y="908720"/>
+            <a:ext cx="8847617" cy="5647700"/>
+          </a:xfrm>
+          <a:prstGeom prst="rect">
+            <a:avLst/>
+          </a:prstGeom>
+          <a:noFill/>
+          <a:ln w="19050">
+            <a:solidFill>
+              <a:srgbClr val="FF0000"/>
+            </a:solidFill>
+          </a:ln>
+        </p:spPr>
+        <p:txBody>
+          <a:bodyPr wrap="square" rtlCol="0">
+            <a:spAutoFit/>
+          </a:bodyPr>
+          <a:lstStyle/>
+          <a:p>
+            <a:r>
+              <a:rPr lang="en-GB" sz="1900" dirty="0" err="1">
+                <a:solidFill>
+                  <a:srgbClr val="0000FF"/>
+                </a:solidFill>
+                <a:latin typeface="Cascadia Mono" panose="020B0609020000020004" pitchFamily="49" charset="0"/>
+              </a:rPr>
+              <a:t>const</a:t>
+            </a:r>
+            <a:r>
+              <a:rPr lang="en-GB" sz="1900" dirty="0">
+                <a:solidFill>
+                  <a:srgbClr val="000000"/>
+                </a:solidFill>
+                <a:latin typeface="Cascadia Mono" panose="020B0609020000020004" pitchFamily="49" charset="0"/>
+              </a:rPr>
+              <a:t> </a:t>
+            </a:r>
+            <a:r>
+              <a:rPr lang="en-GB" sz="1900" dirty="0">
+                <a:solidFill>
+                  <a:srgbClr val="0000FF"/>
+                </a:solidFill>
+                <a:latin typeface="Cascadia Mono" panose="020B0609020000020004" pitchFamily="49" charset="0"/>
+              </a:rPr>
+              <a:t>float</a:t>
+            </a:r>
+            <a:r>
+              <a:rPr lang="en-GB" sz="1900" dirty="0">
+                <a:solidFill>
+                  <a:srgbClr val="000000"/>
+                </a:solidFill>
+                <a:latin typeface="Cascadia Mono" panose="020B0609020000020004" pitchFamily="49" charset="0"/>
+              </a:rPr>
+              <a:t> bandwidth = </a:t>
+            </a:r>
+            <a:r>
+              <a:rPr lang="en-GB" sz="1900" dirty="0" err="1">
+                <a:solidFill>
+                  <a:srgbClr val="000000"/>
+                </a:solidFill>
+                <a:latin typeface="Cascadia Mono" panose="020B0609020000020004" pitchFamily="49" charset="0"/>
+              </a:rPr>
+              <a:t>normalisedFrequency</a:t>
+            </a:r>
+            <a:r>
+              <a:rPr lang="en-GB" sz="1900" dirty="0">
+                <a:solidFill>
+                  <a:srgbClr val="000000"/>
+                </a:solidFill>
+                <a:latin typeface="Cascadia Mono" panose="020B0609020000020004" pitchFamily="49" charset="0"/>
+              </a:rPr>
+              <a:t> / Q;</a:t>
+            </a:r>
+          </a:p>
+          <a:p>
+            <a:r>
+              <a:rPr lang="en-GB" sz="1900" dirty="0" err="1">
+                <a:solidFill>
+                  <a:srgbClr val="0000FF"/>
+                </a:solidFill>
+                <a:latin typeface="Cascadia Mono" panose="020B0609020000020004" pitchFamily="49" charset="0"/>
+              </a:rPr>
+              <a:t>const</a:t>
+            </a:r>
+            <a:r>
+              <a:rPr lang="en-GB" sz="1900" dirty="0">
+                <a:solidFill>
+                  <a:srgbClr val="000000"/>
+                </a:solidFill>
+                <a:latin typeface="Cascadia Mono" panose="020B0609020000020004" pitchFamily="49" charset="0"/>
+              </a:rPr>
+              <a:t> </a:t>
+            </a:r>
+            <a:r>
+              <a:rPr lang="en-GB" sz="1900" dirty="0">
+                <a:solidFill>
+                  <a:srgbClr val="0000FF"/>
+                </a:solidFill>
+                <a:latin typeface="Cascadia Mono" panose="020B0609020000020004" pitchFamily="49" charset="0"/>
+              </a:rPr>
+              <a:t>double</a:t>
+            </a:r>
+            <a:r>
+              <a:rPr lang="en-GB" sz="1900" dirty="0">
+                <a:solidFill>
+                  <a:srgbClr val="000000"/>
+                </a:solidFill>
+                <a:latin typeface="Cascadia Mono" panose="020B0609020000020004" pitchFamily="49" charset="0"/>
+              </a:rPr>
+              <a:t> </a:t>
+            </a:r>
+            <a:r>
+              <a:rPr lang="en-GB" sz="1900" dirty="0" err="1">
+                <a:solidFill>
+                  <a:srgbClr val="000000"/>
+                </a:solidFill>
+                <a:latin typeface="Cascadia Mono" panose="020B0609020000020004" pitchFamily="49" charset="0"/>
+              </a:rPr>
+              <a:t>two_cos_wc</a:t>
+            </a:r>
+            <a:r>
+              <a:rPr lang="en-GB" sz="1900" dirty="0">
+                <a:solidFill>
+                  <a:srgbClr val="000000"/>
+                </a:solidFill>
+                <a:latin typeface="Cascadia Mono" panose="020B0609020000020004" pitchFamily="49" charset="0"/>
+              </a:rPr>
+              <a:t> = -2.0*cos(</a:t>
+            </a:r>
+            <a:r>
+              <a:rPr lang="en-GB" sz="1900" dirty="0" err="1">
+                <a:solidFill>
+                  <a:srgbClr val="000000"/>
+                </a:solidFill>
+                <a:latin typeface="Cascadia Mono" panose="020B0609020000020004" pitchFamily="49" charset="0"/>
+              </a:rPr>
+              <a:t>normalisedFrequency</a:t>
+            </a:r>
+            <a:r>
+              <a:rPr lang="en-GB" sz="1900" dirty="0">
+                <a:solidFill>
+                  <a:srgbClr val="000000"/>
+                </a:solidFill>
+                <a:latin typeface="Cascadia Mono" panose="020B0609020000020004" pitchFamily="49" charset="0"/>
+              </a:rPr>
+              <a:t>);</a:t>
+            </a:r>
+          </a:p>
+          <a:p>
+            <a:r>
+              <a:rPr lang="en-GB" sz="1900" dirty="0" err="1">
+                <a:solidFill>
+                  <a:srgbClr val="0000FF"/>
+                </a:solidFill>
+                <a:latin typeface="Cascadia Mono" panose="020B0609020000020004" pitchFamily="49" charset="0"/>
+              </a:rPr>
+              <a:t>const</a:t>
+            </a:r>
+            <a:r>
+              <a:rPr lang="en-GB" sz="1900" dirty="0">
+                <a:solidFill>
+                  <a:srgbClr val="000000"/>
+                </a:solidFill>
+                <a:latin typeface="Cascadia Mono" panose="020B0609020000020004" pitchFamily="49" charset="0"/>
+              </a:rPr>
+              <a:t> </a:t>
+            </a:r>
+            <a:r>
+              <a:rPr lang="en-GB" sz="1900" dirty="0">
+                <a:solidFill>
+                  <a:srgbClr val="0000FF"/>
+                </a:solidFill>
+                <a:latin typeface="Cascadia Mono" panose="020B0609020000020004" pitchFamily="49" charset="0"/>
+              </a:rPr>
+              <a:t>double</a:t>
+            </a:r>
+            <a:r>
+              <a:rPr lang="en-GB" sz="1900" dirty="0">
+                <a:solidFill>
+                  <a:srgbClr val="000000"/>
+                </a:solidFill>
+                <a:latin typeface="Cascadia Mono" panose="020B0609020000020004" pitchFamily="49" charset="0"/>
+              </a:rPr>
+              <a:t> </a:t>
+            </a:r>
+            <a:r>
+              <a:rPr lang="en-GB" sz="1900" dirty="0" err="1">
+                <a:solidFill>
+                  <a:srgbClr val="000000"/>
+                </a:solidFill>
+                <a:latin typeface="Cascadia Mono" panose="020B0609020000020004" pitchFamily="49" charset="0"/>
+              </a:rPr>
+              <a:t>tan_half_bw</a:t>
+            </a:r>
+            <a:r>
+              <a:rPr lang="en-GB" sz="1900" dirty="0">
+                <a:solidFill>
+                  <a:srgbClr val="000000"/>
+                </a:solidFill>
+                <a:latin typeface="Cascadia Mono" panose="020B0609020000020004" pitchFamily="49" charset="0"/>
+              </a:rPr>
+              <a:t> = tan(bandwidth / 2.0);</a:t>
+            </a:r>
+          </a:p>
+          <a:p>
+            <a:r>
+              <a:rPr lang="en-GB" sz="1900" dirty="0" err="1">
+                <a:solidFill>
+                  <a:srgbClr val="0000FF"/>
+                </a:solidFill>
+                <a:latin typeface="Cascadia Mono" panose="020B0609020000020004" pitchFamily="49" charset="0"/>
+              </a:rPr>
+              <a:t>const</a:t>
+            </a:r>
+            <a:r>
+              <a:rPr lang="en-GB" sz="1900" dirty="0">
+                <a:solidFill>
+                  <a:srgbClr val="000000"/>
+                </a:solidFill>
+                <a:latin typeface="Cascadia Mono" panose="020B0609020000020004" pitchFamily="49" charset="0"/>
+              </a:rPr>
+              <a:t> </a:t>
+            </a:r>
+            <a:r>
+              <a:rPr lang="en-GB" sz="1900" dirty="0">
+                <a:solidFill>
+                  <a:srgbClr val="0000FF"/>
+                </a:solidFill>
+                <a:latin typeface="Cascadia Mono" panose="020B0609020000020004" pitchFamily="49" charset="0"/>
+              </a:rPr>
+              <a:t>double</a:t>
+            </a:r>
+            <a:r>
+              <a:rPr lang="en-GB" sz="1900" dirty="0">
+                <a:solidFill>
+                  <a:srgbClr val="000000"/>
+                </a:solidFill>
+                <a:latin typeface="Cascadia Mono" panose="020B0609020000020004" pitchFamily="49" charset="0"/>
+              </a:rPr>
+              <a:t> </a:t>
+            </a:r>
+            <a:r>
+              <a:rPr lang="en-GB" sz="1900" dirty="0" err="1">
+                <a:solidFill>
+                  <a:srgbClr val="000000"/>
+                </a:solidFill>
+                <a:latin typeface="Cascadia Mono" panose="020B0609020000020004" pitchFamily="49" charset="0"/>
+              </a:rPr>
+              <a:t>g_tan_half_bw</a:t>
+            </a:r>
+            <a:r>
+              <a:rPr lang="en-GB" sz="1900" dirty="0">
+                <a:solidFill>
+                  <a:srgbClr val="000000"/>
+                </a:solidFill>
+                <a:latin typeface="Cascadia Mono" panose="020B0609020000020004" pitchFamily="49" charset="0"/>
+              </a:rPr>
+              <a:t> = </a:t>
+            </a:r>
+            <a:r>
+              <a:rPr lang="en-GB" sz="1900" dirty="0" err="1">
+                <a:solidFill>
+                  <a:srgbClr val="000000"/>
+                </a:solidFill>
+                <a:latin typeface="Cascadia Mono" panose="020B0609020000020004" pitchFamily="49" charset="0"/>
+              </a:rPr>
+              <a:t>linearGain</a:t>
+            </a:r>
+            <a:r>
+              <a:rPr lang="en-GB" sz="1900" dirty="0">
+                <a:solidFill>
+                  <a:srgbClr val="000000"/>
+                </a:solidFill>
+                <a:latin typeface="Cascadia Mono" panose="020B0609020000020004" pitchFamily="49" charset="0"/>
+              </a:rPr>
+              <a:t> * </a:t>
+            </a:r>
+            <a:r>
+              <a:rPr lang="en-GB" sz="1900" dirty="0" err="1">
+                <a:solidFill>
+                  <a:srgbClr val="000000"/>
+                </a:solidFill>
+                <a:latin typeface="Cascadia Mono" panose="020B0609020000020004" pitchFamily="49" charset="0"/>
+              </a:rPr>
+              <a:t>tan_half_bw</a:t>
+            </a:r>
+            <a:r>
+              <a:rPr lang="en-GB" sz="1900" dirty="0">
+                <a:solidFill>
+                  <a:srgbClr val="000000"/>
+                </a:solidFill>
+                <a:latin typeface="Cascadia Mono" panose="020B0609020000020004" pitchFamily="49" charset="0"/>
+              </a:rPr>
+              <a:t>;</a:t>
+            </a:r>
+          </a:p>
+          <a:p>
+            <a:r>
+              <a:rPr lang="en-GB" sz="1900" dirty="0" err="1">
+                <a:solidFill>
+                  <a:srgbClr val="0000FF"/>
+                </a:solidFill>
+                <a:latin typeface="Cascadia Mono" panose="020B0609020000020004" pitchFamily="49" charset="0"/>
+              </a:rPr>
+              <a:t>const</a:t>
+            </a:r>
+            <a:r>
+              <a:rPr lang="en-GB" sz="1900" dirty="0">
+                <a:solidFill>
+                  <a:srgbClr val="000000"/>
+                </a:solidFill>
+                <a:latin typeface="Cascadia Mono" panose="020B0609020000020004" pitchFamily="49" charset="0"/>
+              </a:rPr>
+              <a:t> </a:t>
+            </a:r>
+            <a:r>
+              <a:rPr lang="en-GB" sz="1900" dirty="0">
+                <a:solidFill>
+                  <a:srgbClr val="0000FF"/>
+                </a:solidFill>
+                <a:latin typeface="Cascadia Mono" panose="020B0609020000020004" pitchFamily="49" charset="0"/>
+              </a:rPr>
+              <a:t>double</a:t>
+            </a:r>
+            <a:r>
+              <a:rPr lang="en-GB" sz="1900" dirty="0">
+                <a:solidFill>
+                  <a:srgbClr val="000000"/>
+                </a:solidFill>
+                <a:latin typeface="Cascadia Mono" panose="020B0609020000020004" pitchFamily="49" charset="0"/>
+              </a:rPr>
+              <a:t> </a:t>
+            </a:r>
+            <a:r>
+              <a:rPr lang="en-GB" sz="1900" dirty="0" err="1">
+                <a:solidFill>
+                  <a:srgbClr val="000000"/>
+                </a:solidFill>
+                <a:latin typeface="Cascadia Mono" panose="020B0609020000020004" pitchFamily="49" charset="0"/>
+              </a:rPr>
+              <a:t>sqrt_g</a:t>
+            </a:r>
+            <a:r>
+              <a:rPr lang="en-GB" sz="1900" dirty="0">
+                <a:solidFill>
+                  <a:srgbClr val="000000"/>
+                </a:solidFill>
+                <a:latin typeface="Cascadia Mono" panose="020B0609020000020004" pitchFamily="49" charset="0"/>
+              </a:rPr>
+              <a:t> = sqrt(</a:t>
+            </a:r>
+            <a:r>
+              <a:rPr lang="en-GB" sz="1900" dirty="0" err="1">
+                <a:solidFill>
+                  <a:srgbClr val="000000"/>
+                </a:solidFill>
+                <a:latin typeface="Cascadia Mono" panose="020B0609020000020004" pitchFamily="49" charset="0"/>
+              </a:rPr>
+              <a:t>linearGain</a:t>
+            </a:r>
+            <a:r>
+              <a:rPr lang="en-GB" sz="1900" dirty="0">
+                <a:solidFill>
+                  <a:srgbClr val="000000"/>
+                </a:solidFill>
+                <a:latin typeface="Cascadia Mono" panose="020B0609020000020004" pitchFamily="49" charset="0"/>
+              </a:rPr>
+              <a:t>);</a:t>
+            </a:r>
+          </a:p>
+          <a:p>
+            <a:r>
+              <a:rPr lang="en-GB" sz="1900" dirty="0">
+                <a:solidFill>
+                  <a:srgbClr val="000000"/>
+                </a:solidFill>
+                <a:latin typeface="Cascadia Mono" panose="020B0609020000020004" pitchFamily="49" charset="0"/>
+              </a:rPr>
+              <a:t>        </a:t>
+            </a:r>
+          </a:p>
+          <a:p>
+            <a:r>
+              <a:rPr lang="en-GB" sz="1900" dirty="0">
+                <a:solidFill>
+                  <a:srgbClr val="000000"/>
+                </a:solidFill>
+                <a:latin typeface="Cascadia Mono" panose="020B0609020000020004" pitchFamily="49" charset="0"/>
+              </a:rPr>
+              <a:t>// </a:t>
+            </a:r>
+            <a:r>
+              <a:rPr lang="en-GB" sz="1900" dirty="0">
+                <a:solidFill>
+                  <a:srgbClr val="008000"/>
+                </a:solidFill>
+                <a:latin typeface="Cascadia Mono" panose="020B0609020000020004" pitchFamily="49" charset="0"/>
+              </a:rPr>
+              <a:t>takes arguments b0, b1, b2, a0, a1, a2. Normalises filter by a0 for time-domain implementations</a:t>
+            </a:r>
+            <a:endParaRPr lang="en-GB" sz="1900" dirty="0">
+              <a:solidFill>
+                <a:srgbClr val="000000"/>
+              </a:solidFill>
+              <a:latin typeface="Cascadia Mono" panose="020B0609020000020004" pitchFamily="49" charset="0"/>
+            </a:endParaRPr>
+          </a:p>
+          <a:p>
+            <a:r>
+              <a:rPr lang="en-GB" sz="1900" dirty="0">
+                <a:solidFill>
+                  <a:srgbClr val="0000FF"/>
+                </a:solidFill>
+                <a:latin typeface="Cascadia Mono" panose="020B0609020000020004" pitchFamily="49" charset="0"/>
+              </a:rPr>
+              <a:t>auto</a:t>
+            </a:r>
+            <a:r>
+              <a:rPr lang="en-GB" sz="1900" dirty="0">
+                <a:solidFill>
+                  <a:srgbClr val="000000"/>
+                </a:solidFill>
+                <a:latin typeface="Cascadia Mono" panose="020B0609020000020004" pitchFamily="49" charset="0"/>
+              </a:rPr>
+              <a:t> coefficients = </a:t>
+            </a:r>
+            <a:r>
+              <a:rPr lang="en-GB" sz="1900" dirty="0" err="1">
+                <a:solidFill>
+                  <a:srgbClr val="000000"/>
+                </a:solidFill>
+                <a:latin typeface="Cascadia Mono" panose="020B0609020000020004" pitchFamily="49" charset="0"/>
+              </a:rPr>
+              <a:t>juce</a:t>
+            </a:r>
+            <a:r>
+              <a:rPr lang="en-GB" sz="1900" dirty="0">
+                <a:solidFill>
+                  <a:srgbClr val="000000"/>
+                </a:solidFill>
+                <a:latin typeface="Cascadia Mono" panose="020B0609020000020004" pitchFamily="49" charset="0"/>
+              </a:rPr>
+              <a:t>::</a:t>
+            </a:r>
+            <a:r>
+              <a:rPr lang="en-GB" sz="1900" dirty="0" err="1">
+                <a:solidFill>
+                  <a:srgbClr val="2B91AF"/>
+                </a:solidFill>
+                <a:latin typeface="Cascadia Mono" panose="020B0609020000020004" pitchFamily="49" charset="0"/>
+              </a:rPr>
+              <a:t>IIRCoefficients</a:t>
+            </a:r>
+            <a:r>
+              <a:rPr lang="en-GB" sz="1900" dirty="0">
+                <a:solidFill>
+                  <a:srgbClr val="000000"/>
+                </a:solidFill>
+                <a:latin typeface="Cascadia Mono" panose="020B0609020000020004" pitchFamily="49" charset="0"/>
+              </a:rPr>
+              <a:t>(</a:t>
+            </a:r>
+          </a:p>
+          <a:p>
+            <a:r>
+              <a:rPr lang="en-GB" sz="1900" dirty="0">
+                <a:solidFill>
+                  <a:srgbClr val="000000"/>
+                </a:solidFill>
+                <a:latin typeface="Cascadia Mono" panose="020B0609020000020004" pitchFamily="49" charset="0"/>
+              </a:rPr>
+              <a:t>  </a:t>
+            </a:r>
+            <a:r>
+              <a:rPr lang="en-GB" sz="1900" dirty="0" err="1">
+                <a:solidFill>
+                  <a:srgbClr val="000000"/>
+                </a:solidFill>
+                <a:latin typeface="Cascadia Mono" panose="020B0609020000020004" pitchFamily="49" charset="0"/>
+              </a:rPr>
+              <a:t>sqrt_g</a:t>
+            </a:r>
+            <a:r>
+              <a:rPr lang="en-GB" sz="1900" dirty="0">
+                <a:solidFill>
+                  <a:srgbClr val="000000"/>
+                </a:solidFill>
+                <a:latin typeface="Cascadia Mono" panose="020B0609020000020004" pitchFamily="49" charset="0"/>
+              </a:rPr>
+              <a:t> + </a:t>
+            </a:r>
+            <a:r>
+              <a:rPr lang="en-GB" sz="1900" dirty="0" err="1">
+                <a:solidFill>
+                  <a:srgbClr val="000000"/>
+                </a:solidFill>
+                <a:latin typeface="Cascadia Mono" panose="020B0609020000020004" pitchFamily="49" charset="0"/>
+              </a:rPr>
+              <a:t>g_tan_half_bw</a:t>
+            </a:r>
+            <a:r>
+              <a:rPr lang="en-GB" sz="1900" dirty="0">
+                <a:solidFill>
+                  <a:srgbClr val="000000"/>
+                </a:solidFill>
+                <a:latin typeface="Cascadia Mono" panose="020B0609020000020004" pitchFamily="49" charset="0"/>
+              </a:rPr>
+              <a:t>, </a:t>
+            </a:r>
+            <a:r>
+              <a:rPr lang="en-GB" sz="1900" dirty="0">
+                <a:solidFill>
+                  <a:srgbClr val="008000"/>
+                </a:solidFill>
+                <a:latin typeface="Cascadia Mono" panose="020B0609020000020004" pitchFamily="49" charset="0"/>
+              </a:rPr>
+              <a:t>/* b0 */</a:t>
+            </a:r>
+            <a:endParaRPr lang="en-GB" sz="1900" dirty="0">
+              <a:solidFill>
+                <a:srgbClr val="000000"/>
+              </a:solidFill>
+              <a:latin typeface="Cascadia Mono" panose="020B0609020000020004" pitchFamily="49" charset="0"/>
+            </a:endParaRPr>
+          </a:p>
+          <a:p>
+            <a:r>
+              <a:rPr lang="en-GB" sz="1900" dirty="0">
+                <a:solidFill>
+                  <a:srgbClr val="000000"/>
+                </a:solidFill>
+                <a:latin typeface="Cascadia Mono" panose="020B0609020000020004" pitchFamily="49" charset="0"/>
+              </a:rPr>
+              <a:t>  </a:t>
+            </a:r>
+            <a:r>
+              <a:rPr lang="en-GB" sz="1900" dirty="0" err="1">
+                <a:solidFill>
+                  <a:srgbClr val="000000"/>
+                </a:solidFill>
+                <a:latin typeface="Cascadia Mono" panose="020B0609020000020004" pitchFamily="49" charset="0"/>
+              </a:rPr>
+              <a:t>sqrt_g</a:t>
+            </a:r>
+            <a:r>
+              <a:rPr lang="en-GB" sz="1900" dirty="0">
+                <a:solidFill>
+                  <a:srgbClr val="000000"/>
+                </a:solidFill>
+                <a:latin typeface="Cascadia Mono" panose="020B0609020000020004" pitchFamily="49" charset="0"/>
+              </a:rPr>
+              <a:t> * </a:t>
+            </a:r>
+            <a:r>
+              <a:rPr lang="en-GB" sz="1900" dirty="0" err="1">
+                <a:solidFill>
+                  <a:srgbClr val="000000"/>
+                </a:solidFill>
+                <a:latin typeface="Cascadia Mono" panose="020B0609020000020004" pitchFamily="49" charset="0"/>
+              </a:rPr>
+              <a:t>two_cos_wc</a:t>
+            </a:r>
+            <a:r>
+              <a:rPr lang="en-GB" sz="1900" dirty="0">
+                <a:solidFill>
+                  <a:srgbClr val="000000"/>
+                </a:solidFill>
+                <a:latin typeface="Cascadia Mono" panose="020B0609020000020004" pitchFamily="49" charset="0"/>
+              </a:rPr>
+              <a:t>, </a:t>
+            </a:r>
+            <a:r>
+              <a:rPr lang="en-GB" sz="1900" dirty="0">
+                <a:solidFill>
+                  <a:srgbClr val="008000"/>
+                </a:solidFill>
+                <a:latin typeface="Cascadia Mono" panose="020B0609020000020004" pitchFamily="49" charset="0"/>
+              </a:rPr>
+              <a:t>/* b1 */</a:t>
+            </a:r>
+            <a:endParaRPr lang="en-GB" sz="1900" dirty="0">
+              <a:solidFill>
+                <a:srgbClr val="000000"/>
+              </a:solidFill>
+              <a:latin typeface="Cascadia Mono" panose="020B0609020000020004" pitchFamily="49" charset="0"/>
+            </a:endParaRPr>
+          </a:p>
+          <a:p>
+            <a:r>
+              <a:rPr lang="en-GB" sz="1900" dirty="0">
+                <a:solidFill>
+                  <a:srgbClr val="000000"/>
+                </a:solidFill>
+                <a:latin typeface="Cascadia Mono" panose="020B0609020000020004" pitchFamily="49" charset="0"/>
+              </a:rPr>
+              <a:t>  </a:t>
+            </a:r>
+            <a:r>
+              <a:rPr lang="en-GB" sz="1900" dirty="0" err="1">
+                <a:solidFill>
+                  <a:srgbClr val="000000"/>
+                </a:solidFill>
+                <a:latin typeface="Cascadia Mono" panose="020B0609020000020004" pitchFamily="49" charset="0"/>
+              </a:rPr>
+              <a:t>sqrt_g</a:t>
+            </a:r>
+            <a:r>
+              <a:rPr lang="en-GB" sz="1900" dirty="0">
+                <a:solidFill>
+                  <a:srgbClr val="000000"/>
+                </a:solidFill>
+                <a:latin typeface="Cascadia Mono" panose="020B0609020000020004" pitchFamily="49" charset="0"/>
+              </a:rPr>
+              <a:t> - </a:t>
+            </a:r>
+            <a:r>
+              <a:rPr lang="en-GB" sz="1900" dirty="0" err="1">
+                <a:solidFill>
+                  <a:srgbClr val="000000"/>
+                </a:solidFill>
+                <a:latin typeface="Cascadia Mono" panose="020B0609020000020004" pitchFamily="49" charset="0"/>
+              </a:rPr>
+              <a:t>g_tan_half_bw</a:t>
+            </a:r>
+            <a:r>
+              <a:rPr lang="en-GB" sz="1900" dirty="0">
+                <a:solidFill>
+                  <a:srgbClr val="000000"/>
+                </a:solidFill>
+                <a:latin typeface="Cascadia Mono" panose="020B0609020000020004" pitchFamily="49" charset="0"/>
+              </a:rPr>
+              <a:t>, </a:t>
+            </a:r>
+            <a:r>
+              <a:rPr lang="en-GB" sz="1900" dirty="0">
+                <a:solidFill>
+                  <a:srgbClr val="008000"/>
+                </a:solidFill>
+                <a:latin typeface="Cascadia Mono" panose="020B0609020000020004" pitchFamily="49" charset="0"/>
+              </a:rPr>
+              <a:t>/* b2 */</a:t>
+            </a:r>
+            <a:endParaRPr lang="en-GB" sz="1900" dirty="0">
+              <a:solidFill>
+                <a:srgbClr val="000000"/>
+              </a:solidFill>
+              <a:latin typeface="Cascadia Mono" panose="020B0609020000020004" pitchFamily="49" charset="0"/>
+            </a:endParaRPr>
+          </a:p>
+          <a:p>
+            <a:r>
+              <a:rPr lang="en-GB" sz="1900" dirty="0">
+                <a:solidFill>
+                  <a:srgbClr val="000000"/>
+                </a:solidFill>
+                <a:latin typeface="Cascadia Mono" panose="020B0609020000020004" pitchFamily="49" charset="0"/>
+              </a:rPr>
+              <a:t>  </a:t>
+            </a:r>
+            <a:r>
+              <a:rPr lang="en-GB" sz="1900" dirty="0" err="1">
+                <a:solidFill>
+                  <a:srgbClr val="000000"/>
+                </a:solidFill>
+                <a:latin typeface="Cascadia Mono" panose="020B0609020000020004" pitchFamily="49" charset="0"/>
+              </a:rPr>
+              <a:t>sqrt_g</a:t>
+            </a:r>
+            <a:r>
+              <a:rPr lang="en-GB" sz="1900" dirty="0">
+                <a:solidFill>
+                  <a:srgbClr val="000000"/>
+                </a:solidFill>
+                <a:latin typeface="Cascadia Mono" panose="020B0609020000020004" pitchFamily="49" charset="0"/>
+              </a:rPr>
+              <a:t> + </a:t>
+            </a:r>
+            <a:r>
+              <a:rPr lang="en-GB" sz="1900" dirty="0" err="1">
+                <a:solidFill>
+                  <a:srgbClr val="000000"/>
+                </a:solidFill>
+                <a:latin typeface="Cascadia Mono" panose="020B0609020000020004" pitchFamily="49" charset="0"/>
+              </a:rPr>
+              <a:t>tan_half_bw</a:t>
+            </a:r>
+            <a:r>
+              <a:rPr lang="en-GB" sz="1900" dirty="0">
+                <a:solidFill>
+                  <a:srgbClr val="000000"/>
+                </a:solidFill>
+                <a:latin typeface="Cascadia Mono" panose="020B0609020000020004" pitchFamily="49" charset="0"/>
+              </a:rPr>
+              <a:t>, </a:t>
+            </a:r>
+            <a:r>
+              <a:rPr lang="en-GB" sz="1900" dirty="0">
+                <a:solidFill>
+                  <a:srgbClr val="008000"/>
+                </a:solidFill>
+                <a:latin typeface="Cascadia Mono" panose="020B0609020000020004" pitchFamily="49" charset="0"/>
+              </a:rPr>
+              <a:t>/* a0 */</a:t>
+            </a:r>
+            <a:endParaRPr lang="en-GB" sz="1900" dirty="0">
+              <a:solidFill>
+                <a:srgbClr val="000000"/>
+              </a:solidFill>
+              <a:latin typeface="Cascadia Mono" panose="020B0609020000020004" pitchFamily="49" charset="0"/>
+            </a:endParaRPr>
+          </a:p>
+          <a:p>
+            <a:r>
+              <a:rPr lang="en-GB" sz="1900" dirty="0">
+                <a:solidFill>
+                  <a:srgbClr val="000000"/>
+                </a:solidFill>
+                <a:latin typeface="Cascadia Mono" panose="020B0609020000020004" pitchFamily="49" charset="0"/>
+              </a:rPr>
+              <a:t>  </a:t>
+            </a:r>
+            <a:r>
+              <a:rPr lang="en-GB" sz="1900" dirty="0" err="1">
+                <a:solidFill>
+                  <a:srgbClr val="000000"/>
+                </a:solidFill>
+                <a:latin typeface="Cascadia Mono" panose="020B0609020000020004" pitchFamily="49" charset="0"/>
+              </a:rPr>
+              <a:t>sqrt_g</a:t>
+            </a:r>
+            <a:r>
+              <a:rPr lang="en-GB" sz="1900" dirty="0">
+                <a:solidFill>
+                  <a:srgbClr val="000000"/>
+                </a:solidFill>
+                <a:latin typeface="Cascadia Mono" panose="020B0609020000020004" pitchFamily="49" charset="0"/>
+              </a:rPr>
+              <a:t> * </a:t>
+            </a:r>
+            <a:r>
+              <a:rPr lang="en-GB" sz="1900" dirty="0" err="1">
+                <a:solidFill>
+                  <a:srgbClr val="000000"/>
+                </a:solidFill>
+                <a:latin typeface="Cascadia Mono" panose="020B0609020000020004" pitchFamily="49" charset="0"/>
+              </a:rPr>
+              <a:t>two_cos_wc</a:t>
+            </a:r>
+            <a:r>
+              <a:rPr lang="en-GB" sz="1900" dirty="0">
+                <a:solidFill>
+                  <a:srgbClr val="000000"/>
+                </a:solidFill>
+                <a:latin typeface="Cascadia Mono" panose="020B0609020000020004" pitchFamily="49" charset="0"/>
+              </a:rPr>
+              <a:t>, </a:t>
+            </a:r>
+            <a:r>
+              <a:rPr lang="en-GB" sz="1900" dirty="0">
+                <a:solidFill>
+                  <a:srgbClr val="008000"/>
+                </a:solidFill>
+                <a:latin typeface="Cascadia Mono" panose="020B0609020000020004" pitchFamily="49" charset="0"/>
+              </a:rPr>
+              <a:t>/* a1 */</a:t>
+            </a:r>
+            <a:endParaRPr lang="en-GB" sz="1900" dirty="0">
+              <a:solidFill>
+                <a:srgbClr val="000000"/>
+              </a:solidFill>
+              <a:latin typeface="Cascadia Mono" panose="020B0609020000020004" pitchFamily="49" charset="0"/>
+            </a:endParaRPr>
+          </a:p>
+          <a:p>
+            <a:r>
+              <a:rPr lang="en-GB" sz="1900" dirty="0">
+                <a:solidFill>
+                  <a:srgbClr val="000000"/>
+                </a:solidFill>
+                <a:latin typeface="Cascadia Mono" panose="020B0609020000020004" pitchFamily="49" charset="0"/>
+              </a:rPr>
+              <a:t>  </a:t>
+            </a:r>
+            <a:r>
+              <a:rPr lang="en-GB" sz="1900" dirty="0" err="1">
+                <a:solidFill>
+                  <a:srgbClr val="000000"/>
+                </a:solidFill>
+                <a:latin typeface="Cascadia Mono" panose="020B0609020000020004" pitchFamily="49" charset="0"/>
+              </a:rPr>
+              <a:t>sqrt_g</a:t>
+            </a:r>
+            <a:r>
+              <a:rPr lang="en-GB" sz="1900" dirty="0">
+                <a:solidFill>
+                  <a:srgbClr val="000000"/>
+                </a:solidFill>
+                <a:latin typeface="Cascadia Mono" panose="020B0609020000020004" pitchFamily="49" charset="0"/>
+              </a:rPr>
+              <a:t> - </a:t>
+            </a:r>
+            <a:r>
+              <a:rPr lang="en-GB" sz="1900" dirty="0" err="1">
+                <a:solidFill>
+                  <a:srgbClr val="000000"/>
+                </a:solidFill>
+                <a:latin typeface="Cascadia Mono" panose="020B0609020000020004" pitchFamily="49" charset="0"/>
+              </a:rPr>
+              <a:t>tan_half_bw</a:t>
+            </a:r>
+            <a:r>
+              <a:rPr lang="en-GB" sz="1900" dirty="0">
+                <a:solidFill>
+                  <a:srgbClr val="000000"/>
+                </a:solidFill>
+                <a:latin typeface="Cascadia Mono" panose="020B0609020000020004" pitchFamily="49" charset="0"/>
+              </a:rPr>
+              <a:t> </a:t>
+            </a:r>
+            <a:r>
+              <a:rPr lang="en-GB" sz="1900" dirty="0">
+                <a:solidFill>
+                  <a:srgbClr val="008000"/>
+                </a:solidFill>
+                <a:latin typeface="Cascadia Mono" panose="020B0609020000020004" pitchFamily="49" charset="0"/>
+              </a:rPr>
+              <a:t>/* a2 */</a:t>
+            </a:r>
+          </a:p>
+          <a:p>
+            <a:r>
+              <a:rPr lang="en-GB" sz="1900" dirty="0">
+                <a:solidFill>
+                  <a:srgbClr val="000000"/>
+                </a:solidFill>
+                <a:latin typeface="Cascadia Mono" panose="020B0609020000020004" pitchFamily="49" charset="0"/>
+              </a:rPr>
+              <a:t>);</a:t>
+            </a:r>
+          </a:p>
+          <a:p>
+            <a:endParaRPr lang="en-GB" sz="1900" dirty="0">
+              <a:solidFill>
+                <a:srgbClr val="000000"/>
+              </a:solidFill>
+              <a:latin typeface="Cascadia Mono" panose="020B0609020000020004" pitchFamily="49" charset="0"/>
+            </a:endParaRPr>
+          </a:p>
+          <a:p>
+            <a:r>
+              <a:rPr lang="en-GB" sz="1900" dirty="0">
+                <a:solidFill>
+                  <a:srgbClr val="0000FF"/>
+                </a:solidFill>
+                <a:latin typeface="Cascadia Mono" panose="020B0609020000020004" pitchFamily="49" charset="0"/>
+              </a:rPr>
+              <a:t>for</a:t>
+            </a:r>
+            <a:r>
+              <a:rPr lang="en-GB" sz="1900" dirty="0">
+                <a:solidFill>
+                  <a:srgbClr val="000000"/>
+                </a:solidFill>
+                <a:latin typeface="Cascadia Mono" panose="020B0609020000020004" pitchFamily="49" charset="0"/>
+              </a:rPr>
+              <a:t> (</a:t>
+            </a:r>
+            <a:r>
+              <a:rPr lang="en-GB" sz="1900" dirty="0">
+                <a:solidFill>
+                  <a:srgbClr val="0000FF"/>
+                </a:solidFill>
+                <a:latin typeface="Cascadia Mono" panose="020B0609020000020004" pitchFamily="49" charset="0"/>
+              </a:rPr>
+              <a:t>int</a:t>
+            </a:r>
+            <a:r>
+              <a:rPr lang="en-GB" sz="1900" dirty="0">
+                <a:solidFill>
+                  <a:srgbClr val="000000"/>
+                </a:solidFill>
+                <a:latin typeface="Cascadia Mono" panose="020B0609020000020004" pitchFamily="49" charset="0"/>
+              </a:rPr>
+              <a:t> </a:t>
+            </a:r>
+            <a:r>
+              <a:rPr lang="en-GB" sz="1900" dirty="0" err="1">
+                <a:solidFill>
+                  <a:srgbClr val="000000"/>
+                </a:solidFill>
+                <a:latin typeface="Cascadia Mono" panose="020B0609020000020004" pitchFamily="49" charset="0"/>
+              </a:rPr>
+              <a:t>i</a:t>
+            </a:r>
+            <a:r>
+              <a:rPr lang="en-GB" sz="1900" dirty="0">
+                <a:solidFill>
+                  <a:srgbClr val="000000"/>
+                </a:solidFill>
+                <a:latin typeface="Cascadia Mono" panose="020B0609020000020004" pitchFamily="49" charset="0"/>
+              </a:rPr>
+              <a:t> = 0; </a:t>
+            </a:r>
+            <a:r>
+              <a:rPr lang="en-GB" sz="1900" dirty="0" err="1">
+                <a:solidFill>
+                  <a:srgbClr val="000000"/>
+                </a:solidFill>
+                <a:latin typeface="Cascadia Mono" panose="020B0609020000020004" pitchFamily="49" charset="0"/>
+              </a:rPr>
+              <a:t>i</a:t>
+            </a:r>
+            <a:r>
+              <a:rPr lang="en-GB" sz="1900" dirty="0">
+                <a:solidFill>
+                  <a:srgbClr val="000000"/>
+                </a:solidFill>
+                <a:latin typeface="Cascadia Mono" panose="020B0609020000020004" pitchFamily="49" charset="0"/>
+              </a:rPr>
+              <a:t> &lt; </a:t>
+            </a:r>
+            <a:r>
+              <a:rPr lang="en-GB" sz="1900" dirty="0" err="1">
+                <a:solidFill>
+                  <a:srgbClr val="000000"/>
+                </a:solidFill>
+                <a:latin typeface="Cascadia Mono" panose="020B0609020000020004" pitchFamily="49" charset="0"/>
+              </a:rPr>
+              <a:t>filters.size</a:t>
+            </a:r>
+            <a:r>
+              <a:rPr lang="en-GB" sz="1900" dirty="0">
+                <a:solidFill>
+                  <a:srgbClr val="000000"/>
+                </a:solidFill>
+                <a:latin typeface="Cascadia Mono" panose="020B0609020000020004" pitchFamily="49" charset="0"/>
+              </a:rPr>
+              <a:t>(); </a:t>
+            </a:r>
+            <a:r>
+              <a:rPr lang="en-GB" sz="1900" dirty="0" err="1">
+                <a:solidFill>
+                  <a:srgbClr val="000000"/>
+                </a:solidFill>
+                <a:latin typeface="Cascadia Mono" panose="020B0609020000020004" pitchFamily="49" charset="0"/>
+              </a:rPr>
+              <a:t>i</a:t>
+            </a:r>
+            <a:r>
+              <a:rPr lang="en-GB" sz="1900" dirty="0">
+                <a:solidFill>
+                  <a:srgbClr val="000000"/>
+                </a:solidFill>
+                <a:latin typeface="Cascadia Mono" panose="020B0609020000020004" pitchFamily="49" charset="0"/>
+              </a:rPr>
+              <a:t>++) </a:t>
+            </a:r>
+          </a:p>
+          <a:p>
+            <a:r>
+              <a:rPr lang="en-GB" sz="1900" dirty="0">
+                <a:solidFill>
+                  <a:srgbClr val="000000"/>
+                </a:solidFill>
+                <a:latin typeface="Cascadia Mono" panose="020B0609020000020004" pitchFamily="49" charset="0"/>
+              </a:rPr>
+              <a:t>  filters</a:t>
+            </a:r>
+            <a:r>
+              <a:rPr lang="en-GB" sz="1900" dirty="0">
+                <a:solidFill>
+                  <a:srgbClr val="008080"/>
+                </a:solidFill>
+                <a:latin typeface="Cascadia Mono" panose="020B0609020000020004" pitchFamily="49" charset="0"/>
+              </a:rPr>
+              <a:t>[</a:t>
+            </a:r>
+            <a:r>
+              <a:rPr lang="en-GB" sz="1900" dirty="0" err="1">
+                <a:solidFill>
+                  <a:srgbClr val="000000"/>
+                </a:solidFill>
+                <a:latin typeface="Cascadia Mono" panose="020B0609020000020004" pitchFamily="49" charset="0"/>
+              </a:rPr>
+              <a:t>i</a:t>
+            </a:r>
+            <a:r>
+              <a:rPr lang="en-GB" sz="1900" dirty="0">
+                <a:solidFill>
+                  <a:srgbClr val="008080"/>
+                </a:solidFill>
+                <a:latin typeface="Cascadia Mono" panose="020B0609020000020004" pitchFamily="49" charset="0"/>
+              </a:rPr>
+              <a:t>]</a:t>
+            </a:r>
+            <a:r>
+              <a:rPr lang="en-GB" sz="1900" dirty="0">
+                <a:solidFill>
+                  <a:srgbClr val="000000"/>
+                </a:solidFill>
+                <a:latin typeface="Cascadia Mono" panose="020B0609020000020004" pitchFamily="49" charset="0"/>
+              </a:rPr>
+              <a:t>-&gt;</a:t>
+            </a:r>
+            <a:r>
+              <a:rPr lang="en-GB" sz="1900" dirty="0" err="1">
+                <a:solidFill>
+                  <a:srgbClr val="000000"/>
+                </a:solidFill>
+                <a:latin typeface="Cascadia Mono" panose="020B0609020000020004" pitchFamily="49" charset="0"/>
+              </a:rPr>
+              <a:t>setCoefficients</a:t>
+            </a:r>
+            <a:r>
+              <a:rPr lang="en-GB" sz="1900" dirty="0">
+                <a:solidFill>
+                  <a:srgbClr val="000000"/>
+                </a:solidFill>
+                <a:latin typeface="Cascadia Mono" panose="020B0609020000020004" pitchFamily="49" charset="0"/>
+              </a:rPr>
+              <a:t>(coefficients);</a:t>
+            </a:r>
+          </a:p>
+        </p:txBody>
+      </p:sp>
+    </p:spTree>
+    <p:extLst>
+      <p:ext uri="{BB962C8B-B14F-4D97-AF65-F5344CB8AC3E}">
+        <p14:creationId xmlns:p14="http://schemas.microsoft.com/office/powerpoint/2010/main" val="4103574118"/>
+      </p:ext>
+    </p:extLst>
+  </p:cSld>
+  <p:clrMapOvr>
+    <a:masterClrMapping/>
+  </p:clrMapOvr>
+  <p:transition/>
+</p:sld>
+</file>
+
+<file path=ppt/slides/slide36.xml><?xml version="1.0" encoding="utf-8"?>
+<p:sld xmlns:a="http://schemas.openxmlformats.org/drawingml/2006/main" xmlns:r="http://schemas.openxmlformats.org/officeDocument/2006/relationships" xmlns:p="http://schemas.openxmlformats.org/presentationml/2006/main">
+  <p:cSld>
+    <p:spTree>
+      <p:nvGrpSpPr>
+        <p:cNvPr id="1" name=""/>
+        <p:cNvGrpSpPr/>
+        <p:nvPr/>
+      </p:nvGrpSpPr>
+      <p:grpSpPr>
+        <a:xfrm>
+          <a:off x="0" y="0"/>
+          <a:ext cx="0" cy="0"/>
+          <a:chOff x="0" y="0"/>
+          <a:chExt cx="0" cy="0"/>
+        </a:xfrm>
+      </p:grpSpPr>
+      <p:sp>
+        <p:nvSpPr>
+          <p:cNvPr id="2" name="Title 1">
+            <a:extLst>
+              <a:ext uri="{FF2B5EF4-FFF2-40B4-BE49-F238E27FC236}">
+                <a16:creationId xmlns:a16="http://schemas.microsoft.com/office/drawing/2014/main" id="{118C212E-98BB-B9A3-DFE9-B4F95E1EA6F8}"/>
+              </a:ext>
+            </a:extLst>
+          </p:cNvPr>
+          <p:cNvSpPr>
+            <a:spLocks noGrp="1"/>
+          </p:cNvSpPr>
+          <p:nvPr>
+            <p:ph type="title"/>
+          </p:nvPr>
+        </p:nvSpPr>
+        <p:spPr/>
+        <p:txBody>
+          <a:bodyPr/>
+          <a:lstStyle/>
+          <a:p>
+            <a:r>
+              <a:rPr lang="en-GB" dirty="0" err="1"/>
+              <a:t>processBlock</a:t>
+            </a:r>
+            <a:r>
+              <a:rPr lang="en-GB" dirty="0"/>
+              <a:t> 3, apply filters</a:t>
+            </a:r>
+          </a:p>
+        </p:txBody>
+      </p:sp>
+      <p:sp>
+        <p:nvSpPr>
+          <p:cNvPr id="10" name="TextBox 9">
+            <a:extLst>
+              <a:ext uri="{FF2B5EF4-FFF2-40B4-BE49-F238E27FC236}">
+                <a16:creationId xmlns:a16="http://schemas.microsoft.com/office/drawing/2014/main" id="{D97B1AAE-913C-6F01-8193-03F17736D115}"/>
+              </a:ext>
+            </a:extLst>
+          </p:cNvPr>
+          <p:cNvSpPr txBox="1"/>
+          <p:nvPr/>
+        </p:nvSpPr>
+        <p:spPr>
+          <a:xfrm>
+            <a:off x="62508" y="908720"/>
+            <a:ext cx="8847617" cy="1200329"/>
+          </a:xfrm>
+          <a:prstGeom prst="rect">
+            <a:avLst/>
+          </a:prstGeom>
+          <a:noFill/>
+          <a:ln w="19050">
+            <a:solidFill>
+              <a:srgbClr val="FF0000"/>
+            </a:solidFill>
+          </a:ln>
+        </p:spPr>
+        <p:txBody>
+          <a:bodyPr wrap="square" rtlCol="0">
+            <a:spAutoFit/>
+          </a:bodyPr>
+          <a:lstStyle/>
+          <a:p>
+            <a:r>
+              <a:rPr lang="en-GB" sz="1800" dirty="0">
+                <a:solidFill>
+                  <a:srgbClr val="0000FF"/>
+                </a:solidFill>
+                <a:latin typeface="Cascadia Mono" panose="020B0609020000020004" pitchFamily="49" charset="0"/>
+              </a:rPr>
+              <a:t>for</a:t>
+            </a:r>
+            <a:r>
+              <a:rPr lang="en-GB" sz="1800" dirty="0">
+                <a:solidFill>
+                  <a:srgbClr val="000000"/>
+                </a:solidFill>
+                <a:latin typeface="Cascadia Mono" panose="020B0609020000020004" pitchFamily="49" charset="0"/>
+              </a:rPr>
+              <a:t> (</a:t>
+            </a:r>
+            <a:r>
+              <a:rPr lang="en-GB" sz="1800" dirty="0">
+                <a:solidFill>
+                  <a:srgbClr val="0000FF"/>
+                </a:solidFill>
+                <a:latin typeface="Cascadia Mono" panose="020B0609020000020004" pitchFamily="49" charset="0"/>
+              </a:rPr>
+              <a:t>int</a:t>
+            </a:r>
+            <a:r>
+              <a:rPr lang="en-GB" sz="1800" dirty="0">
+                <a:solidFill>
+                  <a:srgbClr val="000000"/>
+                </a:solidFill>
+                <a:latin typeface="Cascadia Mono" panose="020B0609020000020004" pitchFamily="49" charset="0"/>
+              </a:rPr>
+              <a:t> channel = 0; channel &lt; </a:t>
+            </a:r>
+            <a:r>
+              <a:rPr lang="en-GB" sz="1800" dirty="0" err="1">
+                <a:solidFill>
+                  <a:srgbClr val="000000"/>
+                </a:solidFill>
+                <a:latin typeface="Cascadia Mono" panose="020B0609020000020004" pitchFamily="49" charset="0"/>
+              </a:rPr>
+              <a:t>numInputChannels</a:t>
+            </a:r>
+            <a:r>
+              <a:rPr lang="en-GB" sz="1800" dirty="0">
+                <a:solidFill>
+                  <a:srgbClr val="000000"/>
+                </a:solidFill>
+                <a:latin typeface="Cascadia Mono" panose="020B0609020000020004" pitchFamily="49" charset="0"/>
+              </a:rPr>
+              <a:t>; ++channel) {</a:t>
+            </a:r>
+          </a:p>
+          <a:p>
+            <a:r>
+              <a:rPr lang="en-GB" sz="1800" dirty="0">
+                <a:solidFill>
+                  <a:srgbClr val="000000"/>
+                </a:solidFill>
+                <a:latin typeface="Cascadia Mono" panose="020B0609020000020004" pitchFamily="49" charset="0"/>
+              </a:rPr>
+              <a:t>  </a:t>
+            </a:r>
+            <a:r>
+              <a:rPr lang="en-GB" sz="1800" dirty="0">
+                <a:solidFill>
+                  <a:srgbClr val="0000FF"/>
+                </a:solidFill>
+                <a:latin typeface="Cascadia Mono" panose="020B0609020000020004" pitchFamily="49" charset="0"/>
+              </a:rPr>
+              <a:t>float</a:t>
+            </a:r>
+            <a:r>
+              <a:rPr lang="en-GB" sz="1800" dirty="0">
+                <a:solidFill>
+                  <a:srgbClr val="000000"/>
+                </a:solidFill>
+                <a:latin typeface="Cascadia Mono" panose="020B0609020000020004" pitchFamily="49" charset="0"/>
+              </a:rPr>
+              <a:t>* </a:t>
+            </a:r>
+            <a:r>
+              <a:rPr lang="en-GB" sz="1800" dirty="0" err="1">
+                <a:solidFill>
+                  <a:srgbClr val="000000"/>
+                </a:solidFill>
+                <a:latin typeface="Cascadia Mono" panose="020B0609020000020004" pitchFamily="49" charset="0"/>
+              </a:rPr>
+              <a:t>channelData</a:t>
+            </a:r>
+            <a:r>
+              <a:rPr lang="en-GB" sz="1800" dirty="0">
+                <a:solidFill>
+                  <a:srgbClr val="000000"/>
+                </a:solidFill>
+                <a:latin typeface="Cascadia Mono" panose="020B0609020000020004" pitchFamily="49" charset="0"/>
+              </a:rPr>
+              <a:t> = </a:t>
+            </a:r>
+            <a:r>
+              <a:rPr lang="en-GB" sz="1800" dirty="0" err="1">
+                <a:solidFill>
+                  <a:srgbClr val="808080"/>
+                </a:solidFill>
+                <a:latin typeface="Cascadia Mono" panose="020B0609020000020004" pitchFamily="49" charset="0"/>
+              </a:rPr>
+              <a:t>buffer</a:t>
+            </a:r>
+            <a:r>
+              <a:rPr lang="en-GB" sz="1800" dirty="0" err="1">
+                <a:solidFill>
+                  <a:srgbClr val="000000"/>
+                </a:solidFill>
+                <a:latin typeface="Cascadia Mono" panose="020B0609020000020004" pitchFamily="49" charset="0"/>
+              </a:rPr>
+              <a:t>.getWritePointer</a:t>
+            </a:r>
+            <a:r>
+              <a:rPr lang="en-GB" sz="1800" dirty="0">
+                <a:solidFill>
+                  <a:srgbClr val="000000"/>
+                </a:solidFill>
+                <a:latin typeface="Cascadia Mono" panose="020B0609020000020004" pitchFamily="49" charset="0"/>
+              </a:rPr>
+              <a:t>(channel);     </a:t>
+            </a:r>
+          </a:p>
+          <a:p>
+            <a:r>
+              <a:rPr lang="en-GB" dirty="0">
+                <a:solidFill>
+                  <a:srgbClr val="000000"/>
+                </a:solidFill>
+                <a:latin typeface="Cascadia Mono" panose="020B0609020000020004" pitchFamily="49" charset="0"/>
+              </a:rPr>
+              <a:t>  </a:t>
+            </a:r>
+            <a:r>
+              <a:rPr lang="en-GB" sz="1800" dirty="0">
+                <a:solidFill>
+                  <a:srgbClr val="000000"/>
+                </a:solidFill>
+                <a:latin typeface="Cascadia Mono" panose="020B0609020000020004" pitchFamily="49" charset="0"/>
+              </a:rPr>
+              <a:t>filters</a:t>
+            </a:r>
+            <a:r>
+              <a:rPr lang="en-GB" sz="1800" dirty="0">
+                <a:solidFill>
+                  <a:srgbClr val="008080"/>
+                </a:solidFill>
+                <a:latin typeface="Cascadia Mono" panose="020B0609020000020004" pitchFamily="49" charset="0"/>
+              </a:rPr>
+              <a:t>[</a:t>
+            </a:r>
+            <a:r>
+              <a:rPr lang="en-GB" sz="1800" dirty="0">
+                <a:solidFill>
+                  <a:srgbClr val="000000"/>
+                </a:solidFill>
+                <a:latin typeface="Cascadia Mono" panose="020B0609020000020004" pitchFamily="49" charset="0"/>
+              </a:rPr>
+              <a:t>channel</a:t>
+            </a:r>
+            <a:r>
+              <a:rPr lang="en-GB" sz="1800" dirty="0">
+                <a:solidFill>
+                  <a:srgbClr val="008080"/>
+                </a:solidFill>
+                <a:latin typeface="Cascadia Mono" panose="020B0609020000020004" pitchFamily="49" charset="0"/>
+              </a:rPr>
+              <a:t>]</a:t>
+            </a:r>
+            <a:r>
+              <a:rPr lang="en-GB" sz="1800" dirty="0">
+                <a:solidFill>
+                  <a:srgbClr val="000000"/>
+                </a:solidFill>
+                <a:latin typeface="Cascadia Mono" panose="020B0609020000020004" pitchFamily="49" charset="0"/>
+              </a:rPr>
+              <a:t>-&gt;</a:t>
+            </a:r>
+            <a:r>
+              <a:rPr lang="en-GB" sz="1800" dirty="0" err="1">
+                <a:solidFill>
+                  <a:srgbClr val="000000"/>
+                </a:solidFill>
+                <a:latin typeface="Cascadia Mono" panose="020B0609020000020004" pitchFamily="49" charset="0"/>
+              </a:rPr>
+              <a:t>processSamples</a:t>
+            </a:r>
+            <a:r>
+              <a:rPr lang="en-GB" sz="1800" dirty="0">
+                <a:solidFill>
+                  <a:srgbClr val="000000"/>
+                </a:solidFill>
+                <a:latin typeface="Cascadia Mono" panose="020B0609020000020004" pitchFamily="49" charset="0"/>
+              </a:rPr>
+              <a:t>(</a:t>
+            </a:r>
+            <a:r>
+              <a:rPr lang="en-GB" sz="1800" dirty="0" err="1">
+                <a:solidFill>
+                  <a:srgbClr val="000000"/>
+                </a:solidFill>
+                <a:latin typeface="Cascadia Mono" panose="020B0609020000020004" pitchFamily="49" charset="0"/>
+              </a:rPr>
+              <a:t>channelData</a:t>
+            </a:r>
+            <a:r>
+              <a:rPr lang="en-GB" sz="1800" dirty="0">
+                <a:solidFill>
+                  <a:srgbClr val="000000"/>
+                </a:solidFill>
+                <a:latin typeface="Cascadia Mono" panose="020B0609020000020004" pitchFamily="49" charset="0"/>
+              </a:rPr>
+              <a:t>, </a:t>
+            </a:r>
+            <a:r>
+              <a:rPr lang="en-GB" sz="1800" dirty="0" err="1">
+                <a:solidFill>
+                  <a:srgbClr val="000000"/>
+                </a:solidFill>
+                <a:latin typeface="Cascadia Mono" panose="020B0609020000020004" pitchFamily="49" charset="0"/>
+              </a:rPr>
+              <a:t>numSamples</a:t>
+            </a:r>
+            <a:r>
+              <a:rPr lang="en-GB" sz="1800" dirty="0">
+                <a:solidFill>
+                  <a:srgbClr val="000000"/>
+                </a:solidFill>
+                <a:latin typeface="Cascadia Mono" panose="020B0609020000020004" pitchFamily="49" charset="0"/>
+              </a:rPr>
+              <a:t>);</a:t>
+            </a:r>
+          </a:p>
+          <a:p>
+            <a:r>
+              <a:rPr lang="en-GB" sz="1800" dirty="0">
+                <a:solidFill>
+                  <a:srgbClr val="000000"/>
+                </a:solidFill>
+                <a:latin typeface="Cascadia Mono" panose="020B0609020000020004" pitchFamily="49" charset="0"/>
+              </a:rPr>
+              <a:t>}</a:t>
+            </a:r>
+            <a:endParaRPr lang="en-GB" sz="1900" dirty="0">
+              <a:solidFill>
+                <a:srgbClr val="000000"/>
+              </a:solidFill>
+              <a:latin typeface="Cascadia Mono" panose="020B0609020000020004" pitchFamily="49" charset="0"/>
+            </a:endParaRPr>
+          </a:p>
+        </p:txBody>
+      </p:sp>
+      <p:sp>
+        <p:nvSpPr>
+          <p:cNvPr id="6" name="TextBox 5">
+            <a:extLst>
+              <a:ext uri="{FF2B5EF4-FFF2-40B4-BE49-F238E27FC236}">
+                <a16:creationId xmlns:a16="http://schemas.microsoft.com/office/drawing/2014/main" id="{7BFF0ACD-9792-C1B8-7EB1-3E12DA2F4041}"/>
+              </a:ext>
+            </a:extLst>
+          </p:cNvPr>
+          <p:cNvSpPr txBox="1"/>
+          <p:nvPr/>
+        </p:nvSpPr>
+        <p:spPr>
+          <a:xfrm>
+            <a:off x="107504" y="2420888"/>
+            <a:ext cx="9073008" cy="3206006"/>
+          </a:xfrm>
+          <a:prstGeom prst="rect">
+            <a:avLst/>
+          </a:prstGeom>
+          <a:noFill/>
+        </p:spPr>
+        <p:txBody>
+          <a:bodyPr wrap="square">
+            <a:spAutoFit/>
+          </a:bodyPr>
+          <a:lstStyle/>
+          <a:p>
+            <a:pPr marL="446446" marR="0" lvl="0" indent="-267881" algn="l" defTabSz="914400" rtl="0" eaLnBrk="1" fontAlgn="base" latinLnBrk="0" hangingPunct="1">
+              <a:lnSpc>
+                <a:spcPct val="100000"/>
+              </a:lnSpc>
+              <a:spcBef>
+                <a:spcPts val="422"/>
+              </a:spcBef>
+              <a:spcAft>
+                <a:spcPct val="0"/>
+              </a:spcAft>
+              <a:buClrTx/>
+              <a:buSzPct val="150000"/>
+              <a:buFont typeface="Arial" charset="0"/>
+              <a:buChar char="•"/>
+              <a:tabLst/>
+              <a:defRPr/>
+            </a:pPr>
+            <a:r>
+              <a:rPr kumimoji="0" lang="en-US" sz="2700" b="0" i="0" u="none" strike="noStrike" kern="0" cap="none" spc="0" normalizeH="0" baseline="0" noProof="0" dirty="0">
+                <a:ln>
+                  <a:noFill/>
+                </a:ln>
+                <a:solidFill>
+                  <a:srgbClr val="0000FF"/>
+                </a:solidFill>
+                <a:effectLst/>
+                <a:uLnTx/>
+                <a:uFillTx/>
+                <a:latin typeface="Arial"/>
+                <a:sym typeface="Arial" charset="0"/>
+              </a:rPr>
+              <a:t>Not optimal, not elegant</a:t>
+            </a:r>
+          </a:p>
+          <a:p>
+            <a:pPr marL="903244" lvl="1" indent="-267881">
+              <a:spcBef>
+                <a:spcPts val="422"/>
+              </a:spcBef>
+              <a:buSzPct val="150000"/>
+              <a:buFont typeface="Arial" charset="0"/>
+              <a:buChar char="•"/>
+              <a:defRPr/>
+            </a:pPr>
+            <a:r>
+              <a:rPr lang="en-US" sz="2700" kern="0" dirty="0">
+                <a:solidFill>
+                  <a:srgbClr val="0000FF"/>
+                </a:solidFill>
+                <a:latin typeface="Arial"/>
+                <a:sym typeface="Arial" charset="0"/>
+              </a:rPr>
+              <a:t>Recalculates filters every block</a:t>
+            </a:r>
+          </a:p>
+          <a:p>
+            <a:pPr marL="1360049" lvl="2" indent="-267881">
+              <a:spcBef>
+                <a:spcPts val="422"/>
+              </a:spcBef>
+              <a:buSzPct val="150000"/>
+              <a:buFont typeface="Arial" charset="0"/>
+              <a:buChar char="•"/>
+              <a:defRPr/>
+            </a:pPr>
+            <a:r>
+              <a:rPr kumimoji="0" lang="en-US" sz="2700" b="0" i="0" u="none" strike="noStrike" kern="0" cap="none" spc="0" normalizeH="0" baseline="0" noProof="0" dirty="0">
+                <a:ln>
+                  <a:noFill/>
+                </a:ln>
+                <a:solidFill>
+                  <a:srgbClr val="0000FF"/>
+                </a:solidFill>
+                <a:effectLst/>
+                <a:uLnTx/>
+                <a:uFillTx/>
+                <a:latin typeface="Arial"/>
+                <a:sym typeface="Arial" charset="0"/>
+              </a:rPr>
+              <a:t>Should only recalculate when parameters change</a:t>
+            </a:r>
+          </a:p>
+          <a:p>
+            <a:pPr marL="903244" lvl="1" indent="-267881">
+              <a:spcBef>
+                <a:spcPts val="422"/>
+              </a:spcBef>
+              <a:buSzPct val="150000"/>
+              <a:buFont typeface="Arial" charset="0"/>
+              <a:buChar char="•"/>
+              <a:defRPr/>
+            </a:pPr>
+            <a:r>
+              <a:rPr lang="en-US" sz="2700" kern="0" dirty="0">
+                <a:solidFill>
+                  <a:srgbClr val="0000FF"/>
+                </a:solidFill>
+                <a:latin typeface="Arial"/>
+                <a:sym typeface="Arial" charset="0"/>
+              </a:rPr>
+              <a:t>Only does peaking filters</a:t>
+            </a:r>
+          </a:p>
+          <a:p>
+            <a:pPr marL="903244" lvl="1" indent="-267881">
+              <a:spcBef>
+                <a:spcPts val="422"/>
+              </a:spcBef>
+              <a:buSzPct val="150000"/>
+              <a:buFont typeface="Arial" charset="0"/>
+              <a:buChar char="•"/>
+              <a:defRPr/>
+            </a:pPr>
+            <a:r>
+              <a:rPr lang="en-US" sz="2700" kern="0" dirty="0">
+                <a:solidFill>
+                  <a:srgbClr val="0000FF"/>
+                </a:solidFill>
+                <a:latin typeface="Arial"/>
+                <a:sym typeface="Arial" charset="0"/>
+              </a:rPr>
+              <a:t>Doesn’t really do chain of filters, like proper parametric EQ</a:t>
+            </a:r>
+          </a:p>
+          <a:p>
+            <a:endParaRPr kumimoji="0" lang="en-US" sz="2700" b="0" i="0" u="none" strike="noStrike" kern="0" cap="none" spc="0" normalizeH="0" baseline="0" noProof="0" dirty="0">
+              <a:ln>
+                <a:noFill/>
+              </a:ln>
+              <a:solidFill>
+                <a:srgbClr val="000000"/>
+              </a:solidFill>
+              <a:effectLst/>
+              <a:uLnTx/>
+              <a:uFillTx/>
+              <a:latin typeface="Arial"/>
+              <a:sym typeface="Arial" charset="0"/>
+            </a:endParaRPr>
+          </a:p>
+        </p:txBody>
+      </p:sp>
+      <p:sp>
+        <p:nvSpPr>
+          <p:cNvPr id="8" name="TextBox 7">
+            <a:extLst>
+              <a:ext uri="{FF2B5EF4-FFF2-40B4-BE49-F238E27FC236}">
+                <a16:creationId xmlns:a16="http://schemas.microsoft.com/office/drawing/2014/main" id="{FB52AB5B-5B5F-E827-8D19-F7B2D53498FC}"/>
+              </a:ext>
+            </a:extLst>
+          </p:cNvPr>
+          <p:cNvSpPr txBox="1"/>
+          <p:nvPr/>
+        </p:nvSpPr>
+        <p:spPr>
+          <a:xfrm>
+            <a:off x="143726" y="5292402"/>
+            <a:ext cx="8847617" cy="646331"/>
+          </a:xfrm>
+          <a:prstGeom prst="rect">
+            <a:avLst/>
+          </a:prstGeom>
+          <a:noFill/>
+          <a:ln w="19050">
+            <a:solidFill>
+              <a:srgbClr val="FF0000"/>
+            </a:solidFill>
+          </a:ln>
+        </p:spPr>
+        <p:txBody>
+          <a:bodyPr wrap="square" rtlCol="0">
+            <a:spAutoFit/>
+          </a:bodyPr>
+          <a:lstStyle/>
+          <a:p>
+            <a:r>
+              <a:rPr lang="en-GB" sz="1800" dirty="0">
+                <a:solidFill>
+                  <a:srgbClr val="000000"/>
+                </a:solidFill>
+                <a:latin typeface="Cascadia Mono" panose="020B0609020000020004" pitchFamily="49" charset="0"/>
+              </a:rPr>
+              <a:t>filters1</a:t>
+            </a:r>
+            <a:r>
+              <a:rPr lang="en-GB" sz="1800" dirty="0">
+                <a:solidFill>
+                  <a:srgbClr val="008080"/>
+                </a:solidFill>
+                <a:latin typeface="Cascadia Mono" panose="020B0609020000020004" pitchFamily="49" charset="0"/>
+              </a:rPr>
+              <a:t>[</a:t>
+            </a:r>
+            <a:r>
+              <a:rPr lang="en-GB" sz="1800" dirty="0">
+                <a:solidFill>
+                  <a:srgbClr val="000000"/>
+                </a:solidFill>
+                <a:latin typeface="Cascadia Mono" panose="020B0609020000020004" pitchFamily="49" charset="0"/>
+              </a:rPr>
+              <a:t>channel</a:t>
+            </a:r>
+            <a:r>
+              <a:rPr lang="en-GB" sz="1800" dirty="0">
+                <a:solidFill>
+                  <a:srgbClr val="008080"/>
+                </a:solidFill>
+                <a:latin typeface="Cascadia Mono" panose="020B0609020000020004" pitchFamily="49" charset="0"/>
+              </a:rPr>
+              <a:t>]</a:t>
+            </a:r>
+            <a:r>
+              <a:rPr lang="en-GB" sz="1800" dirty="0">
+                <a:solidFill>
+                  <a:srgbClr val="000000"/>
+                </a:solidFill>
+                <a:latin typeface="Cascadia Mono" panose="020B0609020000020004" pitchFamily="49" charset="0"/>
+              </a:rPr>
+              <a:t>-&gt;</a:t>
+            </a:r>
+            <a:r>
+              <a:rPr lang="en-GB" sz="1800" dirty="0" err="1">
+                <a:solidFill>
+                  <a:srgbClr val="000000"/>
+                </a:solidFill>
+                <a:latin typeface="Cascadia Mono" panose="020B0609020000020004" pitchFamily="49" charset="0"/>
+              </a:rPr>
+              <a:t>processSamples</a:t>
+            </a:r>
+            <a:r>
+              <a:rPr lang="en-GB" sz="1800" dirty="0">
+                <a:solidFill>
+                  <a:srgbClr val="000000"/>
+                </a:solidFill>
+                <a:latin typeface="Cascadia Mono" panose="020B0609020000020004" pitchFamily="49" charset="0"/>
+              </a:rPr>
+              <a:t>(</a:t>
+            </a:r>
+            <a:r>
+              <a:rPr lang="en-GB" sz="1800" dirty="0" err="1">
+                <a:solidFill>
+                  <a:srgbClr val="000000"/>
+                </a:solidFill>
+                <a:latin typeface="Cascadia Mono" panose="020B0609020000020004" pitchFamily="49" charset="0"/>
+              </a:rPr>
+              <a:t>channelData</a:t>
+            </a:r>
+            <a:r>
+              <a:rPr lang="en-GB" sz="1800" dirty="0">
+                <a:solidFill>
+                  <a:srgbClr val="000000"/>
+                </a:solidFill>
+                <a:latin typeface="Cascadia Mono" panose="020B0609020000020004" pitchFamily="49" charset="0"/>
+              </a:rPr>
+              <a:t>, </a:t>
+            </a:r>
+            <a:r>
+              <a:rPr lang="en-GB" sz="1800" dirty="0" err="1">
+                <a:solidFill>
+                  <a:srgbClr val="000000"/>
+                </a:solidFill>
+                <a:latin typeface="Cascadia Mono" panose="020B0609020000020004" pitchFamily="49" charset="0"/>
+              </a:rPr>
+              <a:t>numSamples</a:t>
+            </a:r>
+            <a:r>
+              <a:rPr lang="en-GB" sz="1800" dirty="0">
+                <a:solidFill>
+                  <a:srgbClr val="000000"/>
+                </a:solidFill>
+                <a:latin typeface="Cascadia Mono" panose="020B0609020000020004" pitchFamily="49" charset="0"/>
+              </a:rPr>
+              <a:t>);</a:t>
+            </a:r>
+          </a:p>
+          <a:p>
+            <a:r>
+              <a:rPr lang="en-GB" sz="1800" dirty="0">
+                <a:solidFill>
+                  <a:srgbClr val="000000"/>
+                </a:solidFill>
+                <a:latin typeface="Cascadia Mono" panose="020B0609020000020004" pitchFamily="49" charset="0"/>
+              </a:rPr>
+              <a:t>filters2</a:t>
+            </a:r>
+            <a:r>
+              <a:rPr lang="en-GB" sz="1800" dirty="0">
+                <a:solidFill>
+                  <a:srgbClr val="008080"/>
+                </a:solidFill>
+                <a:latin typeface="Cascadia Mono" panose="020B0609020000020004" pitchFamily="49" charset="0"/>
+              </a:rPr>
+              <a:t>[</a:t>
+            </a:r>
+            <a:r>
+              <a:rPr lang="en-GB" sz="1800" dirty="0">
+                <a:solidFill>
+                  <a:srgbClr val="000000"/>
+                </a:solidFill>
+                <a:latin typeface="Cascadia Mono" panose="020B0609020000020004" pitchFamily="49" charset="0"/>
+              </a:rPr>
+              <a:t>channel</a:t>
+            </a:r>
+            <a:r>
+              <a:rPr lang="en-GB" sz="1800" dirty="0">
+                <a:solidFill>
+                  <a:srgbClr val="008080"/>
+                </a:solidFill>
+                <a:latin typeface="Cascadia Mono" panose="020B0609020000020004" pitchFamily="49" charset="0"/>
+              </a:rPr>
+              <a:t>]</a:t>
+            </a:r>
+            <a:r>
+              <a:rPr lang="en-GB" sz="1800" dirty="0">
+                <a:solidFill>
+                  <a:srgbClr val="000000"/>
+                </a:solidFill>
+                <a:latin typeface="Cascadia Mono" panose="020B0609020000020004" pitchFamily="49" charset="0"/>
+              </a:rPr>
+              <a:t>-&gt;</a:t>
+            </a:r>
+            <a:r>
+              <a:rPr lang="en-GB" sz="1800" dirty="0" err="1">
+                <a:solidFill>
+                  <a:srgbClr val="000000"/>
+                </a:solidFill>
+                <a:latin typeface="Cascadia Mono" panose="020B0609020000020004" pitchFamily="49" charset="0"/>
+              </a:rPr>
+              <a:t>processSamples</a:t>
+            </a:r>
+            <a:r>
+              <a:rPr lang="en-GB" sz="1800" dirty="0">
+                <a:solidFill>
+                  <a:srgbClr val="000000"/>
+                </a:solidFill>
+                <a:latin typeface="Cascadia Mono" panose="020B0609020000020004" pitchFamily="49" charset="0"/>
+              </a:rPr>
+              <a:t>(</a:t>
+            </a:r>
+            <a:r>
+              <a:rPr lang="en-GB" sz="1800" dirty="0" err="1">
+                <a:solidFill>
+                  <a:srgbClr val="000000"/>
+                </a:solidFill>
+                <a:latin typeface="Cascadia Mono" panose="020B0609020000020004" pitchFamily="49" charset="0"/>
+              </a:rPr>
+              <a:t>channelData</a:t>
+            </a:r>
+            <a:r>
+              <a:rPr lang="en-GB" sz="1800" dirty="0">
+                <a:solidFill>
+                  <a:srgbClr val="000000"/>
+                </a:solidFill>
+                <a:latin typeface="Cascadia Mono" panose="020B0609020000020004" pitchFamily="49" charset="0"/>
+              </a:rPr>
+              <a:t>, </a:t>
+            </a:r>
+            <a:r>
+              <a:rPr lang="en-GB" sz="1800" dirty="0" err="1">
+                <a:solidFill>
+                  <a:srgbClr val="000000"/>
+                </a:solidFill>
+                <a:latin typeface="Cascadia Mono" panose="020B0609020000020004" pitchFamily="49" charset="0"/>
+              </a:rPr>
+              <a:t>numSamples</a:t>
+            </a:r>
+            <a:r>
+              <a:rPr lang="en-GB" sz="1800" dirty="0">
+                <a:solidFill>
+                  <a:srgbClr val="000000"/>
+                </a:solidFill>
+                <a:latin typeface="Cascadia Mono" panose="020B0609020000020004" pitchFamily="49" charset="0"/>
+              </a:rPr>
+              <a:t>);</a:t>
+            </a:r>
+            <a:endParaRPr lang="en-GB" sz="1900" dirty="0">
+              <a:solidFill>
+                <a:srgbClr val="000000"/>
+              </a:solidFill>
+              <a:latin typeface="Cascadia Mono" panose="020B0609020000020004" pitchFamily="49" charset="0"/>
+            </a:endParaRPr>
+          </a:p>
+        </p:txBody>
+      </p:sp>
+    </p:spTree>
+    <p:extLst>
+      <p:ext uri="{BB962C8B-B14F-4D97-AF65-F5344CB8AC3E}">
+        <p14:creationId xmlns:p14="http://schemas.microsoft.com/office/powerpoint/2010/main" val="2537126684"/>
+      </p:ext>
+    </p:extLst>
+  </p:cSld>
+  <p:clrMapOvr>
+    <a:masterClrMapping/>
+  </p:clrMapOvr>
+  <p:transition/>
+</p:sld>
+</file>
+
+<file path=ppt/slides/slide37.xml><?xml version="1.0" encoding="utf-8"?>
+<p:sld xmlns:a="http://schemas.openxmlformats.org/drawingml/2006/main" xmlns:r="http://schemas.openxmlformats.org/officeDocument/2006/relationships" xmlns:p="http://schemas.openxmlformats.org/presentationml/2006/main" show="0">
+  <p:cSld>
+    <p:spTree>
+      <p:nvGrpSpPr>
+        <p:cNvPr id="1" name=""/>
+        <p:cNvGrpSpPr/>
+        <p:nvPr/>
+      </p:nvGrpSpPr>
+      <p:grpSpPr>
+        <a:xfrm>
+          <a:off x="0" y="0"/>
+          <a:ext cx="0" cy="0"/>
+          <a:chOff x="0" y="0"/>
+          <a:chExt cx="0" cy="0"/>
+        </a:xfrm>
+      </p:grpSpPr>
+      <p:sp>
+        <p:nvSpPr>
           <p:cNvPr id="2" name="Title 1"/>
           <p:cNvSpPr>
             <a:spLocks noGrp="1"/>
@@ -26763,7 +29031,7 @@
           <a:p>
             <a:r>
               <a:rPr lang="en-GB" dirty="0"/>
-              <a:t>Applying parametric EQ</a:t>
+              <a:t>Direct implementation</a:t>
             </a:r>
           </a:p>
         </p:txBody>
@@ -26792,22 +29060,171 @@
               <a:buNone/>
             </a:pPr>
             <a:r>
+              <a:rPr lang="en-GB" sz="1800" dirty="0">
+                <a:solidFill>
+                  <a:srgbClr val="AB0D92"/>
+                </a:solidFill>
+                <a:latin typeface="Courier New"/>
+              </a:rPr>
+              <a:t>for </a:t>
+            </a:r>
+            <a:r>
+              <a:rPr lang="en-GB" sz="1800" dirty="0">
+                <a:solidFill>
+                  <a:srgbClr val="000000"/>
+                </a:solidFill>
+                <a:latin typeface="Courier New"/>
+              </a:rPr>
+              <a:t>(</a:t>
+            </a:r>
+            <a:r>
+              <a:rPr lang="en-GB" sz="1800" dirty="0">
+                <a:solidFill>
+                  <a:srgbClr val="AB0D92"/>
+                </a:solidFill>
+                <a:latin typeface="Courier New"/>
+              </a:rPr>
+              <a:t>int </a:t>
+            </a:r>
+            <a:r>
               <a:rPr lang="en-GB" sz="1800" dirty="0" err="1">
                 <a:solidFill>
+                  <a:srgbClr val="000000"/>
+                </a:solidFill>
+                <a:latin typeface="Courier New"/>
+              </a:rPr>
+              <a:t>i</a:t>
+            </a:r>
+            <a:r>
+              <a:rPr lang="en-GB" sz="1800" dirty="0">
+                <a:solidFill>
+                  <a:srgbClr val="000000"/>
+                </a:solidFill>
+                <a:latin typeface="Courier New"/>
+              </a:rPr>
+              <a:t> = </a:t>
+            </a:r>
+            <a:r>
+              <a:rPr lang="en-GB" sz="1800" dirty="0">
+                <a:solidFill>
+                  <a:srgbClr val="1C00D0"/>
+                </a:solidFill>
+                <a:latin typeface="Courier New"/>
+              </a:rPr>
+              <a:t>0</a:t>
+            </a:r>
+            <a:r>
+              <a:rPr lang="en-GB" sz="1800" dirty="0">
+                <a:solidFill>
+                  <a:srgbClr val="000000"/>
+                </a:solidFill>
+                <a:latin typeface="Courier New"/>
+              </a:rPr>
+              <a:t>; </a:t>
+            </a:r>
+            <a:r>
+              <a:rPr lang="en-GB" sz="1800" dirty="0" err="1">
+                <a:solidFill>
+                  <a:srgbClr val="000000"/>
+                </a:solidFill>
+                <a:latin typeface="Courier New"/>
+              </a:rPr>
+              <a:t>i</a:t>
+            </a:r>
+            <a:r>
+              <a:rPr lang="en-GB" sz="1800" dirty="0">
+                <a:solidFill>
+                  <a:srgbClr val="000000"/>
+                </a:solidFill>
+                <a:latin typeface="Courier New"/>
+              </a:rPr>
+              <a:t> &lt; </a:t>
+            </a:r>
+            <a:r>
+              <a:rPr lang="en-GB" sz="1800" dirty="0" err="1">
+                <a:solidFill>
+                  <a:srgbClr val="000000"/>
+                </a:solidFill>
+                <a:latin typeface="Courier New"/>
+              </a:rPr>
+              <a:t>numSamples</a:t>
+            </a:r>
+            <a:r>
+              <a:rPr lang="en-GB" sz="1800" dirty="0">
+                <a:solidFill>
+                  <a:srgbClr val="000000"/>
+                </a:solidFill>
+                <a:latin typeface="Courier New"/>
+              </a:rPr>
+              <a:t>; ++</a:t>
+            </a:r>
+            <a:r>
+              <a:rPr lang="en-GB" sz="1800" dirty="0" err="1">
+                <a:solidFill>
+                  <a:srgbClr val="000000"/>
+                </a:solidFill>
+                <a:latin typeface="Courier New"/>
+              </a:rPr>
+              <a:t>i</a:t>
+            </a:r>
+            <a:r>
+              <a:rPr lang="en-GB" sz="1800" dirty="0">
+                <a:solidFill>
+                  <a:srgbClr val="000000"/>
+                </a:solidFill>
+                <a:latin typeface="Courier New"/>
+              </a:rPr>
+              <a:t>) {</a:t>
+            </a:r>
+          </a:p>
+          <a:p>
+            <a:pPr marL="142870" indent="0">
+              <a:buNone/>
+            </a:pPr>
+            <a:r>
+              <a:rPr lang="en-GB" sz="1800" dirty="0">
+                <a:solidFill>
+                  <a:srgbClr val="000000"/>
+                </a:solidFill>
+                <a:latin typeface="Courier New"/>
+              </a:rPr>
+              <a:t>  </a:t>
+            </a:r>
+            <a:r>
+              <a:rPr lang="en-GB" sz="1800" dirty="0">
+                <a:solidFill>
                   <a:srgbClr val="AB0D92"/>
                 </a:solidFill>
                 <a:latin typeface="Courier New"/>
               </a:rPr>
-              <a:t>int</a:t>
+              <a:t>float </a:t>
             </a:r>
             <a:r>
               <a:rPr lang="en-GB" sz="1800" dirty="0">
                 <a:solidFill>
-                  <a:srgbClr val="AB0D92"/>
+                  <a:srgbClr val="000000"/>
                 </a:solidFill>
                 <a:latin typeface="Courier New"/>
               </a:rPr>
-              <a:t> </a:t>
+              <a:t>out = coefficients[</a:t>
+            </a:r>
+            <a:r>
+              <a:rPr lang="en-GB" sz="1800" dirty="0">
+                <a:solidFill>
+                  <a:srgbClr val="1C00D0"/>
+                </a:solidFill>
+                <a:latin typeface="Courier New"/>
+              </a:rPr>
+              <a:t>0</a:t>
+            </a:r>
+            <a:r>
+              <a:rPr lang="en-GB" sz="1800" dirty="0">
+                <a:solidFill>
+                  <a:srgbClr val="000000"/>
+                </a:solidFill>
+                <a:latin typeface="Courier New"/>
+              </a:rPr>
+              <a:t>] * </a:t>
             </a:r>
             <a:r>
               <a:rPr lang="en-GB" sz="1800" dirty="0" err="1">
@@ -26816,7 +29233,7 @@
                 </a:solidFill>
                 <a:latin typeface="Courier New"/>
               </a:rPr>
-              <a:t>numSamples</a:t>
+              <a:t>channelData</a:t>
             </a:r>
             <a:r>
               <a:rPr lang="en-GB" sz="1800" dirty="0">
@@ -26825,75 +29242,25 @@
                 </a:solidFill>
                 <a:latin typeface="Courier New"/>
               </a:rPr>
-              <a:t>; </a:t>
+              <a:t>[</a:t>
+            </a:r>
+            <a:r>
+              <a:rPr lang="en-GB" sz="1800" dirty="0" err="1">
+                <a:solidFill>
+                  <a:srgbClr val="000000"/>
+                </a:solidFill>
+                <a:latin typeface="Courier New"/>
+              </a:rPr>
+              <a:t>i</a:t>
             </a:r>
             <a:r>
               <a:rPr lang="en-GB" sz="1800" dirty="0">
                 <a:solidFill>
-                  <a:srgbClr val="007400"/>
+                  <a:srgbClr val="000000"/>
                 </a:solidFill>
                 <a:latin typeface="Courier New"/>
               </a:rPr>
-              <a:t>//How many audio samples to process</a:t>
-            </a:r>
-          </a:p>
-          <a:p>
-            <a:pPr marL="142870" indent="0">
-              <a:buNone/>
-            </a:pPr>
-            <a:r>
-              <a:rPr lang="en-GB" sz="1800" dirty="0">
-                <a:solidFill>
-                  <a:srgbClr val="AB0D92"/>
-                </a:solidFill>
-                <a:latin typeface="Courier New"/>
-              </a:rPr>
-              <a:t>float </a:t>
-            </a:r>
-            <a:r>
-              <a:rPr lang="en-GB" sz="1800" dirty="0">
-                <a:solidFill>
-                  <a:srgbClr val="000000"/>
-                </a:solidFill>
-                <a:latin typeface="Courier New"/>
-              </a:rPr>
-              <a:t>*</a:t>
-            </a:r>
-            <a:r>
-              <a:rPr lang="en-GB" sz="1800" dirty="0" err="1">
-                <a:solidFill>
-                  <a:srgbClr val="000000"/>
-                </a:solidFill>
-                <a:latin typeface="Courier New"/>
-              </a:rPr>
-              <a:t>channelData</a:t>
-            </a:r>
-            <a:r>
-              <a:rPr lang="en-GB" sz="1800" dirty="0">
-                <a:solidFill>
-                  <a:srgbClr val="000000"/>
-                </a:solidFill>
-                <a:latin typeface="Courier New"/>
-              </a:rPr>
-              <a:t>; </a:t>
-            </a:r>
-            <a:r>
-              <a:rPr lang="en-GB" sz="1800" dirty="0">
-                <a:solidFill>
-                  <a:srgbClr val="007400"/>
-                </a:solidFill>
-                <a:latin typeface="Courier New"/>
-              </a:rPr>
-              <a:t>//Array of audio samples, length </a:t>
-            </a:r>
-            <a:r>
-              <a:rPr lang="en-GB" sz="1800" dirty="0" err="1">
-                <a:solidFill>
-                  <a:srgbClr val="007400"/>
-                </a:solidFill>
-                <a:latin typeface="Courier New"/>
-              </a:rPr>
-              <a:t>numSamples</a:t>
+              <a:t>]</a:t>
             </a:r>
             <a:endParaRPr lang="en-GB" sz="1800" dirty="0">
               <a:solidFill>
@@ -26909,11 +29276,11 @@
             <a:r>
               <a:rPr lang="en-GB" sz="1800" dirty="0">
                 <a:solidFill>
-                  <a:srgbClr val="AB0D92"/>
+                  <a:srgbClr val="007400"/>
                 </a:solidFill>
                 <a:latin typeface="Courier New"/>
               </a:rPr>
-              <a:t>float </a:t>
+              <a:t>    </a:t>
             </a:r>
             <a:r>
               <a:rPr lang="en-GB" sz="1800" dirty="0">
@@ -26922,7 +29289,7 @@
                 </a:solidFill>
                 <a:latin typeface="Courier New"/>
               </a:rPr>
-              <a:t>coefficients[</a:t>
+              <a:t>+ coefficients[</a:t>
             </a:r>
             <a:r>
               <a:rPr lang="en-GB" sz="1800" dirty="0">
@@ -26931,7 +29298,7 @@
                 </a:solidFill>
                 <a:latin typeface="Courier New"/>
               </a:rPr>
-              <a:t>6</a:t>
+              <a:t>1</a:t>
             </a:r>
             <a:r>
               <a:rPr lang="en-GB" sz="1800" dirty="0">
@@ -26940,17 +29307,97 @@
                 </a:solidFill>
                 <a:latin typeface="Courier New"/>
               </a:rPr>
-              <a:t>];</a:t>
+              <a:t>] * x1 + coefficients[</a:t>
             </a:r>
             <a:r>
               <a:rPr lang="en-GB" sz="1800" dirty="0">
                 <a:solidFill>
+                  <a:srgbClr val="1C00D0"/>
+                </a:solidFill>
+                <a:latin typeface="Courier New"/>
+              </a:rPr>
+              <a:t>2</a:t>
+            </a:r>
+            <a:r>
+              <a:rPr lang="en-GB" sz="1800" dirty="0">
+                <a:solidFill>
+                  <a:srgbClr val="000000"/>
+                </a:solidFill>
+                <a:latin typeface="Courier New"/>
+              </a:rPr>
+              <a:t>] * x2 </a:t>
+            </a:r>
+            <a:endParaRPr lang="en-GB" sz="1800" dirty="0">
+              <a:solidFill>
+                <a:srgbClr val="007400"/>
+              </a:solidFill>
+              <a:latin typeface="Courier New"/>
+            </a:endParaRPr>
+          </a:p>
+          <a:p>
+            <a:pPr marL="142870" indent="0">
+              <a:buNone/>
+            </a:pPr>
+            <a:r>
+              <a:rPr lang="en-GB" sz="1800" dirty="0">
+                <a:solidFill>
                   <a:srgbClr val="007400"/>
                 </a:solidFill>
                 <a:latin typeface="Courier New"/>
               </a:rPr>
-              <a:t>//Previously calculated filter coefficients</a:t>
-            </a:r>
+              <a:t>    </a:t>
+            </a:r>
+            <a:r>
+              <a:rPr lang="en-GB" sz="1800" dirty="0">
+                <a:solidFill>
+                  <a:srgbClr val="000000"/>
+                </a:solidFill>
+                <a:latin typeface="Courier New"/>
+              </a:rPr>
+              <a:t>- coefficients[</a:t>
+            </a:r>
+            <a:r>
+              <a:rPr lang="en-GB" sz="1800" dirty="0">
+                <a:solidFill>
+                  <a:srgbClr val="1C00D0"/>
+                </a:solidFill>
+                <a:latin typeface="Courier New"/>
+              </a:rPr>
+              <a:t>4</a:t>
+            </a:r>
+            <a:r>
+              <a:rPr lang="en-GB" sz="1800" dirty="0">
+                <a:solidFill>
+                  <a:srgbClr val="000000"/>
+                </a:solidFill>
+                <a:latin typeface="Courier New"/>
+              </a:rPr>
+              <a:t>] * y1 - coefficients[</a:t>
+            </a:r>
+            <a:r>
+              <a:rPr lang="en-GB" sz="1800" dirty="0">
+                <a:solidFill>
+                  <a:srgbClr val="1C00D0"/>
+                </a:solidFill>
+                <a:latin typeface="Courier New"/>
+              </a:rPr>
+              <a:t>5</a:t>
+            </a:r>
+            <a:r>
+              <a:rPr lang="en-GB" sz="1800" dirty="0">
+                <a:solidFill>
+                  <a:srgbClr val="000000"/>
+                </a:solidFill>
+                <a:latin typeface="Courier New"/>
+              </a:rPr>
+              <a:t>] * y2; </a:t>
+            </a:r>
+            <a:endParaRPr lang="en-GB" sz="1800" dirty="0">
+              <a:solidFill>
+                <a:srgbClr val="007400"/>
+              </a:solidFill>
+              <a:latin typeface="Courier New"/>
+            </a:endParaRPr>
           </a:p>
           <a:p>
             <a:pPr marL="142870" indent="0">
@@ -26958,30 +29405,32 @@
             </a:pPr>
             <a:r>
               <a:rPr lang="en-GB" sz="1800" dirty="0">
-                <a:solidFill>
-                  <a:srgbClr val="AB0D92"/>
-                </a:solidFill>
                 <a:latin typeface="Courier New"/>
               </a:rPr>
-              <a:t>float </a:t>
-            </a:r>
+              <a:t>  out = out / coefficients[3];</a:t>
+            </a:r>
+          </a:p>
+          <a:p>
+            <a:pPr marL="142870" indent="0">
+              <a:buNone/>
+            </a:pPr>
             <a:r>
               <a:rPr lang="en-GB" sz="1800" dirty="0">
                 <a:solidFill>
-                  <a:srgbClr val="000000"/>
+                  <a:srgbClr val="007400"/>
                 </a:solidFill>
                 <a:latin typeface="Courier New"/>
               </a:rPr>
-              <a:t>x1, x2, y1, y2; </a:t>
+              <a:t>  </a:t>
             </a:r>
             <a:r>
               <a:rPr lang="en-GB" sz="1800" dirty="0">
                 <a:solidFill>
-                  <a:srgbClr val="007400"/>
+                  <a:srgbClr val="000000"/>
                 </a:solidFill>
                 <a:latin typeface="Courier New"/>
               </a:rPr>
-              <a:t>//Previous values of input and output</a:t>
+              <a:t>x2 = x1;</a:t>
             </a:r>
           </a:p>
           <a:p>
@@ -26991,12 +29440,17 @@
             <a:r>
               <a:rPr lang="en-GB" sz="1800" dirty="0">
                 <a:solidFill>
-                  <a:srgbClr val="AB0D92"/>
+                  <a:srgbClr val="000000"/>
                 </a:solidFill>
                 <a:latin typeface="Courier New"/>
               </a:rPr>
-              <a:t>for </a:t>
-            </a:r>
+              <a:t>  x1 = in;</a:t>
+            </a:r>
+          </a:p>
+          <a:p>
+            <a:pPr marL="142870" indent="0">
+              <a:buNone/>
+            </a:pPr>
             <a:r>
               <a:rPr lang="en-GB" sz="1800" dirty="0">
                 <a:solidFill>
@@ -27004,473 +29458,36 @@
                 </a:solidFill>
                 <a:latin typeface="Courier New"/>
               </a:rPr>
-              <a:t>(</a:t>
-            </a:r>
-            <a:r>
-              <a:rPr lang="en-GB" sz="1800" dirty="0" err="1">
-                <a:solidFill>
-                  <a:srgbClr val="AB0D92"/>
+              <a:t>  y2 = y1;</a:t>
+            </a:r>
+          </a:p>
+          <a:p>
+            <a:pPr marL="142870" indent="0">
+              <a:buNone/>
+            </a:pPr>
+            <a:r>
+              <a:rPr lang="en-GB" sz="1800" dirty="0">
+                <a:solidFill>
+                  <a:srgbClr val="000000"/>
                 </a:solidFill>
                 <a:latin typeface="Courier New"/>
               </a:rPr>
-              <a:t>int</a:t>
-            </a:r>
+              <a:t>  y1 = out;</a:t>
+            </a:r>
+          </a:p>
+          <a:p>
+            <a:pPr marL="142870" indent="0">
+              <a:buNone/>
+            </a:pPr>
             <a:r>
               <a:rPr lang="en-GB" sz="1800" dirty="0">
                 <a:solidFill>
-                  <a:srgbClr val="AB0D92"/>
+                  <a:srgbClr val="000000"/>
                 </a:solidFill>
                 <a:latin typeface="Courier New"/>
               </a:rPr>
-              <a:t> </a:t>
-            </a:r>
-            <a:r>
-              <a:rPr lang="en-GB" sz="1800" dirty="0" err="1">
-                <a:solidFill>
-                  <a:srgbClr val="000000"/>
-                </a:solidFill>
-                <a:latin typeface="Courier New"/>
-              </a:rPr>
-              <a:t>i</a:t>
-            </a:r>
-            <a:r>
-              <a:rPr lang="en-GB" sz="1800" dirty="0">
-                <a:solidFill>
-                  <a:srgbClr val="000000"/>
-                </a:solidFill>
-                <a:latin typeface="Courier New"/>
-              </a:rPr>
-              <a:t> = </a:t>
-            </a:r>
-            <a:r>
-              <a:rPr lang="en-GB" sz="1800" dirty="0">
-                <a:solidFill>
-                  <a:srgbClr val="1C00D0"/>
-                </a:solidFill>
-                <a:latin typeface="Courier New"/>
-              </a:rPr>
-              <a:t>0</a:t>
-            </a:r>
-            <a:r>
-              <a:rPr lang="en-GB" sz="1800" dirty="0">
-                <a:solidFill>
-                  <a:srgbClr val="000000"/>
-                </a:solidFill>
-                <a:latin typeface="Courier New"/>
-              </a:rPr>
-              <a:t>; </a:t>
-            </a:r>
-            <a:r>
-              <a:rPr lang="en-GB" sz="1800" dirty="0" err="1">
-                <a:solidFill>
-                  <a:srgbClr val="000000"/>
-                </a:solidFill>
-                <a:latin typeface="Courier New"/>
-              </a:rPr>
-              <a:t>i</a:t>
-            </a:r>
-            <a:r>
-              <a:rPr lang="en-GB" sz="1800" dirty="0">
-                <a:solidFill>
-                  <a:srgbClr val="000000"/>
-                </a:solidFill>
-                <a:latin typeface="Courier New"/>
-              </a:rPr>
-              <a:t> &lt; </a:t>
-            </a:r>
-            <a:r>
-              <a:rPr lang="en-GB" sz="1800" dirty="0" err="1">
-                <a:solidFill>
-                  <a:srgbClr val="000000"/>
-                </a:solidFill>
-                <a:latin typeface="Courier New"/>
-              </a:rPr>
-              <a:t>numSamples</a:t>
-            </a:r>
-            <a:r>
-              <a:rPr lang="en-GB" sz="1800" dirty="0">
-                <a:solidFill>
-                  <a:srgbClr val="000000"/>
-                </a:solidFill>
-                <a:latin typeface="Courier New"/>
-              </a:rPr>
-              <a:t>; ++</a:t>
-            </a:r>
-            <a:r>
-              <a:rPr lang="en-GB" sz="1800" dirty="0" err="1">
-                <a:solidFill>
-                  <a:srgbClr val="000000"/>
-                </a:solidFill>
-                <a:latin typeface="Courier New"/>
-              </a:rPr>
-              <a:t>i</a:t>
-            </a:r>
-            <a:r>
-              <a:rPr lang="en-GB" sz="1800" dirty="0">
-                <a:solidFill>
-                  <a:srgbClr val="000000"/>
-                </a:solidFill>
-                <a:latin typeface="Courier New"/>
-              </a:rPr>
-              <a:t>)</a:t>
-            </a:r>
-          </a:p>
-          <a:p>
-            <a:pPr marL="142870" indent="0">
-              <a:buNone/>
-            </a:pPr>
-            <a:r>
-              <a:rPr lang="en-GB" sz="1800" dirty="0">
-                <a:solidFill>
-                  <a:srgbClr val="000000"/>
-                </a:solidFill>
-                <a:latin typeface="Courier New"/>
-              </a:rPr>
-              <a:t>{</a:t>
-            </a:r>
-          </a:p>
-          <a:p>
-            <a:pPr marL="500045" lvl="1" indent="0">
-              <a:buNone/>
-            </a:pPr>
-            <a:r>
-              <a:rPr lang="en-GB" sz="1800" dirty="0" err="1">
-                <a:solidFill>
-                  <a:srgbClr val="AB0D92"/>
-                </a:solidFill>
-                <a:latin typeface="Courier New"/>
-              </a:rPr>
-              <a:t>const</a:t>
-            </a:r>
-            <a:r>
-              <a:rPr lang="en-GB" sz="1800" dirty="0">
-                <a:solidFill>
-                  <a:srgbClr val="AB0D92"/>
-                </a:solidFill>
-                <a:latin typeface="Courier New"/>
-              </a:rPr>
-              <a:t> float </a:t>
-            </a:r>
-            <a:r>
-              <a:rPr lang="en-GB" sz="1800" dirty="0">
-                <a:solidFill>
-                  <a:srgbClr val="000000"/>
-                </a:solidFill>
-                <a:latin typeface="Courier New"/>
-              </a:rPr>
-              <a:t>in = </a:t>
-            </a:r>
-            <a:r>
-              <a:rPr lang="en-GB" sz="1800" dirty="0" err="1">
-                <a:solidFill>
-                  <a:srgbClr val="000000"/>
-                </a:solidFill>
-                <a:latin typeface="Courier New"/>
-              </a:rPr>
-              <a:t>channelData</a:t>
-            </a:r>
-            <a:r>
-              <a:rPr lang="en-GB" sz="1800" dirty="0">
-                <a:solidFill>
-                  <a:srgbClr val="000000"/>
-                </a:solidFill>
-                <a:latin typeface="Courier New"/>
-              </a:rPr>
-              <a:t>[</a:t>
-            </a:r>
-            <a:r>
-              <a:rPr lang="en-GB" sz="1800" dirty="0" err="1">
-                <a:solidFill>
-                  <a:srgbClr val="000000"/>
-                </a:solidFill>
-                <a:latin typeface="Courier New"/>
-              </a:rPr>
-              <a:t>i</a:t>
-            </a:r>
-            <a:r>
-              <a:rPr lang="en-GB" sz="1800" dirty="0">
-                <a:solidFill>
-                  <a:srgbClr val="000000"/>
-                </a:solidFill>
-                <a:latin typeface="Courier New"/>
-              </a:rPr>
-              <a:t>];</a:t>
-            </a:r>
-          </a:p>
-          <a:p>
-            <a:pPr marL="500045" lvl="1" indent="0">
-              <a:buNone/>
-            </a:pPr>
-            <a:r>
-              <a:rPr lang="en-GB" sz="1800" dirty="0">
-                <a:solidFill>
-                  <a:srgbClr val="AB0D92"/>
-                </a:solidFill>
-                <a:latin typeface="Courier New"/>
-              </a:rPr>
-              <a:t>float </a:t>
-            </a:r>
-            <a:r>
-              <a:rPr lang="en-GB" sz="1800" dirty="0">
-                <a:solidFill>
-                  <a:srgbClr val="000000"/>
-                </a:solidFill>
-                <a:latin typeface="Courier New"/>
-              </a:rPr>
-              <a:t>out = coefficients[</a:t>
-            </a:r>
-            <a:r>
-              <a:rPr lang="en-GB" sz="1800" dirty="0">
-                <a:solidFill>
-                  <a:srgbClr val="1C00D0"/>
-                </a:solidFill>
-                <a:latin typeface="Courier New"/>
-              </a:rPr>
-              <a:t>0</a:t>
-            </a:r>
-            <a:r>
-              <a:rPr lang="en-GB" sz="1800" dirty="0">
-                <a:solidFill>
-                  <a:srgbClr val="000000"/>
-                </a:solidFill>
-                <a:latin typeface="Courier New"/>
-              </a:rPr>
-              <a:t>] * in </a:t>
-            </a:r>
-            <a:r>
-              <a:rPr lang="en-GB" sz="1800" dirty="0">
-                <a:solidFill>
-                  <a:srgbClr val="007400"/>
-                </a:solidFill>
-                <a:latin typeface="Courier New"/>
-              </a:rPr>
-              <a:t>/* b0 */</a:t>
-            </a:r>
-          </a:p>
-          <a:p>
-            <a:pPr marL="500045" lvl="1" indent="0">
-              <a:buNone/>
-            </a:pPr>
-            <a:r>
-              <a:rPr lang="en-GB" sz="1800" dirty="0">
-                <a:solidFill>
-                  <a:srgbClr val="000000"/>
-                </a:solidFill>
-                <a:latin typeface="Courier New"/>
-              </a:rPr>
-              <a:t>	+ coefficients[</a:t>
-            </a:r>
-            <a:r>
-              <a:rPr lang="en-GB" sz="1800" dirty="0">
-                <a:solidFill>
-                  <a:srgbClr val="1C00D0"/>
-                </a:solidFill>
-                <a:latin typeface="Courier New"/>
-              </a:rPr>
-              <a:t>1</a:t>
-            </a:r>
-            <a:r>
-              <a:rPr lang="en-GB" sz="1800" dirty="0">
-                <a:solidFill>
-                  <a:srgbClr val="000000"/>
-                </a:solidFill>
-                <a:latin typeface="Courier New"/>
-              </a:rPr>
-              <a:t>] * x1 </a:t>
-            </a:r>
-            <a:r>
-              <a:rPr lang="en-GB" sz="1800" dirty="0">
-                <a:solidFill>
-                  <a:srgbClr val="007400"/>
-                </a:solidFill>
-                <a:latin typeface="Courier New"/>
-              </a:rPr>
-              <a:t>/* b1 */</a:t>
-            </a:r>
-          </a:p>
-          <a:p>
-            <a:pPr marL="500045" lvl="1" indent="0">
-              <a:buNone/>
-            </a:pPr>
-            <a:r>
-              <a:rPr lang="en-GB" sz="1800" dirty="0">
-                <a:solidFill>
-                  <a:srgbClr val="000000"/>
-                </a:solidFill>
-                <a:latin typeface="Courier New"/>
-              </a:rPr>
-              <a:t>	+ coefficients[</a:t>
-            </a:r>
-            <a:r>
-              <a:rPr lang="en-GB" sz="1800" dirty="0">
-                <a:solidFill>
-                  <a:srgbClr val="1C00D0"/>
-                </a:solidFill>
-                <a:latin typeface="Courier New"/>
-              </a:rPr>
-              <a:t>2</a:t>
-            </a:r>
-            <a:r>
-              <a:rPr lang="en-GB" sz="1800" dirty="0">
-                <a:solidFill>
-                  <a:srgbClr val="000000"/>
-                </a:solidFill>
-                <a:latin typeface="Courier New"/>
-              </a:rPr>
-              <a:t>] * x2 </a:t>
-            </a:r>
-            <a:r>
-              <a:rPr lang="en-GB" sz="1800" dirty="0">
-                <a:solidFill>
-                  <a:srgbClr val="007400"/>
-                </a:solidFill>
-                <a:latin typeface="Courier New"/>
-              </a:rPr>
-              <a:t>/* b2 */</a:t>
-            </a:r>
-          </a:p>
-          <a:p>
-            <a:pPr marL="500045" lvl="1" indent="0">
-              <a:buNone/>
-            </a:pPr>
-            <a:r>
-              <a:rPr lang="en-GB" sz="1800" dirty="0">
-                <a:solidFill>
-                  <a:srgbClr val="000000"/>
-                </a:solidFill>
-                <a:latin typeface="Courier New"/>
-              </a:rPr>
-              <a:t>	- coefficients[</a:t>
-            </a:r>
-            <a:r>
-              <a:rPr lang="en-GB" sz="1800" dirty="0">
-                <a:solidFill>
-                  <a:srgbClr val="1C00D0"/>
-                </a:solidFill>
-                <a:latin typeface="Courier New"/>
-              </a:rPr>
-              <a:t>4</a:t>
-            </a:r>
-            <a:r>
-              <a:rPr lang="en-GB" sz="1800" dirty="0">
-                <a:solidFill>
-                  <a:srgbClr val="000000"/>
-                </a:solidFill>
-                <a:latin typeface="Courier New"/>
-              </a:rPr>
-              <a:t>] * y1 </a:t>
-            </a:r>
-            <a:r>
-              <a:rPr lang="en-GB" sz="1800" dirty="0">
-                <a:solidFill>
-                  <a:srgbClr val="007400"/>
-                </a:solidFill>
-                <a:latin typeface="Courier New"/>
-              </a:rPr>
-              <a:t>/* a1 */</a:t>
-            </a:r>
-          </a:p>
-          <a:p>
-            <a:pPr marL="500045" lvl="1" indent="0">
-              <a:buNone/>
-            </a:pPr>
-            <a:r>
-              <a:rPr lang="en-GB" sz="1800" dirty="0">
-                <a:solidFill>
-                  <a:srgbClr val="000000"/>
-                </a:solidFill>
-                <a:latin typeface="Courier New"/>
-              </a:rPr>
-              <a:t>	- coefficients[</a:t>
-            </a:r>
-            <a:r>
-              <a:rPr lang="en-GB" sz="1800" dirty="0">
-                <a:solidFill>
-                  <a:srgbClr val="1C00D0"/>
-                </a:solidFill>
-                <a:latin typeface="Courier New"/>
-              </a:rPr>
-              <a:t>5</a:t>
-            </a:r>
-            <a:r>
-              <a:rPr lang="en-GB" sz="1800" dirty="0">
-                <a:solidFill>
-                  <a:srgbClr val="000000"/>
-                </a:solidFill>
-                <a:latin typeface="Courier New"/>
-              </a:rPr>
-              <a:t>] * y2; </a:t>
-            </a:r>
-            <a:r>
-              <a:rPr lang="en-GB" sz="1800" dirty="0">
-                <a:solidFill>
-                  <a:srgbClr val="007400"/>
-                </a:solidFill>
-                <a:latin typeface="Courier New"/>
-              </a:rPr>
-              <a:t>/* a2 */</a:t>
-            </a:r>
-          </a:p>
-          <a:p>
-            <a:pPr marL="500045" lvl="1" indent="0">
-              <a:buNone/>
-            </a:pPr>
-            <a:r>
-              <a:rPr lang="en-GB" sz="1800" dirty="0">
-                <a:solidFill>
-                  <a:srgbClr val="000000"/>
-                </a:solidFill>
-                <a:latin typeface="Courier New"/>
-              </a:rPr>
-              <a:t>x2 = x1;</a:t>
-            </a:r>
-          </a:p>
-          <a:p>
-            <a:pPr marL="500045" lvl="1" indent="0">
-              <a:buNone/>
-            </a:pPr>
-            <a:r>
-              <a:rPr lang="en-GB" sz="1800" dirty="0">
-                <a:solidFill>
-                  <a:srgbClr val="000000"/>
-                </a:solidFill>
-                <a:latin typeface="Courier New"/>
-              </a:rPr>
-              <a:t>x1 = in;</a:t>
-            </a:r>
-          </a:p>
-          <a:p>
-            <a:pPr marL="500045" lvl="1" indent="0">
-              <a:buNone/>
-            </a:pPr>
-            <a:r>
-              <a:rPr lang="en-GB" sz="1800" dirty="0">
-                <a:solidFill>
-                  <a:srgbClr val="000000"/>
-                </a:solidFill>
-                <a:latin typeface="Courier New"/>
-              </a:rPr>
-              <a:t>y2 = y1;</a:t>
-            </a:r>
-          </a:p>
-          <a:p>
-            <a:pPr marL="500045" lvl="1" indent="0">
-              <a:buNone/>
-            </a:pPr>
-            <a:r>
-              <a:rPr lang="en-GB" sz="1800" dirty="0">
-                <a:solidFill>
-                  <a:srgbClr val="000000"/>
-                </a:solidFill>
-                <a:latin typeface="Courier New"/>
-              </a:rPr>
-              <a:t>y1 = out;</a:t>
-            </a:r>
-          </a:p>
-          <a:p>
-            <a:pPr marL="500045" lvl="1" indent="0">
-              <a:buNone/>
-            </a:pPr>
+              <a:t>  </a:t>
+            </a:r>
             <a:r>
               <a:rPr lang="en-GB" sz="1800" dirty="0" err="1">
                 <a:solidFill>
